--- a/ls _command.pptx
+++ b/ls _command.pptx
@@ -1322,7 +1322,7 @@
       </p:grpSpPr>
       <p:sp>
         <p:nvSpPr>
-          <p:cNvPr id="117" name="Google Shape;117;g8854cf7a01_0_295:notes"/>
+          <p:cNvPr id="117" name="Google Shape;117;g885e206f79_0_0:notes"/>
           <p:cNvSpPr/>
           <p:nvPr>
             <p:ph idx="2" type="sldImg"/>
@@ -1357,7 +1357,7 @@
       </p:sp>
       <p:sp>
         <p:nvSpPr>
-          <p:cNvPr id="118" name="Google Shape;118;g8854cf7a01_0_295:notes"/>
+          <p:cNvPr id="118" name="Google Shape;118;g885e206f79_0_0:notes"/>
           <p:cNvSpPr txBox="1"/>
           <p:nvPr>
             <p:ph idx="1" type="body"/>
@@ -8857,7 +8857,7 @@
             <a:tbl>
               <a:tblPr>
                 <a:noFill/>
-                <a:tableStyleId>{B06EC910-9D93-47EA-BC00-6B928554B041}</a:tableStyleId>
+                <a:tableStyleId>{8E2745E4-F09C-469F-8119-050071F62432}</a:tableStyleId>
               </a:tblPr>
               <a:tblGrid>
                 <a:gridCol w="1554625"/>
@@ -9631,7 +9631,7 @@
         </p:nvSpPr>
         <p:spPr>
           <a:xfrm>
-            <a:off x="729450" y="1318650"/>
+            <a:off x="727650" y="1191550"/>
             <a:ext cx="7688700" cy="535200"/>
           </a:xfrm>
           <a:prstGeom prst="rect">
@@ -9696,8 +9696,8 @@
         </p:nvSpPr>
         <p:spPr>
           <a:xfrm>
-            <a:off x="729450" y="2078875"/>
-            <a:ext cx="7688700" cy="2642400"/>
+            <a:off x="727650" y="1775275"/>
+            <a:ext cx="7688700" cy="3153000"/>
           </a:xfrm>
           <a:prstGeom prst="rect">
             <a:avLst/>
@@ -9720,13 +9720,66 @@
               <a:buChar char="❖"/>
             </a:pPr>
             <a:r>
+              <a:rPr b="1" lang="en" sz="1600">
+                <a:latin typeface="Courier New"/>
+                <a:ea typeface="Courier New"/>
+                <a:cs typeface="Courier New"/>
+                <a:sym typeface="Courier New"/>
+              </a:rPr>
+              <a:t>l</a:t>
+            </a:r>
+            <a:r>
+              <a:rPr b="1" lang="en" sz="1600">
+                <a:latin typeface="Courier New"/>
+                <a:ea typeface="Courier New"/>
+                <a:cs typeface="Courier New"/>
+                <a:sym typeface="Courier New"/>
+              </a:rPr>
+              <a:t>s</a:t>
+            </a:r>
+            <a:r>
               <a:rPr lang="en" sz="1600">
                 <a:latin typeface="Courier New"/>
                 <a:ea typeface="Courier New"/>
                 <a:cs typeface="Courier New"/>
                 <a:sym typeface="Courier New"/>
               </a:rPr>
+              <a:t> </a:t>
+            </a:r>
+            <a:r>
+              <a:rPr lang="en" sz="1600"/>
+              <a:t> stands for list.</a:t>
+            </a:r>
+            <a:endParaRPr sz="1600"/>
+          </a:p>
+          <a:p>
+            <a:pPr indent="-330200" lvl="0" marL="457200" rtl="0" algn="l">
+              <a:spcBef>
+                <a:spcPts val="0"/>
+              </a:spcBef>
+              <a:spcAft>
+                <a:spcPts val="0"/>
+              </a:spcAft>
+              <a:buSzPts val="1600"/>
+              <a:buChar char="❖"/>
+            </a:pPr>
+            <a:r>
+              <a:rPr b="1" lang="en" sz="1600">
+                <a:latin typeface="Courier New"/>
+                <a:ea typeface="Courier New"/>
+                <a:cs typeface="Courier New"/>
+                <a:sym typeface="Courier New"/>
+              </a:rPr>
               <a:t>l</a:t>
+            </a:r>
+            <a:r>
+              <a:rPr b="1" lang="en" sz="1600">
+                <a:latin typeface="Courier New"/>
+                <a:ea typeface="Courier New"/>
+                <a:cs typeface="Courier New"/>
+                <a:sym typeface="Courier New"/>
+              </a:rPr>
+              <a:t>s</a:t>
             </a:r>
             <a:r>
               <a:rPr lang="en" sz="1600">
@@ -9735,11 +9788,11 @@
                 <a:cs typeface="Courier New"/>
                 <a:sym typeface="Courier New"/>
               </a:rPr>
-              <a:t>s </a:t>
+              <a:t> </a:t>
             </a:r>
             <a:r>
               <a:rPr lang="en" sz="1600"/>
-              <a:t> stands for list.</a:t>
+              <a:t> command is used to list the contents of a directory(directories and files).</a:t>
             </a:r>
             <a:endParaRPr sz="1600"/>
           </a:p>
@@ -9754,6 +9807,15 @@
               <a:buSzPts val="1600"/>
               <a:buChar char="❖"/>
             </a:pPr>
+            <a:r>
+              <a:rPr b="1" lang="en" sz="1600">
+                <a:latin typeface="Courier New"/>
+                <a:ea typeface="Courier New"/>
+                <a:cs typeface="Courier New"/>
+                <a:sym typeface="Courier New"/>
+              </a:rPr>
+              <a:t>ls</a:t>
+            </a:r>
             <a:r>
               <a:rPr lang="en" sz="1600">
                 <a:latin typeface="Courier New"/>
@@ -9761,7 +9823,88 @@
                 <a:cs typeface="Courier New"/>
                 <a:sym typeface="Courier New"/>
               </a:rPr>
-              <a:t>l</a:t>
+              <a:t> </a:t>
+            </a:r>
+            <a:r>
+              <a:rPr lang="en" sz="1600"/>
+              <a:t> command gives the contents of  present working directory in </a:t>
+            </a:r>
+            <a:r>
+              <a:rPr b="1" lang="en" sz="1600"/>
+              <a:t>alphabetical order.</a:t>
+            </a:r>
+            <a:endParaRPr b="1" sz="1600"/>
+          </a:p>
+          <a:p>
+            <a:pPr indent="-330200" lvl="0" marL="457200" rtl="0" algn="l">
+              <a:spcBef>
+                <a:spcPts val="0"/>
+              </a:spcBef>
+              <a:spcAft>
+                <a:spcPts val="0"/>
+              </a:spcAft>
+              <a:buSzPts val="1600"/>
+              <a:buChar char="❖"/>
+            </a:pPr>
+            <a:r>
+              <a:rPr lang="en" sz="1600"/>
+              <a:t>Using</a:t>
+            </a:r>
+            <a:r>
+              <a:rPr b="1" lang="en" sz="1600">
+                <a:latin typeface="Courier New"/>
+                <a:ea typeface="Courier New"/>
+                <a:cs typeface="Courier New"/>
+                <a:sym typeface="Courier New"/>
+              </a:rPr>
+              <a:t> ls</a:t>
+            </a:r>
+            <a:r>
+              <a:rPr lang="en" sz="1600"/>
+              <a:t> command, We can find contents of any other directory without moving to that directory in Terminal.</a:t>
+            </a:r>
+            <a:endParaRPr sz="1600"/>
+          </a:p>
+          <a:p>
+            <a:pPr indent="-330200" lvl="0" marL="457200" rtl="0" algn="l">
+              <a:spcBef>
+                <a:spcPts val="0"/>
+              </a:spcBef>
+              <a:spcAft>
+                <a:spcPts val="0"/>
+              </a:spcAft>
+              <a:buSzPts val="1600"/>
+              <a:buChar char="❖"/>
+            </a:pPr>
+            <a:r>
+              <a:rPr lang="en" sz="1600"/>
+              <a:t>For this purpose, we need to give path(either relative or absolute) of that directory as an input to the command. These inputs are called as </a:t>
+            </a:r>
+            <a:r>
+              <a:rPr b="1" lang="en" sz="1600"/>
+              <a:t>Arguments.</a:t>
+            </a:r>
+            <a:endParaRPr sz="1600"/>
+          </a:p>
+          <a:p>
+            <a:pPr indent="-330200" lvl="0" marL="457200" rtl="0" algn="l">
+              <a:spcBef>
+                <a:spcPts val="0"/>
+              </a:spcBef>
+              <a:spcAft>
+                <a:spcPts val="0"/>
+              </a:spcAft>
+              <a:buSzPts val="1600"/>
+              <a:buChar char="❖"/>
+            </a:pPr>
+            <a:r>
+              <a:rPr b="1" lang="en" sz="1600">
+                <a:latin typeface="Courier New"/>
+                <a:ea typeface="Courier New"/>
+                <a:cs typeface="Courier New"/>
+                <a:sym typeface="Courier New"/>
+              </a:rPr>
+              <a:t>ls</a:t>
             </a:r>
             <a:r>
               <a:rPr lang="en" sz="1600">
@@ -9770,11 +9913,19 @@
                 <a:cs typeface="Courier New"/>
                 <a:sym typeface="Courier New"/>
               </a:rPr>
-              <a:t>s </a:t>
+              <a:t> </a:t>
             </a:r>
             <a:r>
               <a:rPr lang="en" sz="1600"/>
-              <a:t> command is used to list the contents of a directory(directories and files).</a:t>
+              <a:t>command takes </a:t>
+            </a:r>
+            <a:r>
+              <a:rPr b="1" lang="en" sz="1600"/>
+              <a:t>path</a:t>
+            </a:r>
+            <a:r>
+              <a:rPr lang="en" sz="1600"/>
+              <a:t> of directory as an argument(input).</a:t>
             </a:r>
             <a:endParaRPr sz="1600"/>
           </a:p>
@@ -9791,132 +9942,7 @@
             </a:pPr>
             <a:r>
               <a:rPr lang="en" sz="1600"/>
-              <a:t>Without any arguments</a:t>
-            </a:r>
-            <a:r>
-              <a:rPr lang="en" sz="1600">
-                <a:latin typeface="Courier New"/>
-                <a:ea typeface="Courier New"/>
-                <a:cs typeface="Courier New"/>
-                <a:sym typeface="Courier New"/>
-              </a:rPr>
-              <a:t> ls </a:t>
-            </a:r>
-            <a:r>
-              <a:rPr lang="en" sz="1600"/>
-              <a:t> command gives the contents of  present working directory.</a:t>
-            </a:r>
-            <a:endParaRPr sz="1600"/>
-          </a:p>
-          <a:p>
-            <a:pPr indent="-330200" lvl="0" marL="457200" rtl="0" algn="l">
-              <a:spcBef>
-                <a:spcPts val="0"/>
-              </a:spcBef>
-              <a:spcAft>
-                <a:spcPts val="0"/>
-              </a:spcAft>
-              <a:buSzPts val="1600"/>
-              <a:buChar char="❖"/>
-            </a:pPr>
-            <a:r>
-              <a:rPr lang="en" sz="1600">
-                <a:latin typeface="Courier New"/>
-                <a:ea typeface="Courier New"/>
-                <a:cs typeface="Courier New"/>
-                <a:sym typeface="Courier New"/>
-              </a:rPr>
-              <a:t>l</a:t>
-            </a:r>
-            <a:r>
-              <a:rPr lang="en" sz="1600">
-                <a:latin typeface="Courier New"/>
-                <a:ea typeface="Courier New"/>
-                <a:cs typeface="Courier New"/>
-                <a:sym typeface="Courier New"/>
-              </a:rPr>
-              <a:t>s </a:t>
-            </a:r>
-            <a:r>
-              <a:rPr lang="en" sz="1600"/>
-              <a:t>command takes path of certain directory as an argument.</a:t>
-            </a:r>
-            <a:endParaRPr sz="1600"/>
-          </a:p>
-          <a:p>
-            <a:pPr indent="-330200" lvl="0" marL="457200" rtl="0" algn="l">
-              <a:spcBef>
-                <a:spcPts val="0"/>
-              </a:spcBef>
-              <a:spcAft>
-                <a:spcPts val="0"/>
-              </a:spcAft>
-              <a:buSzPts val="1600"/>
-              <a:buChar char="❖"/>
-            </a:pPr>
-            <a:r>
-              <a:rPr lang="en" sz="1600">
-                <a:latin typeface="Courier New"/>
-                <a:ea typeface="Courier New"/>
-                <a:cs typeface="Courier New"/>
-                <a:sym typeface="Courier New"/>
-              </a:rPr>
-              <a:t>l</a:t>
-            </a:r>
-            <a:r>
-              <a:rPr lang="en" sz="1600">
-                <a:latin typeface="Courier New"/>
-                <a:ea typeface="Courier New"/>
-                <a:cs typeface="Courier New"/>
-                <a:sym typeface="Courier New"/>
-              </a:rPr>
-              <a:t>s</a:t>
-            </a:r>
-            <a:r>
-              <a:rPr lang="en" sz="1600"/>
-              <a:t>   command takes only one argument.</a:t>
-            </a:r>
-            <a:endParaRPr sz="1600"/>
-          </a:p>
-          <a:p>
-            <a:pPr indent="-330200" lvl="0" marL="457200" rtl="0" algn="l">
-              <a:spcBef>
-                <a:spcPts val="0"/>
-              </a:spcBef>
-              <a:spcAft>
-                <a:spcPts val="0"/>
-              </a:spcAft>
-              <a:buSzPts val="1600"/>
-              <a:buChar char="❖"/>
-            </a:pPr>
-            <a:r>
-              <a:rPr lang="en" sz="1600"/>
-              <a:t>It means that we need not go to that directory to look for it’s contents. I</a:t>
-            </a:r>
-            <a:r>
-              <a:rPr lang="en" sz="1600"/>
-              <a:t>f we know the path to that directory, </a:t>
-            </a:r>
-            <a:r>
-              <a:rPr lang="en" sz="1600"/>
-              <a:t>w</a:t>
-            </a:r>
-            <a:r>
-              <a:rPr lang="en" sz="1600"/>
-              <a:t>ith the help of  </a:t>
-            </a:r>
-            <a:r>
-              <a:rPr lang="en" sz="1600">
-                <a:latin typeface="Courier New"/>
-                <a:ea typeface="Courier New"/>
-                <a:cs typeface="Courier New"/>
-                <a:sym typeface="Courier New"/>
-              </a:rPr>
-              <a:t>ls</a:t>
-            </a:r>
-            <a:r>
-              <a:rPr lang="en" sz="1600"/>
-              <a:t>  command, we can find the contents of a certain directory.</a:t>
+              <a:t>Commands can take more than one argument also.</a:t>
             </a:r>
             <a:endParaRPr sz="1600"/>
           </a:p>
@@ -9957,8 +9983,8 @@
         </p:nvSpPr>
         <p:spPr>
           <a:xfrm>
-            <a:off x="729450" y="1353475"/>
-            <a:ext cx="7688700" cy="2986500"/>
+            <a:off x="727650" y="1410275"/>
+            <a:ext cx="7688700" cy="3573600"/>
           </a:xfrm>
           <a:prstGeom prst="rect">
             <a:avLst/>
@@ -9971,6 +9997,9 @@
           <a:lstStyle/>
           <a:p>
             <a:pPr indent="0" lvl="0" marL="0" rtl="0" algn="l">
+              <a:lnSpc>
+                <a:spcPct val="50000"/>
+              </a:lnSpc>
               <a:spcBef>
                 <a:spcPts val="0"/>
               </a:spcBef>
@@ -9981,43 +10010,257 @@
             </a:pPr>
             <a:r>
               <a:rPr b="1" lang="en" sz="1500"/>
-              <a:t>Arguments:</a:t>
-            </a:r>
-            <a:endParaRPr b="1" sz="1500"/>
+              <a:t>Flags </a:t>
+            </a:r>
+            <a:r>
+              <a:rPr lang="en" sz="1500"/>
+              <a:t>:</a:t>
+            </a:r>
+            <a:endParaRPr sz="1500"/>
           </a:p>
           <a:p>
-            <a:pPr indent="-317500" lvl="0" marL="457200" rtl="0" algn="l">
+            <a:pPr indent="0" lvl="0" marL="0" rtl="0" algn="l">
+              <a:lnSpc>
+                <a:spcPct val="20000"/>
+              </a:lnSpc>
               <a:spcBef>
                 <a:spcPts val="1600"/>
               </a:spcBef>
               <a:spcAft>
                 <a:spcPts val="0"/>
               </a:spcAft>
-              <a:buSzPts val="1400"/>
-              <a:buChar char="❖"/>
+              <a:buNone/>
             </a:pPr>
             <a:r>
               <a:rPr lang="en" sz="1400"/>
-              <a:t>They are  file names or any other data that is provided to a command to use it as an input.</a:t>
-            </a:r>
-            <a:endParaRPr sz="1400"/>
+              <a:t>	</a:t>
+            </a:r>
+            <a:r>
+              <a:rPr b="1" lang="en" sz="1400">
+                <a:solidFill>
+                  <a:srgbClr val="222222"/>
+                </a:solidFill>
+                <a:highlight>
+                  <a:schemeClr val="lt1"/>
+                </a:highlight>
+              </a:rPr>
+              <a:t>Flags</a:t>
+            </a:r>
+            <a:r>
+              <a:rPr lang="en" sz="1400">
+                <a:solidFill>
+                  <a:srgbClr val="222222"/>
+                </a:solidFill>
+                <a:highlight>
+                  <a:schemeClr val="lt1"/>
+                </a:highlight>
+              </a:rPr>
+              <a:t> are a way to set options to the commands you run which will change their behavior</a:t>
+            </a:r>
+            <a:endParaRPr sz="1400">
+              <a:solidFill>
+                <a:srgbClr val="222222"/>
+              </a:solidFill>
+              <a:highlight>
+                <a:schemeClr val="lt1"/>
+              </a:highlight>
+            </a:endParaRPr>
           </a:p>
           <a:p>
-            <a:pPr indent="-317500" lvl="0" marL="457200" rtl="0" algn="l">
-              <a:spcBef>
-                <a:spcPts val="0"/>
-              </a:spcBef>
-              <a:spcAft>
-                <a:spcPts val="0"/>
-              </a:spcAft>
+            <a:pPr indent="0" lvl="0" marL="0" rtl="0" algn="l">
+              <a:lnSpc>
+                <a:spcPct val="20000"/>
+              </a:lnSpc>
+              <a:spcBef>
+                <a:spcPts val="1600"/>
+              </a:spcBef>
+              <a:spcAft>
+                <a:spcPts val="0"/>
+              </a:spcAft>
+              <a:buNone/>
+            </a:pPr>
+            <a:r>
+              <a:rPr lang="en" sz="1400">
+                <a:solidFill>
+                  <a:srgbClr val="222222"/>
+                </a:solidFill>
+                <a:highlight>
+                  <a:schemeClr val="lt1"/>
+                </a:highlight>
+              </a:rPr>
+              <a:t> 	based on what </a:t>
+            </a:r>
+            <a:r>
+              <a:rPr b="1" lang="en" sz="1400">
+                <a:solidFill>
+                  <a:srgbClr val="222222"/>
+                </a:solidFill>
+                <a:highlight>
+                  <a:schemeClr val="lt1"/>
+                </a:highlight>
+              </a:rPr>
+              <a:t>flags</a:t>
+            </a:r>
+            <a:r>
+              <a:rPr lang="en" sz="1400">
+                <a:solidFill>
+                  <a:srgbClr val="222222"/>
+                </a:solidFill>
+                <a:highlight>
+                  <a:schemeClr val="lt1"/>
+                </a:highlight>
+              </a:rPr>
+              <a:t> are set.</a:t>
+            </a:r>
+            <a:endParaRPr sz="1400">
+              <a:solidFill>
+                <a:srgbClr val="222222"/>
+              </a:solidFill>
+              <a:highlight>
+                <a:schemeClr val="lt1"/>
+              </a:highlight>
+            </a:endParaRPr>
+          </a:p>
+          <a:p>
+            <a:pPr indent="457200" lvl="0" marL="0" rtl="0" algn="l">
+              <a:lnSpc>
+                <a:spcPct val="20000"/>
+              </a:lnSpc>
+              <a:spcBef>
+                <a:spcPts val="1600"/>
+              </a:spcBef>
+              <a:spcAft>
+                <a:spcPts val="0"/>
+              </a:spcAft>
+              <a:buNone/>
+            </a:pPr>
+            <a:r>
+              <a:rPr lang="en" sz="1400">
+                <a:solidFill>
+                  <a:srgbClr val="222222"/>
+                </a:solidFill>
+                <a:highlight>
+                  <a:schemeClr val="lt1"/>
+                </a:highlight>
+              </a:rPr>
+              <a:t>There are two types of flags:</a:t>
+            </a:r>
+            <a:endParaRPr sz="1400">
+              <a:solidFill>
+                <a:srgbClr val="222222"/>
+              </a:solidFill>
+              <a:highlight>
+                <a:schemeClr val="lt1"/>
+              </a:highlight>
+            </a:endParaRPr>
+          </a:p>
+          <a:p>
+            <a:pPr indent="-317500" lvl="0" marL="914400" rtl="0" algn="l">
+              <a:spcBef>
+                <a:spcPts val="1600"/>
+              </a:spcBef>
+              <a:spcAft>
+                <a:spcPts val="0"/>
+              </a:spcAft>
+              <a:buClr>
+                <a:srgbClr val="222222"/>
+              </a:buClr>
               <a:buSzPts val="1400"/>
-              <a:buChar char="❖"/>
+              <a:buChar char="●"/>
             </a:pPr>
             <a:r>
-              <a:rPr lang="en" sz="1400"/>
-              <a:t>A command can also have more than one argument.</a:t>
-            </a:r>
-            <a:endParaRPr sz="1400"/>
+              <a:rPr lang="en" sz="1400">
+                <a:solidFill>
+                  <a:srgbClr val="222222"/>
+                </a:solidFill>
+                <a:highlight>
+                  <a:schemeClr val="lt1"/>
+                </a:highlight>
+              </a:rPr>
+              <a:t>Single-lettered : they start with  -</a:t>
+            </a:r>
+            <a:endParaRPr sz="1400">
+              <a:solidFill>
+                <a:srgbClr val="222222"/>
+              </a:solidFill>
+              <a:highlight>
+                <a:schemeClr val="lt1"/>
+              </a:highlight>
+            </a:endParaRPr>
+          </a:p>
+          <a:p>
+            <a:pPr indent="-317500" lvl="0" marL="914400" rtl="0" algn="l">
+              <a:lnSpc>
+                <a:spcPct val="100000"/>
+              </a:lnSpc>
+              <a:spcBef>
+                <a:spcPts val="0"/>
+              </a:spcBef>
+              <a:spcAft>
+                <a:spcPts val="0"/>
+              </a:spcAft>
+              <a:buClr>
+                <a:srgbClr val="222222"/>
+              </a:buClr>
+              <a:buSzPts val="1400"/>
+              <a:buChar char="●"/>
+            </a:pPr>
+            <a:r>
+              <a:rPr lang="en" sz="1400">
+                <a:solidFill>
+                  <a:srgbClr val="222222"/>
+                </a:solidFill>
+                <a:highlight>
+                  <a:schemeClr val="lt1"/>
+                </a:highlight>
+              </a:rPr>
+              <a:t>Multi-lettered : they start with  --</a:t>
+            </a:r>
+            <a:endParaRPr sz="1400">
+              <a:solidFill>
+                <a:srgbClr val="222222"/>
+              </a:solidFill>
+              <a:highlight>
+                <a:schemeClr val="lt1"/>
+              </a:highlight>
+            </a:endParaRPr>
+          </a:p>
+          <a:p>
+            <a:pPr indent="-317500" lvl="0" marL="914400" rtl="0" algn="l">
+              <a:lnSpc>
+                <a:spcPct val="100000"/>
+              </a:lnSpc>
+              <a:spcBef>
+                <a:spcPts val="0"/>
+              </a:spcBef>
+              <a:spcAft>
+                <a:spcPts val="0"/>
+              </a:spcAft>
+              <a:buClr>
+                <a:srgbClr val="222222"/>
+              </a:buClr>
+              <a:buSzPts val="1400"/>
+              <a:buChar char="●"/>
+            </a:pPr>
+            <a:r>
+              <a:rPr lang="en" sz="1400">
+                <a:solidFill>
+                  <a:srgbClr val="222222"/>
+                </a:solidFill>
+                <a:highlight>
+                  <a:schemeClr val="lt1"/>
+                </a:highlight>
+              </a:rPr>
+              <a:t>A command can use more than one  flag</a:t>
+            </a:r>
+            <a:endParaRPr sz="1400">
+              <a:solidFill>
+                <a:srgbClr val="222222"/>
+              </a:solidFill>
+              <a:highlight>
+                <a:schemeClr val="lt1"/>
+              </a:highlight>
+            </a:endParaRPr>
           </a:p>
           <a:p>
             <a:pPr indent="0" lvl="0" marL="0" rtl="0" algn="l">
@@ -10034,7 +10277,20 @@
             </a:pPr>
             <a:r>
               <a:rPr lang="en" sz="1400"/>
-              <a:t>Important flags of ls command:</a:t>
+              <a:t>Important flags of </a:t>
+            </a:r>
+            <a:r>
+              <a:rPr b="1" lang="en" sz="1400">
+                <a:latin typeface="Courier New"/>
+                <a:ea typeface="Courier New"/>
+                <a:cs typeface="Courier New"/>
+                <a:sym typeface="Courier New"/>
+              </a:rPr>
+              <a:t>ls</a:t>
+            </a:r>
+            <a:r>
+              <a:rPr lang="en" sz="1400"/>
+              <a:t> command:</a:t>
             </a:r>
             <a:endParaRPr sz="1400"/>
           </a:p>
@@ -10142,24 +10398,49 @@
             </a:r>
             <a:r>
               <a:rPr lang="en" sz="1400"/>
-              <a:t>-U	do not sort, print in the order they are present in directory</a:t>
+              <a:t>-F	differentiate between directories and files in the output</a:t>
             </a:r>
             <a:endParaRPr sz="1400"/>
           </a:p>
           <a:p>
             <a:pPr indent="0" lvl="0" marL="0" rtl="0" algn="l">
+              <a:lnSpc>
+                <a:spcPct val="100000"/>
+              </a:lnSpc>
               <a:spcBef>
                 <a:spcPts val="1600"/>
               </a:spcBef>
               <a:spcAft>
+                <a:spcPts val="0"/>
+              </a:spcAft>
+              <a:buNone/>
+            </a:pPr>
+            <a:r>
+              <a:t/>
+            </a:r>
+            <a:endParaRPr sz="1400">
+              <a:solidFill>
+                <a:srgbClr val="222222"/>
+              </a:solidFill>
+              <a:highlight>
+                <a:schemeClr val="lt1"/>
+              </a:highlight>
+            </a:endParaRPr>
+          </a:p>
+          <a:p>
+            <a:pPr indent="0" lvl="0" marL="0" rtl="0" algn="l">
+              <a:spcBef>
                 <a:spcPts val="1600"/>
+              </a:spcBef>
+              <a:spcAft>
+                <a:spcPts val="1600"/>
               </a:spcAft>
               <a:buNone/>
             </a:pPr>
             <a:r>
               <a:t/>
             </a:r>
-            <a:endParaRPr sz="1400"/>
+            <a:endParaRPr/>
           </a:p>
         </p:txBody>
       </p:sp>
@@ -10297,296 +10578,24 @@
           <a:p>
             <a:pPr indent="0" lvl="0" marL="0" rtl="0" algn="l">
               <a:lnSpc>
-                <a:spcPct val="50000"/>
-              </a:lnSpc>
-              <a:spcBef>
-                <a:spcPts val="1600"/>
-              </a:spcBef>
-              <a:spcAft>
-                <a:spcPts val="0"/>
-              </a:spcAft>
-              <a:buNone/>
-            </a:pPr>
-            <a:r>
-              <a:rPr b="1" lang="en" sz="1500"/>
-              <a:t>Flags </a:t>
-            </a:r>
-            <a:r>
-              <a:rPr lang="en" sz="1500"/>
-              <a:t>:</a:t>
-            </a:r>
-            <a:endParaRPr sz="1500"/>
-          </a:p>
-          <a:p>
-            <a:pPr indent="0" lvl="0" marL="0" rtl="0" algn="l">
-              <a:lnSpc>
-                <a:spcPct val="20000"/>
-              </a:lnSpc>
-              <a:spcBef>
-                <a:spcPts val="1600"/>
-              </a:spcBef>
-              <a:spcAft>
-                <a:spcPts val="0"/>
-              </a:spcAft>
-              <a:buNone/>
-            </a:pPr>
-            <a:r>
-              <a:rPr lang="en" sz="1400"/>
-              <a:t>	</a:t>
-            </a:r>
-            <a:r>
-              <a:rPr b="1" lang="en" sz="1400">
-                <a:solidFill>
-                  <a:srgbClr val="222222"/>
-                </a:solidFill>
-                <a:highlight>
-                  <a:srgbClr val="FFFFFF"/>
-                </a:highlight>
-              </a:rPr>
-              <a:t>Flags</a:t>
-            </a:r>
-            <a:r>
-              <a:rPr lang="en" sz="1400">
-                <a:solidFill>
-                  <a:srgbClr val="222222"/>
-                </a:solidFill>
-                <a:highlight>
-                  <a:srgbClr val="FFFFFF"/>
-                </a:highlight>
-              </a:rPr>
-              <a:t> are a way to set options and pass in arguments to the commands you run. </a:t>
-            </a:r>
-            <a:endParaRPr sz="1400">
-              <a:solidFill>
-                <a:srgbClr val="222222"/>
-              </a:solidFill>
-              <a:highlight>
-                <a:srgbClr val="FFFFFF"/>
-              </a:highlight>
-            </a:endParaRPr>
-          </a:p>
-          <a:p>
-            <a:pPr indent="457200" lvl="0" marL="0" rtl="0" algn="l">
-              <a:lnSpc>
-                <a:spcPct val="20000"/>
-              </a:lnSpc>
-              <a:spcBef>
-                <a:spcPts val="1600"/>
-              </a:spcBef>
-              <a:spcAft>
-                <a:spcPts val="0"/>
-              </a:spcAft>
-              <a:buNone/>
-            </a:pPr>
-            <a:r>
-              <a:rPr lang="en" sz="1400">
-                <a:solidFill>
-                  <a:srgbClr val="222222"/>
-                </a:solidFill>
-                <a:highlight>
-                  <a:srgbClr val="FFFFFF"/>
-                </a:highlight>
-              </a:rPr>
-              <a:t>Commands you run will change their behavior based on what </a:t>
-            </a:r>
-            <a:r>
-              <a:rPr b="1" lang="en" sz="1400">
-                <a:solidFill>
-                  <a:srgbClr val="222222"/>
-                </a:solidFill>
-                <a:highlight>
-                  <a:srgbClr val="FFFFFF"/>
-                </a:highlight>
-              </a:rPr>
-              <a:t>flags</a:t>
-            </a:r>
-            <a:r>
-              <a:rPr lang="en" sz="1400">
-                <a:solidFill>
-                  <a:srgbClr val="222222"/>
-                </a:solidFill>
-                <a:highlight>
-                  <a:srgbClr val="FFFFFF"/>
-                </a:highlight>
-              </a:rPr>
-              <a:t> are set.</a:t>
-            </a:r>
-            <a:endParaRPr sz="1400">
-              <a:solidFill>
-                <a:srgbClr val="222222"/>
-              </a:solidFill>
-              <a:highlight>
-                <a:srgbClr val="FFFFFF"/>
-              </a:highlight>
-            </a:endParaRPr>
-          </a:p>
-          <a:p>
-            <a:pPr indent="457200" lvl="0" marL="0" rtl="0" algn="l">
-              <a:lnSpc>
-                <a:spcPct val="20000"/>
-              </a:lnSpc>
-              <a:spcBef>
-                <a:spcPts val="1600"/>
-              </a:spcBef>
-              <a:spcAft>
-                <a:spcPts val="0"/>
-              </a:spcAft>
-              <a:buNone/>
-            </a:pPr>
-            <a:r>
-              <a:rPr lang="en" sz="1400">
-                <a:solidFill>
-                  <a:srgbClr val="222222"/>
-                </a:solidFill>
-                <a:highlight>
-                  <a:srgbClr val="FFFFFF"/>
-                </a:highlight>
-              </a:rPr>
-              <a:t>There are two types of flags:</a:t>
-            </a:r>
-            <a:endParaRPr sz="1400">
-              <a:solidFill>
-                <a:srgbClr val="222222"/>
-              </a:solidFill>
-              <a:highlight>
-                <a:srgbClr val="FFFFFF"/>
-              </a:highlight>
-            </a:endParaRPr>
-          </a:p>
-          <a:p>
-            <a:pPr indent="-317500" lvl="0" marL="914400" rtl="0" algn="l">
-              <a:lnSpc>
-                <a:spcPct val="115000"/>
-              </a:lnSpc>
-              <a:spcBef>
-                <a:spcPts val="1600"/>
-              </a:spcBef>
-              <a:spcAft>
-                <a:spcPts val="0"/>
-              </a:spcAft>
-              <a:buClr>
-                <a:srgbClr val="222222"/>
-              </a:buClr>
-              <a:buSzPts val="1400"/>
-              <a:buChar char="●"/>
-            </a:pPr>
-            <a:r>
-              <a:rPr lang="en" sz="1400">
-                <a:solidFill>
-                  <a:srgbClr val="222222"/>
-                </a:solidFill>
-                <a:highlight>
-                  <a:srgbClr val="FFFFFF"/>
-                </a:highlight>
-              </a:rPr>
-              <a:t>Single-lettered : they start with  -</a:t>
-            </a:r>
-            <a:endParaRPr sz="1400">
-              <a:solidFill>
-                <a:srgbClr val="222222"/>
-              </a:solidFill>
-              <a:highlight>
-                <a:srgbClr val="FFFFFF"/>
-              </a:highlight>
-            </a:endParaRPr>
-          </a:p>
-          <a:p>
-            <a:pPr indent="-317500" lvl="0" marL="914400" rtl="0" algn="l">
-              <a:lnSpc>
                 <a:spcPct val="100000"/>
               </a:lnSpc>
               <a:spcBef>
-                <a:spcPts val="0"/>
-              </a:spcBef>
-              <a:spcAft>
-                <a:spcPts val="0"/>
-              </a:spcAft>
-              <a:buClr>
-                <a:srgbClr val="222222"/>
-              </a:buClr>
-              <a:buSzPts val="1400"/>
-              <a:buChar char="●"/>
+                <a:spcPts val="1600"/>
+              </a:spcBef>
+              <a:spcAft>
+                <a:spcPts val="0"/>
+              </a:spcAft>
+              <a:buNone/>
             </a:pPr>
             <a:r>
-              <a:rPr lang="en" sz="1400">
-                <a:solidFill>
-                  <a:srgbClr val="222222"/>
-                </a:solidFill>
-                <a:highlight>
-                  <a:srgbClr val="FFFFFF"/>
-                </a:highlight>
-              </a:rPr>
-              <a:t>Multi-lettered : they start with  --</a:t>
-            </a:r>
-            <a:endParaRPr sz="1400">
-              <a:solidFill>
-                <a:srgbClr val="222222"/>
-              </a:solidFill>
-              <a:highlight>
-                <a:srgbClr val="FFFFFF"/>
-              </a:highlight>
-            </a:endParaRPr>
-          </a:p>
-          <a:p>
-            <a:pPr indent="-317500" lvl="0" marL="914400" rtl="0" algn="l">
-              <a:lnSpc>
-                <a:spcPct val="100000"/>
-              </a:lnSpc>
-              <a:spcBef>
-                <a:spcPts val="0"/>
-              </a:spcBef>
-              <a:spcAft>
-                <a:spcPts val="0"/>
-              </a:spcAft>
-              <a:buClr>
-                <a:srgbClr val="222222"/>
-              </a:buClr>
-              <a:buSzPts val="1400"/>
-              <a:buChar char="●"/>
-            </a:pPr>
-            <a:r>
-              <a:rPr lang="en" sz="1400">
-                <a:solidFill>
-                  <a:srgbClr val="222222"/>
-                </a:solidFill>
-                <a:highlight>
-                  <a:srgbClr val="FFFFFF"/>
-                </a:highlight>
-              </a:rPr>
-              <a:t>A command can use more than one  flag</a:t>
-            </a:r>
-            <a:endParaRPr sz="1400">
-              <a:solidFill>
-                <a:srgbClr val="222222"/>
-              </a:solidFill>
-              <a:highlight>
-                <a:srgbClr val="FFFFFF"/>
-              </a:highlight>
-            </a:endParaRPr>
-          </a:p>
-          <a:p>
-            <a:pPr indent="457200" lvl="0" marL="0" rtl="0" algn="l">
-              <a:lnSpc>
-                <a:spcPct val="20000"/>
-              </a:lnSpc>
-              <a:spcBef>
-                <a:spcPts val="1600"/>
-              </a:spcBef>
-              <a:spcAft>
-                <a:spcPts val="0"/>
-              </a:spcAft>
-              <a:buNone/>
-            </a:pPr>
-            <a:r>
               <a:t/>
             </a:r>
-            <a:endParaRPr sz="1400">
-              <a:solidFill>
-                <a:srgbClr val="222222"/>
-              </a:solidFill>
-              <a:highlight>
-                <a:srgbClr val="FFFFFF"/>
-              </a:highlight>
+            <a:endParaRPr sz="1500">
+              <a:latin typeface="Courier New"/>
+              <a:ea typeface="Courier New"/>
+              <a:cs typeface="Courier New"/>
+              <a:sym typeface="Courier New"/>
             </a:endParaRPr>
           </a:p>
           <a:p>
@@ -10603,7 +10612,48 @@
               <a:buNone/>
             </a:pPr>
             <a:r>
-              <a:t/>
+              <a:rPr lang="en" sz="1500"/>
+              <a:t>Some Shortcuts:</a:t>
+            </a:r>
+            <a:endParaRPr sz="1500"/>
+          </a:p>
+          <a:p>
+            <a:pPr indent="-323850" lvl="0" marL="457200" rtl="0" algn="l">
+              <a:lnSpc>
+                <a:spcPct val="100000"/>
+              </a:lnSpc>
+              <a:spcBef>
+                <a:spcPts val="1600"/>
+              </a:spcBef>
+              <a:spcAft>
+                <a:spcPts val="0"/>
+              </a:spcAft>
+              <a:buSzPts val="1500"/>
+              <a:buAutoNum type="arabicPeriod"/>
+            </a:pPr>
+            <a:r>
+              <a:rPr lang="en" sz="1500"/>
+              <a:t>Up arrow button</a:t>
+            </a:r>
+            <a:endParaRPr sz="1500"/>
+          </a:p>
+          <a:p>
+            <a:pPr indent="-323850" lvl="0" marL="457200" rtl="0" algn="l">
+              <a:lnSpc>
+                <a:spcPct val="100000"/>
+              </a:lnSpc>
+              <a:spcBef>
+                <a:spcPts val="0"/>
+              </a:spcBef>
+              <a:spcAft>
+                <a:spcPts val="0"/>
+              </a:spcAft>
+              <a:buSzPts val="1500"/>
+              <a:buAutoNum type="arabicPeriod"/>
+            </a:pPr>
+            <a:r>
+              <a:rPr lang="en" sz="1500"/>
+              <a:t>Tab auto completion</a:t>
             </a:r>
             <a:endParaRPr sz="1500"/>
           </a:p>
@@ -10702,6 +10752,285 @@
 </file>
 
 <file path=ppt/theme/theme1.xml><?xml version="1.0" encoding="utf-8"?>
+<a:theme xmlns:a="http://schemas.openxmlformats.org/drawingml/2006/main" xmlns:r="http://schemas.openxmlformats.org/officeDocument/2006/relationships" name="Streamline">
+  <a:themeElements>
+    <a:clrScheme name="Streamline">
+      <a:dk1>
+        <a:srgbClr val="1A9988"/>
+      </a:dk1>
+      <a:lt1>
+        <a:srgbClr val="FFFFFF"/>
+      </a:lt1>
+      <a:dk2>
+        <a:srgbClr val="1A1A1A"/>
+      </a:dk2>
+      <a:lt2>
+        <a:srgbClr val="E9EDEE"/>
+      </a:lt2>
+      <a:accent1>
+        <a:srgbClr val="595959"/>
+      </a:accent1>
+      <a:accent2>
+        <a:srgbClr val="6AA4C8"/>
+      </a:accent2>
+      <a:accent3>
+        <a:srgbClr val="EB5600"/>
+      </a:accent3>
+      <a:accent4>
+        <a:srgbClr val="A2FFE8"/>
+      </a:accent4>
+      <a:accent5>
+        <a:srgbClr val="1C3678"/>
+      </a:accent5>
+      <a:accent6>
+        <a:srgbClr val="FFB8A2"/>
+      </a:accent6>
+      <a:hlink>
+        <a:srgbClr val="1C3678"/>
+      </a:hlink>
+      <a:folHlink>
+        <a:srgbClr val="1C3678"/>
+      </a:folHlink>
+    </a:clrScheme>
+    <a:fontScheme name="Office">
+      <a:majorFont>
+        <a:latin typeface="Arial"/>
+        <a:ea typeface=""/>
+        <a:cs typeface=""/>
+        <a:font script="Jpan" typeface="ＭＳ Ｐゴシック"/>
+        <a:font script="Hang" typeface="맑은 고딕"/>
+        <a:font script="Hans" typeface="宋体"/>
+        <a:font script="Hant" typeface="新細明體"/>
+        <a:font script="Arab" typeface="Times New Roman"/>
+        <a:font script="Hebr" typeface="Times New Roman"/>
+        <a:font script="Thai" typeface="Angsana New"/>
+        <a:font script="Ethi" typeface="Nyala"/>
+        <a:font script="Beng" typeface="Vrinda"/>
+        <a:font script="Gujr" typeface="Shruti"/>
+        <a:font script="Khmr" typeface="MoolBoran"/>
+        <a:font script="Knda" typeface="Tunga"/>
+        <a:font script="Guru" typeface="Raavi"/>
+        <a:font script="Cans" typeface="Euphemia"/>
+        <a:font script="Cher" typeface="Plantagenet Cherokee"/>
+        <a:font script="Yiii" typeface="Microsoft Yi Baiti"/>
+        <a:font script="Tibt" typeface="Microsoft Himalaya"/>
+        <a:font script="Thaa" typeface="MV Boli"/>
+        <a:font script="Deva" typeface="Mangal"/>
+        <a:font script="Telu" typeface="Gautami"/>
+        <a:font script="Taml" typeface="Latha"/>
+        <a:font script="Syrc" typeface="Estrangelo Edessa"/>
+        <a:font script="Orya" typeface="Kalinga"/>
+        <a:font script="Mlym" typeface="Kartika"/>
+        <a:font script="Laoo" typeface="DokChampa"/>
+        <a:font script="Sinh" typeface="Iskoola Pota"/>
+        <a:font script="Mong" typeface="Mongolian Baiti"/>
+        <a:font script="Viet" typeface="Times New Roman"/>
+        <a:font script="Uigh" typeface="Microsoft Uighur"/>
+        <a:font script="Geor" typeface="Sylfaen"/>
+      </a:majorFont>
+      <a:minorFont>
+        <a:latin typeface="Arial"/>
+        <a:ea typeface=""/>
+        <a:cs typeface=""/>
+        <a:font script="Jpan" typeface="ＭＳ Ｐゴシック"/>
+        <a:font script="Hang" typeface="맑은 고딕"/>
+        <a:font script="Hans" typeface="宋体"/>
+        <a:font script="Hant" typeface="新細明體"/>
+        <a:font script="Arab" typeface="Arial"/>
+        <a:font script="Hebr" typeface="Arial"/>
+        <a:font script="Thai" typeface="Cordia New"/>
+        <a:font script="Ethi" typeface="Nyala"/>
+        <a:font script="Beng" typeface="Vrinda"/>
+        <a:font script="Gujr" typeface="Shruti"/>
+        <a:font script="Khmr" typeface="DaunPenh"/>
+        <a:font script="Knda" typeface="Tunga"/>
+        <a:font script="Guru" typeface="Raavi"/>
+        <a:font script="Cans" typeface="Euphemia"/>
+        <a:font script="Cher" typeface="Plantagenet Cherokee"/>
+        <a:font script="Yiii" typeface="Microsoft Yi Baiti"/>
+        <a:font script="Tibt" typeface="Microsoft Himalaya"/>
+        <a:font script="Thaa" typeface="MV Boli"/>
+        <a:font script="Deva" typeface="Mangal"/>
+        <a:font script="Telu" typeface="Gautami"/>
+        <a:font script="Taml" typeface="Latha"/>
+        <a:font script="Syrc" typeface="Estrangelo Edessa"/>
+        <a:font script="Orya" typeface="Kalinga"/>
+        <a:font script="Mlym" typeface="Kartika"/>
+        <a:font script="Laoo" typeface="DokChampa"/>
+        <a:font script="Sinh" typeface="Iskoola Pota"/>
+        <a:font script="Mong" typeface="Mongolian Baiti"/>
+        <a:font script="Viet" typeface="Arial"/>
+        <a:font script="Uigh" typeface="Microsoft Uighur"/>
+        <a:font script="Geor" typeface="Sylfaen"/>
+      </a:minorFont>
+    </a:fontScheme>
+    <a:fmtScheme name="Office">
+      <a:fillStyleLst>
+        <a:solidFill>
+          <a:schemeClr val="phClr"/>
+        </a:solidFill>
+        <a:gradFill rotWithShape="1">
+          <a:gsLst>
+            <a:gs pos="0">
+              <a:schemeClr val="phClr">
+                <a:tint val="50000"/>
+                <a:satMod val="300000"/>
+              </a:schemeClr>
+            </a:gs>
+            <a:gs pos="35000">
+              <a:schemeClr val="phClr">
+                <a:tint val="37000"/>
+                <a:satMod val="300000"/>
+              </a:schemeClr>
+            </a:gs>
+            <a:gs pos="100000">
+              <a:schemeClr val="phClr">
+                <a:tint val="15000"/>
+                <a:satMod val="350000"/>
+              </a:schemeClr>
+            </a:gs>
+          </a:gsLst>
+          <a:lin ang="16200000" scaled="1"/>
+        </a:gradFill>
+        <a:gradFill rotWithShape="1">
+          <a:gsLst>
+            <a:gs pos="0">
+              <a:schemeClr val="phClr">
+                <a:tint val="100000"/>
+                <a:shade val="100000"/>
+                <a:satMod val="130000"/>
+              </a:schemeClr>
+            </a:gs>
+            <a:gs pos="100000">
+              <a:schemeClr val="phClr">
+                <a:tint val="50000"/>
+                <a:shade val="100000"/>
+                <a:satMod val="350000"/>
+              </a:schemeClr>
+            </a:gs>
+          </a:gsLst>
+          <a:lin ang="16200000" scaled="0"/>
+        </a:gradFill>
+      </a:fillStyleLst>
+      <a:lnStyleLst>
+        <a:ln w="9525" cap="flat" cmpd="sng" algn="ctr">
+          <a:solidFill>
+            <a:schemeClr val="phClr">
+              <a:shade val="95000"/>
+              <a:satMod val="105000"/>
+            </a:schemeClr>
+          </a:solidFill>
+          <a:prstDash val="solid"/>
+        </a:ln>
+        <a:ln w="25400" cap="flat" cmpd="sng" algn="ctr">
+          <a:solidFill>
+            <a:schemeClr val="phClr"/>
+          </a:solidFill>
+          <a:prstDash val="solid"/>
+        </a:ln>
+        <a:ln w="38100" cap="flat" cmpd="sng" algn="ctr">
+          <a:solidFill>
+            <a:schemeClr val="phClr"/>
+          </a:solidFill>
+          <a:prstDash val="solid"/>
+        </a:ln>
+      </a:lnStyleLst>
+      <a:effectStyleLst>
+        <a:effectStyle>
+          <a:effectLst>
+            <a:outerShdw blurRad="40000" dist="20000" dir="5400000" rotWithShape="0">
+              <a:srgbClr val="000000">
+                <a:alpha val="38000"/>
+              </a:srgbClr>
+            </a:outerShdw>
+          </a:effectLst>
+        </a:effectStyle>
+        <a:effectStyle>
+          <a:effectLst>
+            <a:outerShdw blurRad="40000" dist="23000" dir="5400000" rotWithShape="0">
+              <a:srgbClr val="000000">
+                <a:alpha val="35000"/>
+              </a:srgbClr>
+            </a:outerShdw>
+          </a:effectLst>
+        </a:effectStyle>
+        <a:effectStyle>
+          <a:effectLst>
+            <a:outerShdw blurRad="40000" dist="23000" dir="5400000" rotWithShape="0">
+              <a:srgbClr val="000000">
+                <a:alpha val="35000"/>
+              </a:srgbClr>
+            </a:outerShdw>
+          </a:effectLst>
+          <a:scene3d>
+            <a:camera prst="orthographicFront">
+              <a:rot lat="0" lon="0" rev="0"/>
+            </a:camera>
+            <a:lightRig rig="threePt" dir="t">
+              <a:rot lat="0" lon="0" rev="1200000"/>
+            </a:lightRig>
+          </a:scene3d>
+          <a:sp3d>
+            <a:bevelT w="63500" h="25400"/>
+          </a:sp3d>
+        </a:effectStyle>
+      </a:effectStyleLst>
+      <a:bgFillStyleLst>
+        <a:solidFill>
+          <a:schemeClr val="phClr"/>
+        </a:solidFill>
+        <a:gradFill rotWithShape="1">
+          <a:gsLst>
+            <a:gs pos="0">
+              <a:schemeClr val="phClr">
+                <a:tint val="40000"/>
+                <a:satMod val="350000"/>
+              </a:schemeClr>
+            </a:gs>
+            <a:gs pos="40000">
+              <a:schemeClr val="phClr">
+                <a:tint val="45000"/>
+                <a:shade val="99000"/>
+                <a:satMod val="350000"/>
+              </a:schemeClr>
+            </a:gs>
+            <a:gs pos="100000">
+              <a:schemeClr val="phClr">
+                <a:shade val="20000"/>
+                <a:satMod val="255000"/>
+              </a:schemeClr>
+            </a:gs>
+          </a:gsLst>
+          <a:path path="circle">
+            <a:fillToRect l="50000" t="-80000" r="50000" b="180000"/>
+          </a:path>
+        </a:gradFill>
+        <a:gradFill rotWithShape="1">
+          <a:gsLst>
+            <a:gs pos="0">
+              <a:schemeClr val="phClr">
+                <a:tint val="80000"/>
+                <a:satMod val="300000"/>
+              </a:schemeClr>
+            </a:gs>
+            <a:gs pos="100000">
+              <a:schemeClr val="phClr">
+                <a:shade val="30000"/>
+                <a:satMod val="200000"/>
+              </a:schemeClr>
+            </a:gs>
+          </a:gsLst>
+          <a:path path="circle">
+            <a:fillToRect l="50000" t="50000" r="50000" b="50000"/>
+          </a:path>
+        </a:gradFill>
+      </a:bgFillStyleLst>
+    </a:fmtScheme>
+  </a:themeElements>
+</a:theme>
+</file>
+
+<file path=ppt/theme/theme2.xml><?xml version="1.0" encoding="utf-8"?>
 <a:theme xmlns:a="http://schemas.openxmlformats.org/drawingml/2006/main" xmlns:r="http://schemas.openxmlformats.org/officeDocument/2006/relationships">
   <a:themeElements>
     <a:clrScheme name="Default">
@@ -10978,283 +11307,4 @@
     </a:fmtScheme>
   </a:themeElements>
 </a:theme>
-</file>
-
-<file path=ppt/theme/theme2.xml><?xml version="1.0" encoding="utf-8"?>
-<a:theme xmlns:a="http://schemas.openxmlformats.org/drawingml/2006/main" xmlns:r="http://schemas.openxmlformats.org/officeDocument/2006/relationships" name="Streamline">
-  <a:themeElements>
-    <a:clrScheme name="Streamline">
-      <a:dk1>
-        <a:srgbClr val="1A9988"/>
-      </a:dk1>
-      <a:lt1>
-        <a:srgbClr val="FFFFFF"/>
-      </a:lt1>
-      <a:dk2>
-        <a:srgbClr val="1A1A1A"/>
-      </a:dk2>
-      <a:lt2>
-        <a:srgbClr val="E9EDEE"/>
-      </a:lt2>
-      <a:accent1>
-        <a:srgbClr val="595959"/>
-      </a:accent1>
-      <a:accent2>
-        <a:srgbClr val="6AA4C8"/>
-      </a:accent2>
-      <a:accent3>
-        <a:srgbClr val="EB5600"/>
-      </a:accent3>
-      <a:accent4>
-        <a:srgbClr val="A2FFE8"/>
-      </a:accent4>
-      <a:accent5>
-        <a:srgbClr val="1C3678"/>
-      </a:accent5>
-      <a:accent6>
-        <a:srgbClr val="FFB8A2"/>
-      </a:accent6>
-      <a:hlink>
-        <a:srgbClr val="1C3678"/>
-      </a:hlink>
-      <a:folHlink>
-        <a:srgbClr val="1C3678"/>
-      </a:folHlink>
-    </a:clrScheme>
-    <a:fontScheme name="Office">
-      <a:majorFont>
-        <a:latin typeface="Arial"/>
-        <a:ea typeface=""/>
-        <a:cs typeface=""/>
-        <a:font script="Jpan" typeface="ＭＳ Ｐゴシック"/>
-        <a:font script="Hang" typeface="맑은 고딕"/>
-        <a:font script="Hans" typeface="宋体"/>
-        <a:font script="Hant" typeface="新細明體"/>
-        <a:font script="Arab" typeface="Times New Roman"/>
-        <a:font script="Hebr" typeface="Times New Roman"/>
-        <a:font script="Thai" typeface="Angsana New"/>
-        <a:font script="Ethi" typeface="Nyala"/>
-        <a:font script="Beng" typeface="Vrinda"/>
-        <a:font script="Gujr" typeface="Shruti"/>
-        <a:font script="Khmr" typeface="MoolBoran"/>
-        <a:font script="Knda" typeface="Tunga"/>
-        <a:font script="Guru" typeface="Raavi"/>
-        <a:font script="Cans" typeface="Euphemia"/>
-        <a:font script="Cher" typeface="Plantagenet Cherokee"/>
-        <a:font script="Yiii" typeface="Microsoft Yi Baiti"/>
-        <a:font script="Tibt" typeface="Microsoft Himalaya"/>
-        <a:font script="Thaa" typeface="MV Boli"/>
-        <a:font script="Deva" typeface="Mangal"/>
-        <a:font script="Telu" typeface="Gautami"/>
-        <a:font script="Taml" typeface="Latha"/>
-        <a:font script="Syrc" typeface="Estrangelo Edessa"/>
-        <a:font script="Orya" typeface="Kalinga"/>
-        <a:font script="Mlym" typeface="Kartika"/>
-        <a:font script="Laoo" typeface="DokChampa"/>
-        <a:font script="Sinh" typeface="Iskoola Pota"/>
-        <a:font script="Mong" typeface="Mongolian Baiti"/>
-        <a:font script="Viet" typeface="Times New Roman"/>
-        <a:font script="Uigh" typeface="Microsoft Uighur"/>
-        <a:font script="Geor" typeface="Sylfaen"/>
-      </a:majorFont>
-      <a:minorFont>
-        <a:latin typeface="Arial"/>
-        <a:ea typeface=""/>
-        <a:cs typeface=""/>
-        <a:font script="Jpan" typeface="ＭＳ Ｐゴシック"/>
-        <a:font script="Hang" typeface="맑은 고딕"/>
-        <a:font script="Hans" typeface="宋体"/>
-        <a:font script="Hant" typeface="新細明體"/>
-        <a:font script="Arab" typeface="Arial"/>
-        <a:font script="Hebr" typeface="Arial"/>
-        <a:font script="Thai" typeface="Cordia New"/>
-        <a:font script="Ethi" typeface="Nyala"/>
-        <a:font script="Beng" typeface="Vrinda"/>
-        <a:font script="Gujr" typeface="Shruti"/>
-        <a:font script="Khmr" typeface="DaunPenh"/>
-        <a:font script="Knda" typeface="Tunga"/>
-        <a:font script="Guru" typeface="Raavi"/>
-        <a:font script="Cans" typeface="Euphemia"/>
-        <a:font script="Cher" typeface="Plantagenet Cherokee"/>
-        <a:font script="Yiii" typeface="Microsoft Yi Baiti"/>
-        <a:font script="Tibt" typeface="Microsoft Himalaya"/>
-        <a:font script="Thaa" typeface="MV Boli"/>
-        <a:font script="Deva" typeface="Mangal"/>
-        <a:font script="Telu" typeface="Gautami"/>
-        <a:font script="Taml" typeface="Latha"/>
-        <a:font script="Syrc" typeface="Estrangelo Edessa"/>
-        <a:font script="Orya" typeface="Kalinga"/>
-        <a:font script="Mlym" typeface="Kartika"/>
-        <a:font script="Laoo" typeface="DokChampa"/>
-        <a:font script="Sinh" typeface="Iskoola Pota"/>
-        <a:font script="Mong" typeface="Mongolian Baiti"/>
-        <a:font script="Viet" typeface="Arial"/>
-        <a:font script="Uigh" typeface="Microsoft Uighur"/>
-        <a:font script="Geor" typeface="Sylfaen"/>
-      </a:minorFont>
-    </a:fontScheme>
-    <a:fmtScheme name="Office">
-      <a:fillStyleLst>
-        <a:solidFill>
-          <a:schemeClr val="phClr"/>
-        </a:solidFill>
-        <a:gradFill rotWithShape="1">
-          <a:gsLst>
-            <a:gs pos="0">
-              <a:schemeClr val="phClr">
-                <a:tint val="50000"/>
-                <a:satMod val="300000"/>
-              </a:schemeClr>
-            </a:gs>
-            <a:gs pos="35000">
-              <a:schemeClr val="phClr">
-                <a:tint val="37000"/>
-                <a:satMod val="300000"/>
-              </a:schemeClr>
-            </a:gs>
-            <a:gs pos="100000">
-              <a:schemeClr val="phClr">
-                <a:tint val="15000"/>
-                <a:satMod val="350000"/>
-              </a:schemeClr>
-            </a:gs>
-          </a:gsLst>
-          <a:lin ang="16200000" scaled="1"/>
-        </a:gradFill>
-        <a:gradFill rotWithShape="1">
-          <a:gsLst>
-            <a:gs pos="0">
-              <a:schemeClr val="phClr">
-                <a:tint val="100000"/>
-                <a:shade val="100000"/>
-                <a:satMod val="130000"/>
-              </a:schemeClr>
-            </a:gs>
-            <a:gs pos="100000">
-              <a:schemeClr val="phClr">
-                <a:tint val="50000"/>
-                <a:shade val="100000"/>
-                <a:satMod val="350000"/>
-              </a:schemeClr>
-            </a:gs>
-          </a:gsLst>
-          <a:lin ang="16200000" scaled="0"/>
-        </a:gradFill>
-      </a:fillStyleLst>
-      <a:lnStyleLst>
-        <a:ln w="9525" cap="flat" cmpd="sng" algn="ctr">
-          <a:solidFill>
-            <a:schemeClr val="phClr">
-              <a:shade val="95000"/>
-              <a:satMod val="105000"/>
-            </a:schemeClr>
-          </a:solidFill>
-          <a:prstDash val="solid"/>
-        </a:ln>
-        <a:ln w="25400" cap="flat" cmpd="sng" algn="ctr">
-          <a:solidFill>
-            <a:schemeClr val="phClr"/>
-          </a:solidFill>
-          <a:prstDash val="solid"/>
-        </a:ln>
-        <a:ln w="38100" cap="flat" cmpd="sng" algn="ctr">
-          <a:solidFill>
-            <a:schemeClr val="phClr"/>
-          </a:solidFill>
-          <a:prstDash val="solid"/>
-        </a:ln>
-      </a:lnStyleLst>
-      <a:effectStyleLst>
-        <a:effectStyle>
-          <a:effectLst>
-            <a:outerShdw blurRad="40000" dist="20000" dir="5400000" rotWithShape="0">
-              <a:srgbClr val="000000">
-                <a:alpha val="38000"/>
-              </a:srgbClr>
-            </a:outerShdw>
-          </a:effectLst>
-        </a:effectStyle>
-        <a:effectStyle>
-          <a:effectLst>
-            <a:outerShdw blurRad="40000" dist="23000" dir="5400000" rotWithShape="0">
-              <a:srgbClr val="000000">
-                <a:alpha val="35000"/>
-              </a:srgbClr>
-            </a:outerShdw>
-          </a:effectLst>
-        </a:effectStyle>
-        <a:effectStyle>
-          <a:effectLst>
-            <a:outerShdw blurRad="40000" dist="23000" dir="5400000" rotWithShape="0">
-              <a:srgbClr val="000000">
-                <a:alpha val="35000"/>
-              </a:srgbClr>
-            </a:outerShdw>
-          </a:effectLst>
-          <a:scene3d>
-            <a:camera prst="orthographicFront">
-              <a:rot lat="0" lon="0" rev="0"/>
-            </a:camera>
-            <a:lightRig rig="threePt" dir="t">
-              <a:rot lat="0" lon="0" rev="1200000"/>
-            </a:lightRig>
-          </a:scene3d>
-          <a:sp3d>
-            <a:bevelT w="63500" h="25400"/>
-          </a:sp3d>
-        </a:effectStyle>
-      </a:effectStyleLst>
-      <a:bgFillStyleLst>
-        <a:solidFill>
-          <a:schemeClr val="phClr"/>
-        </a:solidFill>
-        <a:gradFill rotWithShape="1">
-          <a:gsLst>
-            <a:gs pos="0">
-              <a:schemeClr val="phClr">
-                <a:tint val="40000"/>
-                <a:satMod val="350000"/>
-              </a:schemeClr>
-            </a:gs>
-            <a:gs pos="40000">
-              <a:schemeClr val="phClr">
-                <a:tint val="45000"/>
-                <a:shade val="99000"/>
-                <a:satMod val="350000"/>
-              </a:schemeClr>
-            </a:gs>
-            <a:gs pos="100000">
-              <a:schemeClr val="phClr">
-                <a:shade val="20000"/>
-                <a:satMod val="255000"/>
-              </a:schemeClr>
-            </a:gs>
-          </a:gsLst>
-          <a:path path="circle">
-            <a:fillToRect l="50000" t="-80000" r="50000" b="180000"/>
-          </a:path>
-        </a:gradFill>
-        <a:gradFill rotWithShape="1">
-          <a:gsLst>
-            <a:gs pos="0">
-              <a:schemeClr val="phClr">
-                <a:tint val="80000"/>
-                <a:satMod val="300000"/>
-              </a:schemeClr>
-            </a:gs>
-            <a:gs pos="100000">
-              <a:schemeClr val="phClr">
-                <a:shade val="30000"/>
-                <a:satMod val="200000"/>
-              </a:schemeClr>
-            </a:gs>
-          </a:gsLst>
-          <a:path path="circle">
-            <a:fillToRect l="50000" t="50000" r="50000" b="50000"/>
-          </a:path>
-        </a:gradFill>
-      </a:bgFillStyleLst>
-    </a:fmtScheme>
-  </a:themeElements>
-</a:theme>
 </file>
--- a/ls _command.pptx
+++ b/ls _command.pptx
@@ -1,42 +1,42 @@
 
 <file path=ppt/presentation.xml><?xml version="1.0" encoding="utf-8"?>
-<p:presentation xmlns:a="http://schemas.openxmlformats.org/drawingml/2006/main" xmlns:r="http://schemas.openxmlformats.org/officeDocument/2006/relationships" xmlns:mc="http://schemas.openxmlformats.org/markup-compatibility/2006" xmlns:mv="urn:schemas-microsoft-com:mac:vml" xmlns:p="http://schemas.openxmlformats.org/presentationml/2006/main" xmlns:c="http://schemas.openxmlformats.org/drawingml/2006/chart" xmlns:dgm="http://schemas.openxmlformats.org/drawingml/2006/diagram" xmlns:o="urn:schemas-microsoft-com:office:office" xmlns:v="urn:schemas-microsoft-com:vml" xmlns:pvml="urn:schemas-microsoft-com:office:powerpoint" xmlns:com="http://schemas.openxmlformats.org/drawingml/2006/compatibility" xmlns:p14="http://schemas.microsoft.com/office/powerpoint/2010/main" xmlns:p15="http://schemas.microsoft.com/office/powerpoint/2012/main" autoCompressPictures="0" embedTrueTypeFonts="1" strictFirstAndLastChars="0" saveSubsetFonts="1">
+<p:presentation xmlns:a="http://schemas.openxmlformats.org/drawingml/2006/main" xmlns:r="http://schemas.openxmlformats.org/officeDocument/2006/relationships" xmlns:p="http://schemas.openxmlformats.org/presentationml/2006/main" strictFirstAndLastChars="0" embedTrueTypeFonts="1" saveSubsetFonts="1" autoCompressPictures="0">
   <p:sldMasterIdLst>
-    <p:sldMasterId id="2147483659" r:id="rId5"/>
+    <p:sldMasterId id="2147483659" r:id="rId1"/>
   </p:sldMasterIdLst>
   <p:notesMasterIdLst>
-    <p:notesMasterId r:id="rId6"/>
+    <p:notesMasterId r:id="rId10"/>
   </p:notesMasterIdLst>
   <p:sldIdLst>
-    <p:sldId id="256" r:id="rId7"/>
-    <p:sldId id="257" r:id="rId8"/>
-    <p:sldId id="258" r:id="rId9"/>
-    <p:sldId id="259" r:id="rId10"/>
-    <p:sldId id="260" r:id="rId11"/>
-    <p:sldId id="261" r:id="rId12"/>
-    <p:sldId id="262" r:id="rId13"/>
-    <p:sldId id="263" r:id="rId14"/>
+    <p:sldId id="256" r:id="rId2"/>
+    <p:sldId id="257" r:id="rId3"/>
+    <p:sldId id="258" r:id="rId4"/>
+    <p:sldId id="259" r:id="rId5"/>
+    <p:sldId id="260" r:id="rId6"/>
+    <p:sldId id="261" r:id="rId7"/>
+    <p:sldId id="262" r:id="rId8"/>
+    <p:sldId id="263" r:id="rId9"/>
   </p:sldIdLst>
-  <p:sldSz cy="5143500" cx="9144000"/>
+  <p:sldSz cx="9144000" cy="5143500" type="screen16x9"/>
   <p:notesSz cx="6858000" cy="9144000"/>
   <p:embeddedFontLst>
     <p:embeddedFont>
-      <p:font typeface="Raleway"/>
+      <p:font typeface="Lato" panose="020B0604020202020204" charset="0"/>
+      <p:regular r:id="rId11"/>
+      <p:bold r:id="rId12"/>
+      <p:italic r:id="rId13"/>
+      <p:boldItalic r:id="rId14"/>
+    </p:embeddedFont>
+    <p:embeddedFont>
+      <p:font typeface="Raleway" panose="020B0604020202020204" charset="0"/>
       <p:regular r:id="rId15"/>
       <p:bold r:id="rId16"/>
       <p:italic r:id="rId17"/>
       <p:boldItalic r:id="rId18"/>
     </p:embeddedFont>
-    <p:embeddedFont>
-      <p:font typeface="Lato"/>
-      <p:regular r:id="rId19"/>
-      <p:bold r:id="rId20"/>
-      <p:italic r:id="rId21"/>
-      <p:boldItalic r:id="rId22"/>
-    </p:embeddedFont>
   </p:embeddedFontLst>
   <p:defaultTextStyle>
-    <a:defPPr lvl="0" marR="0" rtl="0" algn="l">
+    <a:defPPr marR="0" lvl="0" algn="l" rtl="0">
       <a:lnSpc>
         <a:spcPct val="100000"/>
       </a:lnSpc>
@@ -47,7 +47,7 @@
         <a:spcPts val="0"/>
       </a:spcAft>
     </a:defPPr>
-    <a:lvl1pPr lvl="0" marR="0" rtl="0" algn="l">
+    <a:lvl1pPr marR="0" lvl="0" algn="l" rtl="0">
       <a:lnSpc>
         <a:spcPct val="100000"/>
       </a:lnSpc>
@@ -61,7 +61,7 @@
         <a:srgbClr val="000000"/>
       </a:buClr>
       <a:buFont typeface="Arial"/>
-      <a:defRPr b="0" i="0" sz="1400" u="none" cap="none" strike="noStrike">
+      <a:defRPr sz="1400" b="0" i="0" u="none" strike="noStrike" cap="none">
         <a:solidFill>
           <a:srgbClr val="000000"/>
         </a:solidFill>
@@ -71,7 +71,7 @@
         <a:sym typeface="Arial"/>
       </a:defRPr>
     </a:lvl1pPr>
-    <a:lvl2pPr lvl="1" marR="0" rtl="0" algn="l">
+    <a:lvl2pPr marR="0" lvl="1" algn="l" rtl="0">
       <a:lnSpc>
         <a:spcPct val="100000"/>
       </a:lnSpc>
@@ -85,7 +85,7 @@
         <a:srgbClr val="000000"/>
       </a:buClr>
       <a:buFont typeface="Arial"/>
-      <a:defRPr b="0" i="0" sz="1400" u="none" cap="none" strike="noStrike">
+      <a:defRPr sz="1400" b="0" i="0" u="none" strike="noStrike" cap="none">
         <a:solidFill>
           <a:srgbClr val="000000"/>
         </a:solidFill>
@@ -95,7 +95,7 @@
         <a:sym typeface="Arial"/>
       </a:defRPr>
     </a:lvl2pPr>
-    <a:lvl3pPr lvl="2" marR="0" rtl="0" algn="l">
+    <a:lvl3pPr marR="0" lvl="2" algn="l" rtl="0">
       <a:lnSpc>
         <a:spcPct val="100000"/>
       </a:lnSpc>
@@ -109,7 +109,7 @@
         <a:srgbClr val="000000"/>
       </a:buClr>
       <a:buFont typeface="Arial"/>
-      <a:defRPr b="0" i="0" sz="1400" u="none" cap="none" strike="noStrike">
+      <a:defRPr sz="1400" b="0" i="0" u="none" strike="noStrike" cap="none">
         <a:solidFill>
           <a:srgbClr val="000000"/>
         </a:solidFill>
@@ -119,7 +119,7 @@
         <a:sym typeface="Arial"/>
       </a:defRPr>
     </a:lvl3pPr>
-    <a:lvl4pPr lvl="3" marR="0" rtl="0" algn="l">
+    <a:lvl4pPr marR="0" lvl="3" algn="l" rtl="0">
       <a:lnSpc>
         <a:spcPct val="100000"/>
       </a:lnSpc>
@@ -133,7 +133,7 @@
         <a:srgbClr val="000000"/>
       </a:buClr>
       <a:buFont typeface="Arial"/>
-      <a:defRPr b="0" i="0" sz="1400" u="none" cap="none" strike="noStrike">
+      <a:defRPr sz="1400" b="0" i="0" u="none" strike="noStrike" cap="none">
         <a:solidFill>
           <a:srgbClr val="000000"/>
         </a:solidFill>
@@ -143,7 +143,7 @@
         <a:sym typeface="Arial"/>
       </a:defRPr>
     </a:lvl4pPr>
-    <a:lvl5pPr lvl="4" marR="0" rtl="0" algn="l">
+    <a:lvl5pPr marR="0" lvl="4" algn="l" rtl="0">
       <a:lnSpc>
         <a:spcPct val="100000"/>
       </a:lnSpc>
@@ -157,7 +157,7 @@
         <a:srgbClr val="000000"/>
       </a:buClr>
       <a:buFont typeface="Arial"/>
-      <a:defRPr b="0" i="0" sz="1400" u="none" cap="none" strike="noStrike">
+      <a:defRPr sz="1400" b="0" i="0" u="none" strike="noStrike" cap="none">
         <a:solidFill>
           <a:srgbClr val="000000"/>
         </a:solidFill>
@@ -167,7 +167,7 @@
         <a:sym typeface="Arial"/>
       </a:defRPr>
     </a:lvl5pPr>
-    <a:lvl6pPr lvl="5" marR="0" rtl="0" algn="l">
+    <a:lvl6pPr marR="0" lvl="5" algn="l" rtl="0">
       <a:lnSpc>
         <a:spcPct val="100000"/>
       </a:lnSpc>
@@ -181,7 +181,7 @@
         <a:srgbClr val="000000"/>
       </a:buClr>
       <a:buFont typeface="Arial"/>
-      <a:defRPr b="0" i="0" sz="1400" u="none" cap="none" strike="noStrike">
+      <a:defRPr sz="1400" b="0" i="0" u="none" strike="noStrike" cap="none">
         <a:solidFill>
           <a:srgbClr val="000000"/>
         </a:solidFill>
@@ -191,7 +191,7 @@
         <a:sym typeface="Arial"/>
       </a:defRPr>
     </a:lvl6pPr>
-    <a:lvl7pPr lvl="6" marR="0" rtl="0" algn="l">
+    <a:lvl7pPr marR="0" lvl="6" algn="l" rtl="0">
       <a:lnSpc>
         <a:spcPct val="100000"/>
       </a:lnSpc>
@@ -205,7 +205,7 @@
         <a:srgbClr val="000000"/>
       </a:buClr>
       <a:buFont typeface="Arial"/>
-      <a:defRPr b="0" i="0" sz="1400" u="none" cap="none" strike="noStrike">
+      <a:defRPr sz="1400" b="0" i="0" u="none" strike="noStrike" cap="none">
         <a:solidFill>
           <a:srgbClr val="000000"/>
         </a:solidFill>
@@ -215,7 +215,7 @@
         <a:sym typeface="Arial"/>
       </a:defRPr>
     </a:lvl7pPr>
-    <a:lvl8pPr lvl="7" marR="0" rtl="0" algn="l">
+    <a:lvl8pPr marR="0" lvl="7" algn="l" rtl="0">
       <a:lnSpc>
         <a:spcPct val="100000"/>
       </a:lnSpc>
@@ -229,7 +229,7 @@
         <a:srgbClr val="000000"/>
       </a:buClr>
       <a:buFont typeface="Arial"/>
-      <a:defRPr b="0" i="0" sz="1400" u="none" cap="none" strike="noStrike">
+      <a:defRPr sz="1400" b="0" i="0" u="none" strike="noStrike" cap="none">
         <a:solidFill>
           <a:srgbClr val="000000"/>
         </a:solidFill>
@@ -239,7 +239,7 @@
         <a:sym typeface="Arial"/>
       </a:defRPr>
     </a:lvl8pPr>
-    <a:lvl9pPr lvl="8" marR="0" rtl="0" algn="l">
+    <a:lvl9pPr marR="0" lvl="8" algn="l" rtl="0">
       <a:lnSpc>
         <a:spcPct val="100000"/>
       </a:lnSpc>
@@ -253,7 +253,7 @@
         <a:srgbClr val="000000"/>
       </a:buClr>
       <a:buFont typeface="Arial"/>
-      <a:defRPr b="0" i="0" sz="1400" u="none" cap="none" strike="noStrike">
+      <a:defRPr sz="1400" b="0" i="0" u="none" strike="noStrike" cap="none">
         <a:solidFill>
           <a:srgbClr val="000000"/>
         </a:solidFill>
@@ -266,7 +266,7 @@
   </p:defaultTextStyle>
   <p:extLst>
     <p:ext uri="{EFAFB233-063F-42B5-8137-9DF3F51BA10A}">
-      <p15:sldGuideLst>
+      <p15:sldGuideLst xmlns:p15="http://schemas.microsoft.com/office/powerpoint/2012/main">
         <p15:guide id="1" orient="horz" pos="1620">
           <p15:clr>
             <a:srgbClr val="A4A3A4"/>
@@ -284,11 +284,16 @@
 </file>
 
 <file path=ppt/notesMasters/notesMaster1.xml><?xml version="1.0" encoding="utf-8"?>
-<p:notesMaster xmlns:a="http://schemas.openxmlformats.org/drawingml/2006/main" xmlns:r="http://schemas.openxmlformats.org/officeDocument/2006/relationships" xmlns:mc="http://schemas.openxmlformats.org/markup-compatibility/2006" xmlns:mv="urn:schemas-microsoft-com:mac:vml" xmlns:p="http://schemas.openxmlformats.org/presentationml/2006/main" xmlns:c="http://schemas.openxmlformats.org/drawingml/2006/chart" xmlns:dgm="http://schemas.openxmlformats.org/drawingml/2006/diagram" xmlns:o="urn:schemas-microsoft-com:office:office" xmlns:v="urn:schemas-microsoft-com:vml" xmlns:pvml="urn:schemas-microsoft-com:office:powerpoint" xmlns:com="http://schemas.openxmlformats.org/drawingml/2006/compatibility" xmlns:p14="http://schemas.microsoft.com/office/powerpoint/2010/main" xmlns:p15="http://schemas.microsoft.com/office/powerpoint/2012/main">
+<p:notesMaster xmlns:a="http://schemas.openxmlformats.org/drawingml/2006/main" xmlns:r="http://schemas.openxmlformats.org/officeDocument/2006/relationships" xmlns:p="http://schemas.openxmlformats.org/presentationml/2006/main">
   <p:cSld>
+    <p:bg>
+      <p:bgRef idx="1001">
+        <a:schemeClr val="bg1"/>
+      </p:bgRef>
+    </p:bg>
     <p:spTree>
       <p:nvGrpSpPr>
-        <p:cNvPr id="2" name="Shape 2"/>
+        <p:cNvPr id="1" name="Shape 2"/>
         <p:cNvGrpSpPr/>
         <p:nvPr/>
       </p:nvGrpSpPr>
@@ -303,9 +308,11 @@
       <p:sp>
         <p:nvSpPr>
           <p:cNvPr id="3" name="Google Shape;3;n"/>
-          <p:cNvSpPr/>
+          <p:cNvSpPr>
+            <a:spLocks noGrp="1" noRot="1" noChangeAspect="1"/>
+          </p:cNvSpPr>
           <p:nvPr>
-            <p:ph idx="2" type="sldImg"/>
+            <p:ph type="sldImg" idx="2"/>
           </p:nvPr>
         </p:nvSpPr>
         <p:spPr>
@@ -314,9 +321,13 @@
             <a:ext cx="6096075" cy="3429000"/>
           </a:xfrm>
           <a:custGeom>
-            <a:rect b="b" l="l" r="r" t="t"/>
+            <a:avLst/>
+            <a:gdLst/>
+            <a:ahLst/>
+            <a:cxnLst/>
+            <a:rect l="l" t="t" r="r" b="b"/>
             <a:pathLst>
-              <a:path extrusionOk="0" h="120000" w="120000">
+              <a:path w="120000" h="120000" extrusionOk="0">
                 <a:moveTo>
                   <a:pt x="0" y="0"/>
                 </a:moveTo>
@@ -334,23 +345,25 @@
             </a:pathLst>
           </a:custGeom>
           <a:noFill/>
-          <a:ln cap="flat" cmpd="sng" w="9525">
+          <a:ln w="9525" cap="flat" cmpd="sng">
             <a:solidFill>
               <a:srgbClr val="000000"/>
             </a:solidFill>
             <a:prstDash val="solid"/>
             <a:round/>
-            <a:headEnd len="sm" w="sm" type="none"/>
-            <a:tailEnd len="sm" w="sm" type="none"/>
+            <a:headEnd type="none" w="sm" len="sm"/>
+            <a:tailEnd type="none" w="sm" len="sm"/>
           </a:ln>
         </p:spPr>
       </p:sp>
       <p:sp>
         <p:nvSpPr>
           <p:cNvPr id="4" name="Google Shape;4;n"/>
-          <p:cNvSpPr txBox="1"/>
+          <p:cNvSpPr txBox="1">
+            <a:spLocks noGrp="1"/>
+          </p:cNvSpPr>
           <p:nvPr>
-            <p:ph idx="1" type="body"/>
+            <p:ph type="body" idx="1"/>
           </p:nvPr>
         </p:nvSpPr>
         <p:spPr>
@@ -367,11 +380,11 @@
           </a:ln>
         </p:spPr>
         <p:txBody>
-          <a:bodyPr anchorCtr="0" anchor="t" bIns="91425" lIns="91425" spcFirstLastPara="1" rIns="91425" wrap="square" tIns="91425">
+          <a:bodyPr spcFirstLastPara="1" wrap="square" lIns="91425" tIns="91425" rIns="91425" bIns="91425" anchor="t" anchorCtr="0">
             <a:noAutofit/>
           </a:bodyPr>
           <a:lstStyle>
-            <a:lvl1pPr indent="-298450" lvl="0" marL="457200">
+            <a:lvl1pPr marL="457200" lvl="0" indent="-298450">
               <a:spcBef>
                 <a:spcPts val="0"/>
               </a:spcBef>
@@ -382,7 +395,7 @@
               <a:buChar char="●"/>
               <a:defRPr sz="1100"/>
             </a:lvl1pPr>
-            <a:lvl2pPr indent="-298450" lvl="1" marL="914400">
+            <a:lvl2pPr marL="914400" lvl="1" indent="-298450">
               <a:spcBef>
                 <a:spcPts val="0"/>
               </a:spcBef>
@@ -393,7 +406,7 @@
               <a:buChar char="○"/>
               <a:defRPr sz="1100"/>
             </a:lvl2pPr>
-            <a:lvl3pPr indent="-298450" lvl="2" marL="1371600">
+            <a:lvl3pPr marL="1371600" lvl="2" indent="-298450">
               <a:spcBef>
                 <a:spcPts val="0"/>
               </a:spcBef>
@@ -404,7 +417,7 @@
               <a:buChar char="■"/>
               <a:defRPr sz="1100"/>
             </a:lvl3pPr>
-            <a:lvl4pPr indent="-298450" lvl="3" marL="1828800">
+            <a:lvl4pPr marL="1828800" lvl="3" indent="-298450">
               <a:spcBef>
                 <a:spcPts val="0"/>
               </a:spcBef>
@@ -415,7 +428,7 @@
               <a:buChar char="●"/>
               <a:defRPr sz="1100"/>
             </a:lvl4pPr>
-            <a:lvl5pPr indent="-298450" lvl="4" marL="2286000">
+            <a:lvl5pPr marL="2286000" lvl="4" indent="-298450">
               <a:spcBef>
                 <a:spcPts val="0"/>
               </a:spcBef>
@@ -426,7 +439,7 @@
               <a:buChar char="○"/>
               <a:defRPr sz="1100"/>
             </a:lvl5pPr>
-            <a:lvl6pPr indent="-298450" lvl="5" marL="2743200">
+            <a:lvl6pPr marL="2743200" lvl="5" indent="-298450">
               <a:spcBef>
                 <a:spcPts val="0"/>
               </a:spcBef>
@@ -437,7 +450,7 @@
               <a:buChar char="■"/>
               <a:defRPr sz="1100"/>
             </a:lvl6pPr>
-            <a:lvl7pPr indent="-298450" lvl="6" marL="3200400">
+            <a:lvl7pPr marL="3200400" lvl="6" indent="-298450">
               <a:spcBef>
                 <a:spcPts val="0"/>
               </a:spcBef>
@@ -448,7 +461,7 @@
               <a:buChar char="●"/>
               <a:defRPr sz="1100"/>
             </a:lvl7pPr>
-            <a:lvl8pPr indent="-298450" lvl="7" marL="3657600">
+            <a:lvl8pPr marL="3657600" lvl="7" indent="-298450">
               <a:spcBef>
                 <a:spcPts val="0"/>
               </a:spcBef>
@@ -459,7 +472,7 @@
               <a:buChar char="○"/>
               <a:defRPr sz="1100"/>
             </a:lvl8pPr>
-            <a:lvl9pPr indent="-298450" lvl="8" marL="4114800">
+            <a:lvl9pPr marL="4114800" lvl="8" indent="-298450">
               <a:spcBef>
                 <a:spcPts val="0"/>
               </a:spcBef>
@@ -471,14 +484,16 @@
               <a:defRPr sz="1100"/>
             </a:lvl9pPr>
           </a:lstStyle>
-          <a:p/>
+          <a:p>
+            <a:endParaRPr/>
+          </a:p>
         </p:txBody>
       </p:sp>
     </p:spTree>
   </p:cSld>
-  <p:clrMap accent1="accent1" accent2="accent2" accent3="accent3" accent4="accent4" accent5="accent5" accent6="accent6" bg1="lt1" bg2="dk2" tx1="dk1" tx2="lt2" folHlink="folHlink" hlink="hlink"/>
+  <p:clrMap bg1="lt1" tx1="dk1" bg2="dk2" tx2="lt2" accent1="accent1" accent2="accent2" accent3="accent3" accent4="accent4" accent5="accent5" accent6="accent6" hlink="hlink" folHlink="folHlink"/>
   <p:notesStyle>
-    <a:defPPr lvl="0" marR="0" rtl="0" algn="l">
+    <a:defPPr marR="0" lvl="0" algn="l" rtl="0">
       <a:lnSpc>
         <a:spcPct val="100000"/>
       </a:lnSpc>
@@ -489,7 +504,7 @@
         <a:spcPts val="0"/>
       </a:spcAft>
     </a:defPPr>
-    <a:lvl1pPr lvl="0" marR="0" rtl="0" algn="l">
+    <a:lvl1pPr marR="0" lvl="0" algn="l" rtl="0">
       <a:lnSpc>
         <a:spcPct val="100000"/>
       </a:lnSpc>
@@ -503,7 +518,7 @@
         <a:srgbClr val="000000"/>
       </a:buClr>
       <a:buFont typeface="Arial"/>
-      <a:defRPr b="0" i="0" sz="1400" u="none" cap="none" strike="noStrike">
+      <a:defRPr sz="1400" b="0" i="0" u="none" strike="noStrike" cap="none">
         <a:solidFill>
           <a:srgbClr val="000000"/>
         </a:solidFill>
@@ -513,7 +528,7 @@
         <a:sym typeface="Arial"/>
       </a:defRPr>
     </a:lvl1pPr>
-    <a:lvl2pPr lvl="1" marR="0" rtl="0" algn="l">
+    <a:lvl2pPr marR="0" lvl="1" algn="l" rtl="0">
       <a:lnSpc>
         <a:spcPct val="100000"/>
       </a:lnSpc>
@@ -527,7 +542,7 @@
         <a:srgbClr val="000000"/>
       </a:buClr>
       <a:buFont typeface="Arial"/>
-      <a:defRPr b="0" i="0" sz="1400" u="none" cap="none" strike="noStrike">
+      <a:defRPr sz="1400" b="0" i="0" u="none" strike="noStrike" cap="none">
         <a:solidFill>
           <a:srgbClr val="000000"/>
         </a:solidFill>
@@ -537,7 +552,7 @@
         <a:sym typeface="Arial"/>
       </a:defRPr>
     </a:lvl2pPr>
-    <a:lvl3pPr lvl="2" marR="0" rtl="0" algn="l">
+    <a:lvl3pPr marR="0" lvl="2" algn="l" rtl="0">
       <a:lnSpc>
         <a:spcPct val="100000"/>
       </a:lnSpc>
@@ -551,7 +566,7 @@
         <a:srgbClr val="000000"/>
       </a:buClr>
       <a:buFont typeface="Arial"/>
-      <a:defRPr b="0" i="0" sz="1400" u="none" cap="none" strike="noStrike">
+      <a:defRPr sz="1400" b="0" i="0" u="none" strike="noStrike" cap="none">
         <a:solidFill>
           <a:srgbClr val="000000"/>
         </a:solidFill>
@@ -561,7 +576,7 @@
         <a:sym typeface="Arial"/>
       </a:defRPr>
     </a:lvl3pPr>
-    <a:lvl4pPr lvl="3" marR="0" rtl="0" algn="l">
+    <a:lvl4pPr marR="0" lvl="3" algn="l" rtl="0">
       <a:lnSpc>
         <a:spcPct val="100000"/>
       </a:lnSpc>
@@ -575,7 +590,7 @@
         <a:srgbClr val="000000"/>
       </a:buClr>
       <a:buFont typeface="Arial"/>
-      <a:defRPr b="0" i="0" sz="1400" u="none" cap="none" strike="noStrike">
+      <a:defRPr sz="1400" b="0" i="0" u="none" strike="noStrike" cap="none">
         <a:solidFill>
           <a:srgbClr val="000000"/>
         </a:solidFill>
@@ -585,7 +600,7 @@
         <a:sym typeface="Arial"/>
       </a:defRPr>
     </a:lvl4pPr>
-    <a:lvl5pPr lvl="4" marR="0" rtl="0" algn="l">
+    <a:lvl5pPr marR="0" lvl="4" algn="l" rtl="0">
       <a:lnSpc>
         <a:spcPct val="100000"/>
       </a:lnSpc>
@@ -599,7 +614,7 @@
         <a:srgbClr val="000000"/>
       </a:buClr>
       <a:buFont typeface="Arial"/>
-      <a:defRPr b="0" i="0" sz="1400" u="none" cap="none" strike="noStrike">
+      <a:defRPr sz="1400" b="0" i="0" u="none" strike="noStrike" cap="none">
         <a:solidFill>
           <a:srgbClr val="000000"/>
         </a:solidFill>
@@ -609,7 +624,7 @@
         <a:sym typeface="Arial"/>
       </a:defRPr>
     </a:lvl5pPr>
-    <a:lvl6pPr lvl="5" marR="0" rtl="0" algn="l">
+    <a:lvl6pPr marR="0" lvl="5" algn="l" rtl="0">
       <a:lnSpc>
         <a:spcPct val="100000"/>
       </a:lnSpc>
@@ -623,7 +638,7 @@
         <a:srgbClr val="000000"/>
       </a:buClr>
       <a:buFont typeface="Arial"/>
-      <a:defRPr b="0" i="0" sz="1400" u="none" cap="none" strike="noStrike">
+      <a:defRPr sz="1400" b="0" i="0" u="none" strike="noStrike" cap="none">
         <a:solidFill>
           <a:srgbClr val="000000"/>
         </a:solidFill>
@@ -633,7 +648,7 @@
         <a:sym typeface="Arial"/>
       </a:defRPr>
     </a:lvl6pPr>
-    <a:lvl7pPr lvl="6" marR="0" rtl="0" algn="l">
+    <a:lvl7pPr marR="0" lvl="6" algn="l" rtl="0">
       <a:lnSpc>
         <a:spcPct val="100000"/>
       </a:lnSpc>
@@ -647,7 +662,7 @@
         <a:srgbClr val="000000"/>
       </a:buClr>
       <a:buFont typeface="Arial"/>
-      <a:defRPr b="0" i="0" sz="1400" u="none" cap="none" strike="noStrike">
+      <a:defRPr sz="1400" b="0" i="0" u="none" strike="noStrike" cap="none">
         <a:solidFill>
           <a:srgbClr val="000000"/>
         </a:solidFill>
@@ -657,7 +672,7 @@
         <a:sym typeface="Arial"/>
       </a:defRPr>
     </a:lvl7pPr>
-    <a:lvl8pPr lvl="7" marR="0" rtl="0" algn="l">
+    <a:lvl8pPr marR="0" lvl="7" algn="l" rtl="0">
       <a:lnSpc>
         <a:spcPct val="100000"/>
       </a:lnSpc>
@@ -671,7 +686,7 @@
         <a:srgbClr val="000000"/>
       </a:buClr>
       <a:buFont typeface="Arial"/>
-      <a:defRPr b="0" i="0" sz="1400" u="none" cap="none" strike="noStrike">
+      <a:defRPr sz="1400" b="0" i="0" u="none" strike="noStrike" cap="none">
         <a:solidFill>
           <a:srgbClr val="000000"/>
         </a:solidFill>
@@ -681,7 +696,7 @@
         <a:sym typeface="Arial"/>
       </a:defRPr>
     </a:lvl8pPr>
-    <a:lvl9pPr lvl="8" marR="0" rtl="0" algn="l">
+    <a:lvl9pPr marR="0" lvl="8" algn="l" rtl="0">
       <a:lnSpc>
         <a:spcPct val="100000"/>
       </a:lnSpc>
@@ -695,7 +710,7 @@
         <a:srgbClr val="000000"/>
       </a:buClr>
       <a:buFont typeface="Arial"/>
-      <a:defRPr b="0" i="0" sz="1400" u="none" cap="none" strike="noStrike">
+      <a:defRPr sz="1400" b="0" i="0" u="none" strike="noStrike" cap="none">
         <a:solidFill>
           <a:srgbClr val="000000"/>
         </a:solidFill>
@@ -710,11 +725,11 @@
 </file>
 
 <file path=ppt/notesSlides/notesSlide1.xml><?xml version="1.0" encoding="utf-8"?>
-<p:notes xmlns:a="http://schemas.openxmlformats.org/drawingml/2006/main" xmlns:r="http://schemas.openxmlformats.org/officeDocument/2006/relationships" xmlns:mc="http://schemas.openxmlformats.org/markup-compatibility/2006" xmlns:mv="urn:schemas-microsoft-com:mac:vml" xmlns:p="http://schemas.openxmlformats.org/presentationml/2006/main" xmlns:c="http://schemas.openxmlformats.org/drawingml/2006/chart" xmlns:dgm="http://schemas.openxmlformats.org/drawingml/2006/diagram" xmlns:o="urn:schemas-microsoft-com:office:office" xmlns:v="urn:schemas-microsoft-com:vml" xmlns:pvml="urn:schemas-microsoft-com:office:powerpoint" xmlns:com="http://schemas.openxmlformats.org/drawingml/2006/compatibility" xmlns:p14="http://schemas.microsoft.com/office/powerpoint/2010/main" xmlns:p15="http://schemas.microsoft.com/office/powerpoint/2012/main" showMasterPhAnim="0" showMasterSp="0">
+<p:notes xmlns:a="http://schemas.openxmlformats.org/drawingml/2006/main" xmlns:r="http://schemas.openxmlformats.org/officeDocument/2006/relationships" xmlns:p="http://schemas.openxmlformats.org/presentationml/2006/main" showMasterSp="0" showMasterPhAnim="0">
   <p:cSld>
     <p:spTree>
       <p:nvGrpSpPr>
-        <p:cNvPr id="82" name="Shape 82"/>
+        <p:cNvPr id="1" name="Shape 82"/>
         <p:cNvGrpSpPr/>
         <p:nvPr/>
       </p:nvGrpSpPr>
@@ -729,9 +744,11 @@
       <p:sp>
         <p:nvSpPr>
           <p:cNvPr id="83" name="Google Shape;83;p:notes"/>
-          <p:cNvSpPr/>
+          <p:cNvSpPr>
+            <a:spLocks noGrp="1" noRot="1" noChangeAspect="1"/>
+          </p:cNvSpPr>
           <p:nvPr>
-            <p:ph idx="2" type="sldImg"/>
+            <p:ph type="sldImg" idx="2"/>
           </p:nvPr>
         </p:nvSpPr>
         <p:spPr>
@@ -740,9 +757,13 @@
             <a:ext cx="6096075" cy="3429000"/>
           </a:xfrm>
           <a:custGeom>
-            <a:rect b="b" l="l" r="r" t="t"/>
+            <a:avLst/>
+            <a:gdLst/>
+            <a:ahLst/>
+            <a:cxnLst/>
+            <a:rect l="l" t="t" r="r" b="b"/>
             <a:pathLst>
-              <a:path extrusionOk="0" h="120000" w="120000">
+              <a:path w="120000" h="120000" extrusionOk="0">
                 <a:moveTo>
                   <a:pt x="0" y="0"/>
                 </a:moveTo>
@@ -764,9 +785,11 @@
       <p:sp>
         <p:nvSpPr>
           <p:cNvPr id="84" name="Google Shape;84;p:notes"/>
-          <p:cNvSpPr txBox="1"/>
+          <p:cNvSpPr txBox="1">
+            <a:spLocks noGrp="1"/>
+          </p:cNvSpPr>
           <p:nvPr>
-            <p:ph idx="1" type="body"/>
+            <p:ph type="body" idx="1"/>
           </p:nvPr>
         </p:nvSpPr>
         <p:spPr>
@@ -779,12 +802,12 @@
           </a:prstGeom>
         </p:spPr>
         <p:txBody>
-          <a:bodyPr anchorCtr="0" anchor="t" bIns="91425" lIns="91425" spcFirstLastPara="1" rIns="91425" wrap="square" tIns="91425">
+          <a:bodyPr spcFirstLastPara="1" wrap="square" lIns="91425" tIns="91425" rIns="91425" bIns="91425" anchor="t" anchorCtr="0">
             <a:noAutofit/>
           </a:bodyPr>
           <a:lstStyle/>
           <a:p>
-            <a:pPr indent="0" lvl="0" marL="0" rtl="0" algn="l">
+            <a:pPr marL="0" lvl="0" indent="0" algn="l" rtl="0">
               <a:spcBef>
                 <a:spcPts val="0"/>
               </a:spcBef>
@@ -793,9 +816,6 @@
               </a:spcAft>
               <a:buNone/>
             </a:pPr>
-            <a:r>
-              <a:t/>
-            </a:r>
             <a:endParaRPr/>
           </a:p>
         </p:txBody>
@@ -809,11 +829,11 @@
 </file>
 
 <file path=ppt/notesSlides/notesSlide2.xml><?xml version="1.0" encoding="utf-8"?>
-<p:notes xmlns:a="http://schemas.openxmlformats.org/drawingml/2006/main" xmlns:r="http://schemas.openxmlformats.org/officeDocument/2006/relationships" xmlns:mc="http://schemas.openxmlformats.org/markup-compatibility/2006" xmlns:mv="urn:schemas-microsoft-com:mac:vml" xmlns:p="http://schemas.openxmlformats.org/presentationml/2006/main" xmlns:c="http://schemas.openxmlformats.org/drawingml/2006/chart" xmlns:dgm="http://schemas.openxmlformats.org/drawingml/2006/diagram" xmlns:o="urn:schemas-microsoft-com:office:office" xmlns:v="urn:schemas-microsoft-com:vml" xmlns:pvml="urn:schemas-microsoft-com:office:powerpoint" xmlns:com="http://schemas.openxmlformats.org/drawingml/2006/compatibility" xmlns:p14="http://schemas.microsoft.com/office/powerpoint/2010/main" xmlns:p15="http://schemas.microsoft.com/office/powerpoint/2012/main" showMasterPhAnim="0" showMasterSp="0">
+<p:notes xmlns:a="http://schemas.openxmlformats.org/drawingml/2006/main" xmlns:r="http://schemas.openxmlformats.org/officeDocument/2006/relationships" xmlns:p="http://schemas.openxmlformats.org/presentationml/2006/main" showMasterSp="0" showMasterPhAnim="0">
   <p:cSld>
     <p:spTree>
       <p:nvGrpSpPr>
-        <p:cNvPr id="87" name="Shape 87"/>
+        <p:cNvPr id="1" name="Shape 87"/>
         <p:cNvGrpSpPr/>
         <p:nvPr/>
       </p:nvGrpSpPr>
@@ -828,9 +848,11 @@
       <p:sp>
         <p:nvSpPr>
           <p:cNvPr id="88" name="Google Shape;88;g8854cf7a01_0_279:notes"/>
-          <p:cNvSpPr/>
+          <p:cNvSpPr>
+            <a:spLocks noGrp="1" noRot="1" noChangeAspect="1"/>
+          </p:cNvSpPr>
           <p:nvPr>
-            <p:ph idx="2" type="sldImg"/>
+            <p:ph type="sldImg" idx="2"/>
           </p:nvPr>
         </p:nvSpPr>
         <p:spPr>
@@ -839,9 +861,13 @@
             <a:ext cx="6096000" cy="3429000"/>
           </a:xfrm>
           <a:custGeom>
-            <a:rect b="b" l="l" r="r" t="t"/>
+            <a:avLst/>
+            <a:gdLst/>
+            <a:ahLst/>
+            <a:cxnLst/>
+            <a:rect l="l" t="t" r="r" b="b"/>
             <a:pathLst>
-              <a:path extrusionOk="0" h="120000" w="120000">
+              <a:path w="120000" h="120000" extrusionOk="0">
                 <a:moveTo>
                   <a:pt x="0" y="0"/>
                 </a:moveTo>
@@ -863,9 +889,11 @@
       <p:sp>
         <p:nvSpPr>
           <p:cNvPr id="89" name="Google Shape;89;g8854cf7a01_0_279:notes"/>
-          <p:cNvSpPr txBox="1"/>
+          <p:cNvSpPr txBox="1">
+            <a:spLocks noGrp="1"/>
+          </p:cNvSpPr>
           <p:nvPr>
-            <p:ph idx="1" type="body"/>
+            <p:ph type="body" idx="1"/>
           </p:nvPr>
         </p:nvSpPr>
         <p:spPr>
@@ -878,12 +906,12 @@
           </a:prstGeom>
         </p:spPr>
         <p:txBody>
-          <a:bodyPr anchorCtr="0" anchor="t" bIns="91425" lIns="91425" spcFirstLastPara="1" rIns="91425" wrap="square" tIns="91425">
+          <a:bodyPr spcFirstLastPara="1" wrap="square" lIns="91425" tIns="91425" rIns="91425" bIns="91425" anchor="t" anchorCtr="0">
             <a:noAutofit/>
           </a:bodyPr>
           <a:lstStyle/>
           <a:p>
-            <a:pPr indent="0" lvl="0" marL="0" rtl="0" algn="l">
+            <a:pPr marL="0" lvl="0" indent="0" algn="l" rtl="0">
               <a:spcBef>
                 <a:spcPts val="0"/>
               </a:spcBef>
@@ -892,9 +920,6 @@
               </a:spcAft>
               <a:buNone/>
             </a:pPr>
-            <a:r>
-              <a:t/>
-            </a:r>
             <a:endParaRPr/>
           </a:p>
         </p:txBody>
@@ -908,11 +933,11 @@
 </file>
 
 <file path=ppt/notesSlides/notesSlide3.xml><?xml version="1.0" encoding="utf-8"?>
-<p:notes xmlns:a="http://schemas.openxmlformats.org/drawingml/2006/main" xmlns:r="http://schemas.openxmlformats.org/officeDocument/2006/relationships" xmlns:mc="http://schemas.openxmlformats.org/markup-compatibility/2006" xmlns:mv="urn:schemas-microsoft-com:mac:vml" xmlns:p="http://schemas.openxmlformats.org/presentationml/2006/main" xmlns:c="http://schemas.openxmlformats.org/drawingml/2006/chart" xmlns:dgm="http://schemas.openxmlformats.org/drawingml/2006/diagram" xmlns:o="urn:schemas-microsoft-com:office:office" xmlns:v="urn:schemas-microsoft-com:vml" xmlns:pvml="urn:schemas-microsoft-com:office:powerpoint" xmlns:com="http://schemas.openxmlformats.org/drawingml/2006/compatibility" xmlns:p14="http://schemas.microsoft.com/office/powerpoint/2010/main" xmlns:p15="http://schemas.microsoft.com/office/powerpoint/2012/main" showMasterPhAnim="0" showMasterSp="0">
+<p:notes xmlns:a="http://schemas.openxmlformats.org/drawingml/2006/main" xmlns:r="http://schemas.openxmlformats.org/officeDocument/2006/relationships" xmlns:p="http://schemas.openxmlformats.org/presentationml/2006/main" showMasterSp="0" showMasterPhAnim="0">
   <p:cSld>
     <p:spTree>
       <p:nvGrpSpPr>
-        <p:cNvPr id="93" name="Shape 93"/>
+        <p:cNvPr id="1" name="Shape 93"/>
         <p:cNvGrpSpPr/>
         <p:nvPr/>
       </p:nvGrpSpPr>
@@ -927,9 +952,11 @@
       <p:sp>
         <p:nvSpPr>
           <p:cNvPr id="94" name="Google Shape;94;g8854cf7a01_0_300:notes"/>
-          <p:cNvSpPr/>
+          <p:cNvSpPr>
+            <a:spLocks noGrp="1" noRot="1" noChangeAspect="1"/>
+          </p:cNvSpPr>
           <p:nvPr>
-            <p:ph idx="2" type="sldImg"/>
+            <p:ph type="sldImg" idx="2"/>
           </p:nvPr>
         </p:nvSpPr>
         <p:spPr>
@@ -938,9 +965,13 @@
             <a:ext cx="6096000" cy="3429000"/>
           </a:xfrm>
           <a:custGeom>
-            <a:rect b="b" l="l" r="r" t="t"/>
+            <a:avLst/>
+            <a:gdLst/>
+            <a:ahLst/>
+            <a:cxnLst/>
+            <a:rect l="l" t="t" r="r" b="b"/>
             <a:pathLst>
-              <a:path extrusionOk="0" h="120000" w="120000">
+              <a:path w="120000" h="120000" extrusionOk="0">
                 <a:moveTo>
                   <a:pt x="0" y="0"/>
                 </a:moveTo>
@@ -962,9 +993,11 @@
       <p:sp>
         <p:nvSpPr>
           <p:cNvPr id="95" name="Google Shape;95;g8854cf7a01_0_300:notes"/>
-          <p:cNvSpPr txBox="1"/>
+          <p:cNvSpPr txBox="1">
+            <a:spLocks noGrp="1"/>
+          </p:cNvSpPr>
           <p:nvPr>
-            <p:ph idx="1" type="body"/>
+            <p:ph type="body" idx="1"/>
           </p:nvPr>
         </p:nvSpPr>
         <p:spPr>
@@ -977,12 +1010,12 @@
           </a:prstGeom>
         </p:spPr>
         <p:txBody>
-          <a:bodyPr anchorCtr="0" anchor="t" bIns="91425" lIns="91425" spcFirstLastPara="1" rIns="91425" wrap="square" tIns="91425">
+          <a:bodyPr spcFirstLastPara="1" wrap="square" lIns="91425" tIns="91425" rIns="91425" bIns="91425" anchor="t" anchorCtr="0">
             <a:noAutofit/>
           </a:bodyPr>
           <a:lstStyle/>
           <a:p>
-            <a:pPr indent="0" lvl="0" marL="0" rtl="0" algn="l">
+            <a:pPr marL="0" lvl="0" indent="0" algn="l" rtl="0">
               <a:spcBef>
                 <a:spcPts val="0"/>
               </a:spcBef>
@@ -991,9 +1024,6 @@
               </a:spcAft>
               <a:buNone/>
             </a:pPr>
-            <a:r>
-              <a:t/>
-            </a:r>
             <a:endParaRPr/>
           </a:p>
         </p:txBody>
@@ -1007,11 +1037,11 @@
 </file>
 
 <file path=ppt/notesSlides/notesSlide4.xml><?xml version="1.0" encoding="utf-8"?>
-<p:notes xmlns:a="http://schemas.openxmlformats.org/drawingml/2006/main" xmlns:r="http://schemas.openxmlformats.org/officeDocument/2006/relationships" xmlns:mc="http://schemas.openxmlformats.org/markup-compatibility/2006" xmlns:mv="urn:schemas-microsoft-com:mac:vml" xmlns:p="http://schemas.openxmlformats.org/presentationml/2006/main" xmlns:c="http://schemas.openxmlformats.org/drawingml/2006/chart" xmlns:dgm="http://schemas.openxmlformats.org/drawingml/2006/diagram" xmlns:o="urn:schemas-microsoft-com:office:office" xmlns:v="urn:schemas-microsoft-com:vml" xmlns:pvml="urn:schemas-microsoft-com:office:powerpoint" xmlns:com="http://schemas.openxmlformats.org/drawingml/2006/compatibility" xmlns:p14="http://schemas.microsoft.com/office/powerpoint/2010/main" xmlns:p15="http://schemas.microsoft.com/office/powerpoint/2012/main" showMasterPhAnim="0" showMasterSp="0">
+<p:notes xmlns:a="http://schemas.openxmlformats.org/drawingml/2006/main" xmlns:r="http://schemas.openxmlformats.org/officeDocument/2006/relationships" xmlns:p="http://schemas.openxmlformats.org/presentationml/2006/main" showMasterSp="0" showMasterPhAnim="0">
   <p:cSld>
     <p:spTree>
       <p:nvGrpSpPr>
-        <p:cNvPr id="99" name="Shape 99"/>
+        <p:cNvPr id="1" name="Shape 99"/>
         <p:cNvGrpSpPr/>
         <p:nvPr/>
       </p:nvGrpSpPr>
@@ -1026,9 +1056,11 @@
       <p:sp>
         <p:nvSpPr>
           <p:cNvPr id="100" name="Google Shape;100;g8854cf7a01_0_305:notes"/>
-          <p:cNvSpPr/>
+          <p:cNvSpPr>
+            <a:spLocks noGrp="1" noRot="1" noChangeAspect="1"/>
+          </p:cNvSpPr>
           <p:nvPr>
-            <p:ph idx="2" type="sldImg"/>
+            <p:ph type="sldImg" idx="2"/>
           </p:nvPr>
         </p:nvSpPr>
         <p:spPr>
@@ -1037,9 +1069,13 @@
             <a:ext cx="6096000" cy="3429000"/>
           </a:xfrm>
           <a:custGeom>
-            <a:rect b="b" l="l" r="r" t="t"/>
+            <a:avLst/>
+            <a:gdLst/>
+            <a:ahLst/>
+            <a:cxnLst/>
+            <a:rect l="l" t="t" r="r" b="b"/>
             <a:pathLst>
-              <a:path extrusionOk="0" h="120000" w="120000">
+              <a:path w="120000" h="120000" extrusionOk="0">
                 <a:moveTo>
                   <a:pt x="0" y="0"/>
                 </a:moveTo>
@@ -1061,9 +1097,11 @@
       <p:sp>
         <p:nvSpPr>
           <p:cNvPr id="101" name="Google Shape;101;g8854cf7a01_0_305:notes"/>
-          <p:cNvSpPr txBox="1"/>
+          <p:cNvSpPr txBox="1">
+            <a:spLocks noGrp="1"/>
+          </p:cNvSpPr>
           <p:nvPr>
-            <p:ph idx="1" type="body"/>
+            <p:ph type="body" idx="1"/>
           </p:nvPr>
         </p:nvSpPr>
         <p:spPr>
@@ -1076,12 +1114,12 @@
           </a:prstGeom>
         </p:spPr>
         <p:txBody>
-          <a:bodyPr anchorCtr="0" anchor="t" bIns="91425" lIns="91425" spcFirstLastPara="1" rIns="91425" wrap="square" tIns="91425">
+          <a:bodyPr spcFirstLastPara="1" wrap="square" lIns="91425" tIns="91425" rIns="91425" bIns="91425" anchor="t" anchorCtr="0">
             <a:noAutofit/>
           </a:bodyPr>
           <a:lstStyle/>
           <a:p>
-            <a:pPr indent="0" lvl="0" marL="0" rtl="0" algn="l">
+            <a:pPr marL="0" lvl="0" indent="0" algn="l" rtl="0">
               <a:spcBef>
                 <a:spcPts val="0"/>
               </a:spcBef>
@@ -1090,9 +1128,6 @@
               </a:spcAft>
               <a:buNone/>
             </a:pPr>
-            <a:r>
-              <a:t/>
-            </a:r>
             <a:endParaRPr/>
           </a:p>
         </p:txBody>
@@ -1106,11 +1141,11 @@
 </file>
 
 <file path=ppt/notesSlides/notesSlide5.xml><?xml version="1.0" encoding="utf-8"?>
-<p:notes xmlns:a="http://schemas.openxmlformats.org/drawingml/2006/main" xmlns:r="http://schemas.openxmlformats.org/officeDocument/2006/relationships" xmlns:mc="http://schemas.openxmlformats.org/markup-compatibility/2006" xmlns:mv="urn:schemas-microsoft-com:mac:vml" xmlns:p="http://schemas.openxmlformats.org/presentationml/2006/main" xmlns:c="http://schemas.openxmlformats.org/drawingml/2006/chart" xmlns:dgm="http://schemas.openxmlformats.org/drawingml/2006/diagram" xmlns:o="urn:schemas-microsoft-com:office:office" xmlns:v="urn:schemas-microsoft-com:vml" xmlns:pvml="urn:schemas-microsoft-com:office:powerpoint" xmlns:com="http://schemas.openxmlformats.org/drawingml/2006/compatibility" xmlns:p14="http://schemas.microsoft.com/office/powerpoint/2010/main" xmlns:p15="http://schemas.microsoft.com/office/powerpoint/2012/main" showMasterPhAnim="0" showMasterSp="0">
+<p:notes xmlns:a="http://schemas.openxmlformats.org/drawingml/2006/main" xmlns:r="http://schemas.openxmlformats.org/officeDocument/2006/relationships" xmlns:p="http://schemas.openxmlformats.org/presentationml/2006/main" showMasterSp="0" showMasterPhAnim="0">
   <p:cSld>
     <p:spTree>
       <p:nvGrpSpPr>
-        <p:cNvPr id="105" name="Shape 105"/>
+        <p:cNvPr id="1" name="Shape 105"/>
         <p:cNvGrpSpPr/>
         <p:nvPr/>
       </p:nvGrpSpPr>
@@ -1125,20 +1160,26 @@
       <p:sp>
         <p:nvSpPr>
           <p:cNvPr id="106" name="Google Shape;106;g896b04630e_0_0:notes"/>
-          <p:cNvSpPr/>
+          <p:cNvSpPr>
+            <a:spLocks noGrp="1" noRot="1" noChangeAspect="1"/>
+          </p:cNvSpPr>
           <p:nvPr>
-            <p:ph idx="2" type="sldImg"/>
+            <p:ph type="sldImg" idx="2"/>
           </p:nvPr>
         </p:nvSpPr>
         <p:spPr>
           <a:xfrm>
-            <a:off x="381300" y="685800"/>
+            <a:off x="381000" y="685800"/>
             <a:ext cx="6096000" cy="3429000"/>
           </a:xfrm>
           <a:custGeom>
-            <a:rect b="b" l="l" r="r" t="t"/>
+            <a:avLst/>
+            <a:gdLst/>
+            <a:ahLst/>
+            <a:cxnLst/>
+            <a:rect l="l" t="t" r="r" b="b"/>
             <a:pathLst>
-              <a:path extrusionOk="0" h="120000" w="120000">
+              <a:path w="120000" h="120000" extrusionOk="0">
                 <a:moveTo>
                   <a:pt x="0" y="0"/>
                 </a:moveTo>
@@ -1160,9 +1201,11 @@
       <p:sp>
         <p:nvSpPr>
           <p:cNvPr id="107" name="Google Shape;107;g896b04630e_0_0:notes"/>
-          <p:cNvSpPr txBox="1"/>
+          <p:cNvSpPr txBox="1">
+            <a:spLocks noGrp="1"/>
+          </p:cNvSpPr>
           <p:nvPr>
-            <p:ph idx="1" type="body"/>
+            <p:ph type="body" idx="1"/>
           </p:nvPr>
         </p:nvSpPr>
         <p:spPr>
@@ -1175,12 +1218,12 @@
           </a:prstGeom>
         </p:spPr>
         <p:txBody>
-          <a:bodyPr anchorCtr="0" anchor="t" bIns="91425" lIns="91425" spcFirstLastPara="1" rIns="91425" wrap="square" tIns="91425">
+          <a:bodyPr spcFirstLastPara="1" wrap="square" lIns="91425" tIns="91425" rIns="91425" bIns="91425" anchor="t" anchorCtr="0">
             <a:noAutofit/>
           </a:bodyPr>
           <a:lstStyle/>
           <a:p>
-            <a:pPr indent="0" lvl="0" marL="0" rtl="0" algn="l">
+            <a:pPr marL="0" lvl="0" indent="0" algn="l" rtl="0">
               <a:spcBef>
                 <a:spcPts val="0"/>
               </a:spcBef>
@@ -1189,9 +1232,6 @@
               </a:spcAft>
               <a:buNone/>
             </a:pPr>
-            <a:r>
-              <a:t/>
-            </a:r>
             <a:endParaRPr/>
           </a:p>
         </p:txBody>
@@ -1205,11 +1245,11 @@
 </file>
 
 <file path=ppt/notesSlides/notesSlide6.xml><?xml version="1.0" encoding="utf-8"?>
-<p:notes xmlns:a="http://schemas.openxmlformats.org/drawingml/2006/main" xmlns:r="http://schemas.openxmlformats.org/officeDocument/2006/relationships" xmlns:mc="http://schemas.openxmlformats.org/markup-compatibility/2006" xmlns:mv="urn:schemas-microsoft-com:mac:vml" xmlns:p="http://schemas.openxmlformats.org/presentationml/2006/main" xmlns:c="http://schemas.openxmlformats.org/drawingml/2006/chart" xmlns:dgm="http://schemas.openxmlformats.org/drawingml/2006/diagram" xmlns:o="urn:schemas-microsoft-com:office:office" xmlns:v="urn:schemas-microsoft-com:vml" xmlns:pvml="urn:schemas-microsoft-com:office:powerpoint" xmlns:com="http://schemas.openxmlformats.org/drawingml/2006/compatibility" xmlns:p14="http://schemas.microsoft.com/office/powerpoint/2010/main" xmlns:p15="http://schemas.microsoft.com/office/powerpoint/2012/main" showMasterPhAnim="0" showMasterSp="0">
+<p:notes xmlns:a="http://schemas.openxmlformats.org/drawingml/2006/main" xmlns:r="http://schemas.openxmlformats.org/officeDocument/2006/relationships" xmlns:p="http://schemas.openxmlformats.org/presentationml/2006/main" showMasterSp="0" showMasterPhAnim="0">
   <p:cSld>
     <p:spTree>
       <p:nvGrpSpPr>
-        <p:cNvPr id="110" name="Shape 110"/>
+        <p:cNvPr id="1" name="Shape 110"/>
         <p:cNvGrpSpPr/>
         <p:nvPr/>
       </p:nvGrpSpPr>
@@ -1224,9 +1264,11 @@
       <p:sp>
         <p:nvSpPr>
           <p:cNvPr id="111" name="Google Shape;111;g8854cf7a01_0_290:notes"/>
-          <p:cNvSpPr/>
+          <p:cNvSpPr>
+            <a:spLocks noGrp="1" noRot="1" noChangeAspect="1"/>
+          </p:cNvSpPr>
           <p:nvPr>
-            <p:ph idx="2" type="sldImg"/>
+            <p:ph type="sldImg" idx="2"/>
           </p:nvPr>
         </p:nvSpPr>
         <p:spPr>
@@ -1235,9 +1277,13 @@
             <a:ext cx="6096000" cy="3429000"/>
           </a:xfrm>
           <a:custGeom>
-            <a:rect b="b" l="l" r="r" t="t"/>
+            <a:avLst/>
+            <a:gdLst/>
+            <a:ahLst/>
+            <a:cxnLst/>
+            <a:rect l="l" t="t" r="r" b="b"/>
             <a:pathLst>
-              <a:path extrusionOk="0" h="120000" w="120000">
+              <a:path w="120000" h="120000" extrusionOk="0">
                 <a:moveTo>
                   <a:pt x="0" y="0"/>
                 </a:moveTo>
@@ -1259,9 +1305,11 @@
       <p:sp>
         <p:nvSpPr>
           <p:cNvPr id="112" name="Google Shape;112;g8854cf7a01_0_290:notes"/>
-          <p:cNvSpPr txBox="1"/>
+          <p:cNvSpPr txBox="1">
+            <a:spLocks noGrp="1"/>
+          </p:cNvSpPr>
           <p:nvPr>
-            <p:ph idx="1" type="body"/>
+            <p:ph type="body" idx="1"/>
           </p:nvPr>
         </p:nvSpPr>
         <p:spPr>
@@ -1274,12 +1322,12 @@
           </a:prstGeom>
         </p:spPr>
         <p:txBody>
-          <a:bodyPr anchorCtr="0" anchor="t" bIns="91425" lIns="91425" spcFirstLastPara="1" rIns="91425" wrap="square" tIns="91425">
+          <a:bodyPr spcFirstLastPara="1" wrap="square" lIns="91425" tIns="91425" rIns="91425" bIns="91425" anchor="t" anchorCtr="0">
             <a:noAutofit/>
           </a:bodyPr>
           <a:lstStyle/>
           <a:p>
-            <a:pPr indent="0" lvl="0" marL="0" rtl="0" algn="l">
+            <a:pPr marL="0" lvl="0" indent="0" algn="l" rtl="0">
               <a:spcBef>
                 <a:spcPts val="0"/>
               </a:spcBef>
@@ -1288,9 +1336,6 @@
               </a:spcAft>
               <a:buNone/>
             </a:pPr>
-            <a:r>
-              <a:t/>
-            </a:r>
             <a:endParaRPr/>
           </a:p>
         </p:txBody>
@@ -1304,11 +1349,11 @@
 </file>
 
 <file path=ppt/notesSlides/notesSlide7.xml><?xml version="1.0" encoding="utf-8"?>
-<p:notes xmlns:a="http://schemas.openxmlformats.org/drawingml/2006/main" xmlns:r="http://schemas.openxmlformats.org/officeDocument/2006/relationships" xmlns:mc="http://schemas.openxmlformats.org/markup-compatibility/2006" xmlns:mv="urn:schemas-microsoft-com:mac:vml" xmlns:p="http://schemas.openxmlformats.org/presentationml/2006/main" xmlns:c="http://schemas.openxmlformats.org/drawingml/2006/chart" xmlns:dgm="http://schemas.openxmlformats.org/drawingml/2006/diagram" xmlns:o="urn:schemas-microsoft-com:office:office" xmlns:v="urn:schemas-microsoft-com:vml" xmlns:pvml="urn:schemas-microsoft-com:office:powerpoint" xmlns:com="http://schemas.openxmlformats.org/drawingml/2006/compatibility" xmlns:p14="http://schemas.microsoft.com/office/powerpoint/2010/main" xmlns:p15="http://schemas.microsoft.com/office/powerpoint/2012/main" showMasterPhAnim="0" showMasterSp="0">
+<p:notes xmlns:a="http://schemas.openxmlformats.org/drawingml/2006/main" xmlns:r="http://schemas.openxmlformats.org/officeDocument/2006/relationships" xmlns:p="http://schemas.openxmlformats.org/presentationml/2006/main" showMasterSp="0" showMasterPhAnim="0">
   <p:cSld>
     <p:spTree>
       <p:nvGrpSpPr>
-        <p:cNvPr id="116" name="Shape 116"/>
+        <p:cNvPr id="1" name="Shape 116"/>
         <p:cNvGrpSpPr/>
         <p:nvPr/>
       </p:nvGrpSpPr>
@@ -1323,9 +1368,11 @@
       <p:sp>
         <p:nvSpPr>
           <p:cNvPr id="117" name="Google Shape;117;g885e206f79_0_0:notes"/>
-          <p:cNvSpPr/>
+          <p:cNvSpPr>
+            <a:spLocks noGrp="1" noRot="1" noChangeAspect="1"/>
+          </p:cNvSpPr>
           <p:nvPr>
-            <p:ph idx="2" type="sldImg"/>
+            <p:ph type="sldImg" idx="2"/>
           </p:nvPr>
         </p:nvSpPr>
         <p:spPr>
@@ -1334,9 +1381,13 @@
             <a:ext cx="6096000" cy="3429000"/>
           </a:xfrm>
           <a:custGeom>
-            <a:rect b="b" l="l" r="r" t="t"/>
+            <a:avLst/>
+            <a:gdLst/>
+            <a:ahLst/>
+            <a:cxnLst/>
+            <a:rect l="l" t="t" r="r" b="b"/>
             <a:pathLst>
-              <a:path extrusionOk="0" h="120000" w="120000">
+              <a:path w="120000" h="120000" extrusionOk="0">
                 <a:moveTo>
                   <a:pt x="0" y="0"/>
                 </a:moveTo>
@@ -1358,9 +1409,11 @@
       <p:sp>
         <p:nvSpPr>
           <p:cNvPr id="118" name="Google Shape;118;g885e206f79_0_0:notes"/>
-          <p:cNvSpPr txBox="1"/>
+          <p:cNvSpPr txBox="1">
+            <a:spLocks noGrp="1"/>
+          </p:cNvSpPr>
           <p:nvPr>
-            <p:ph idx="1" type="body"/>
+            <p:ph type="body" idx="1"/>
           </p:nvPr>
         </p:nvSpPr>
         <p:spPr>
@@ -1373,12 +1426,12 @@
           </a:prstGeom>
         </p:spPr>
         <p:txBody>
-          <a:bodyPr anchorCtr="0" anchor="t" bIns="91425" lIns="91425" spcFirstLastPara="1" rIns="91425" wrap="square" tIns="91425">
+          <a:bodyPr spcFirstLastPara="1" wrap="square" lIns="91425" tIns="91425" rIns="91425" bIns="91425" anchor="t" anchorCtr="0">
             <a:noAutofit/>
           </a:bodyPr>
           <a:lstStyle/>
           <a:p>
-            <a:pPr indent="0" lvl="0" marL="0" rtl="0" algn="l">
+            <a:pPr marL="0" lvl="0" indent="0" algn="l" rtl="0">
               <a:spcBef>
                 <a:spcPts val="0"/>
               </a:spcBef>
@@ -1387,9 +1440,6 @@
               </a:spcAft>
               <a:buNone/>
             </a:pPr>
-            <a:r>
-              <a:t/>
-            </a:r>
             <a:endParaRPr/>
           </a:p>
         </p:txBody>
@@ -1403,11 +1453,11 @@
 </file>
 
 <file path=ppt/notesSlides/notesSlide8.xml><?xml version="1.0" encoding="utf-8"?>
-<p:notes xmlns:a="http://schemas.openxmlformats.org/drawingml/2006/main" xmlns:r="http://schemas.openxmlformats.org/officeDocument/2006/relationships" xmlns:mc="http://schemas.openxmlformats.org/markup-compatibility/2006" xmlns:mv="urn:schemas-microsoft-com:mac:vml" xmlns:p="http://schemas.openxmlformats.org/presentationml/2006/main" xmlns:c="http://schemas.openxmlformats.org/drawingml/2006/chart" xmlns:dgm="http://schemas.openxmlformats.org/drawingml/2006/diagram" xmlns:o="urn:schemas-microsoft-com:office:office" xmlns:v="urn:schemas-microsoft-com:vml" xmlns:pvml="urn:schemas-microsoft-com:office:powerpoint" xmlns:com="http://schemas.openxmlformats.org/drawingml/2006/compatibility" xmlns:p14="http://schemas.microsoft.com/office/powerpoint/2010/main" xmlns:p15="http://schemas.microsoft.com/office/powerpoint/2012/main" showMasterPhAnim="0" showMasterSp="0">
+<p:notes xmlns:a="http://schemas.openxmlformats.org/drawingml/2006/main" xmlns:r="http://schemas.openxmlformats.org/officeDocument/2006/relationships" xmlns:p="http://schemas.openxmlformats.org/presentationml/2006/main" showMasterSp="0" showMasterPhAnim="0">
   <p:cSld>
     <p:spTree>
       <p:nvGrpSpPr>
-        <p:cNvPr id="121" name="Shape 121"/>
+        <p:cNvPr id="1" name="Shape 121"/>
         <p:cNvGrpSpPr/>
         <p:nvPr/>
       </p:nvGrpSpPr>
@@ -1422,9 +1472,11 @@
       <p:sp>
         <p:nvSpPr>
           <p:cNvPr id="122" name="Google Shape;122;g8854cf7a01_0_284:notes"/>
-          <p:cNvSpPr/>
+          <p:cNvSpPr>
+            <a:spLocks noGrp="1" noRot="1" noChangeAspect="1"/>
+          </p:cNvSpPr>
           <p:nvPr>
-            <p:ph idx="2" type="sldImg"/>
+            <p:ph type="sldImg" idx="2"/>
           </p:nvPr>
         </p:nvSpPr>
         <p:spPr>
@@ -1433,9 +1485,13 @@
             <a:ext cx="6096000" cy="3429000"/>
           </a:xfrm>
           <a:custGeom>
-            <a:rect b="b" l="l" r="r" t="t"/>
+            <a:avLst/>
+            <a:gdLst/>
+            <a:ahLst/>
+            <a:cxnLst/>
+            <a:rect l="l" t="t" r="r" b="b"/>
             <a:pathLst>
-              <a:path extrusionOk="0" h="120000" w="120000">
+              <a:path w="120000" h="120000" extrusionOk="0">
                 <a:moveTo>
                   <a:pt x="0" y="0"/>
                 </a:moveTo>
@@ -1457,9 +1513,11 @@
       <p:sp>
         <p:nvSpPr>
           <p:cNvPr id="123" name="Google Shape;123;g8854cf7a01_0_284:notes"/>
-          <p:cNvSpPr txBox="1"/>
+          <p:cNvSpPr txBox="1">
+            <a:spLocks noGrp="1"/>
+          </p:cNvSpPr>
           <p:nvPr>
-            <p:ph idx="1" type="body"/>
+            <p:ph type="body" idx="1"/>
           </p:nvPr>
         </p:nvSpPr>
         <p:spPr>
@@ -1472,12 +1530,12 @@
           </a:prstGeom>
         </p:spPr>
         <p:txBody>
-          <a:bodyPr anchorCtr="0" anchor="t" bIns="91425" lIns="91425" spcFirstLastPara="1" rIns="91425" wrap="square" tIns="91425">
+          <a:bodyPr spcFirstLastPara="1" wrap="square" lIns="91425" tIns="91425" rIns="91425" bIns="91425" anchor="t" anchorCtr="0">
             <a:noAutofit/>
           </a:bodyPr>
           <a:lstStyle/>
           <a:p>
-            <a:pPr indent="0" lvl="0" marL="0" rtl="0" algn="l">
+            <a:pPr marL="0" lvl="0" indent="0" algn="l" rtl="0">
               <a:spcBef>
                 <a:spcPts val="0"/>
               </a:spcBef>
@@ -1486,9 +1544,6 @@
               </a:spcAft>
               <a:buNone/>
             </a:pPr>
-            <a:r>
-              <a:t/>
-            </a:r>
             <a:endParaRPr/>
           </a:p>
         </p:txBody>
@@ -1502,18 +1557,19 @@
 </file>
 
 <file path=ppt/slideLayouts/slideLayout1.xml><?xml version="1.0" encoding="utf-8"?>
-<p:sldLayout xmlns:a="http://schemas.openxmlformats.org/drawingml/2006/main" xmlns:r="http://schemas.openxmlformats.org/officeDocument/2006/relationships" xmlns:mc="http://schemas.openxmlformats.org/markup-compatibility/2006" xmlns:mv="urn:schemas-microsoft-com:mac:vml" xmlns:p="http://schemas.openxmlformats.org/presentationml/2006/main" xmlns:c="http://schemas.openxmlformats.org/drawingml/2006/chart" xmlns:dgm="http://schemas.openxmlformats.org/drawingml/2006/diagram" xmlns:o="urn:schemas-microsoft-com:office:office" xmlns:v="urn:schemas-microsoft-com:vml" xmlns:pvml="urn:schemas-microsoft-com:office:powerpoint" xmlns:com="http://schemas.openxmlformats.org/drawingml/2006/compatibility" xmlns:p14="http://schemas.microsoft.com/office/powerpoint/2010/main" xmlns:p15="http://schemas.microsoft.com/office/powerpoint/2012/main" matchingName="Title slide" type="title">
+<p:sldLayout xmlns:a="http://schemas.openxmlformats.org/drawingml/2006/main" xmlns:r="http://schemas.openxmlformats.org/officeDocument/2006/relationships" xmlns:p="http://schemas.openxmlformats.org/presentationml/2006/main" matchingName="Title slide" type="title">
   <p:cSld name="TITLE">
     <p:bg>
       <p:bgPr>
         <a:solidFill>
           <a:schemeClr val="lt2"/>
         </a:solidFill>
+        <a:effectLst/>
       </p:bgPr>
     </p:bg>
     <p:spTree>
       <p:nvGrpSpPr>
-        <p:cNvPr id="9" name="Shape 9"/>
+        <p:cNvPr id="1" name="Shape 9"/>
         <p:cNvGrpSpPr/>
         <p:nvPr/>
       </p:nvGrpSpPr>
@@ -1547,12 +1603,12 @@
           </a:ln>
         </p:spPr>
         <p:txBody>
-          <a:bodyPr anchorCtr="0" anchor="ctr" bIns="91425" lIns="91425" spcFirstLastPara="1" rIns="91425" wrap="square" tIns="91425">
+          <a:bodyPr spcFirstLastPara="1" wrap="square" lIns="91425" tIns="91425" rIns="91425" bIns="91425" anchor="ctr" anchorCtr="0">
             <a:noAutofit/>
           </a:bodyPr>
           <a:lstStyle/>
           <a:p>
-            <a:pPr indent="0" lvl="0" marL="0" rtl="0" algn="l">
+            <a:pPr marL="0" lvl="0" indent="0" algn="l" rtl="0">
               <a:spcBef>
                 <a:spcPts val="0"/>
               </a:spcBef>
@@ -1561,9 +1617,6 @@
               </a:spcAft>
               <a:buNone/>
             </a:pPr>
-            <a:r>
-              <a:t/>
-            </a:r>
             <a:endParaRPr/>
           </a:p>
         </p:txBody>
@@ -1604,12 +1657,12 @@
             </a:ln>
           </p:spPr>
           <p:txBody>
-            <a:bodyPr anchorCtr="0" anchor="ctr" bIns="91425" lIns="91425" spcFirstLastPara="1" rIns="91425" wrap="square" tIns="91425">
+            <a:bodyPr spcFirstLastPara="1" wrap="square" lIns="91425" tIns="91425" rIns="91425" bIns="91425" anchor="ctr" anchorCtr="0">
               <a:noAutofit/>
             </a:bodyPr>
             <a:lstStyle/>
             <a:p>
-              <a:pPr indent="0" lvl="0" marL="0" rtl="0" algn="l">
+              <a:pPr marL="0" lvl="0" indent="0" algn="l" rtl="0">
                 <a:spcBef>
                   <a:spcPts val="0"/>
                 </a:spcBef>
@@ -1618,9 +1671,6 @@
                 </a:spcAft>
                 <a:buNone/>
               </a:pPr>
-              <a:r>
-                <a:t/>
-              </a:r>
               <a:endParaRPr/>
             </a:p>
           </p:txBody>
@@ -1647,12 +1697,12 @@
             </a:ln>
           </p:spPr>
           <p:txBody>
-            <a:bodyPr anchorCtr="0" anchor="ctr" bIns="91425" lIns="91425" spcFirstLastPara="1" rIns="91425" wrap="square" tIns="91425">
+            <a:bodyPr spcFirstLastPara="1" wrap="square" lIns="91425" tIns="91425" rIns="91425" bIns="91425" anchor="ctr" anchorCtr="0">
               <a:noAutofit/>
             </a:bodyPr>
             <a:lstStyle/>
             <a:p>
-              <a:pPr indent="0" lvl="0" marL="0" rtl="0" algn="l">
+              <a:pPr marL="0" lvl="0" indent="0" algn="l" rtl="0">
                 <a:spcBef>
                   <a:spcPts val="0"/>
                 </a:spcBef>
@@ -1661,9 +1711,6 @@
                 </a:spcAft>
                 <a:buNone/>
               </a:pPr>
-              <a:r>
-                <a:t/>
-              </a:r>
               <a:endParaRPr/>
             </a:p>
           </p:txBody>
@@ -1672,7 +1719,9 @@
       <p:sp>
         <p:nvSpPr>
           <p:cNvPr id="14" name="Google Shape;14;p2"/>
-          <p:cNvSpPr txBox="1"/>
+          <p:cNvSpPr txBox="1">
+            <a:spLocks noGrp="1"/>
+          </p:cNvSpPr>
           <p:nvPr>
             <p:ph type="ctrTitle"/>
           </p:nvPr>
@@ -1687,7 +1736,7 @@
           </a:prstGeom>
         </p:spPr>
         <p:txBody>
-          <a:bodyPr anchorCtr="0" anchor="t" bIns="91425" lIns="91425" spcFirstLastPara="1" rIns="91425" wrap="square" tIns="91425">
+          <a:bodyPr spcFirstLastPara="1" wrap="square" lIns="91425" tIns="91425" rIns="91425" bIns="91425" anchor="t" anchorCtr="0">
             <a:noAutofit/>
           </a:bodyPr>
           <a:lstStyle>
@@ -1854,15 +1903,19 @@
               </a:defRPr>
             </a:lvl9pPr>
           </a:lstStyle>
-          <a:p/>
+          <a:p>
+            <a:endParaRPr/>
+          </a:p>
         </p:txBody>
       </p:sp>
       <p:sp>
         <p:nvSpPr>
           <p:cNvPr id="15" name="Google Shape;15;p2"/>
-          <p:cNvSpPr txBox="1"/>
+          <p:cNvSpPr txBox="1">
+            <a:spLocks noGrp="1"/>
+          </p:cNvSpPr>
           <p:nvPr>
-            <p:ph idx="1" type="subTitle"/>
+            <p:ph type="subTitle" idx="1"/>
           </p:nvPr>
         </p:nvSpPr>
         <p:spPr>
@@ -1875,7 +1928,7 @@
           </a:prstGeom>
         </p:spPr>
         <p:txBody>
-          <a:bodyPr anchorCtr="0" anchor="t" bIns="91425" lIns="91425" spcFirstLastPara="1" rIns="91425" wrap="square" tIns="91425">
+          <a:bodyPr spcFirstLastPara="1" wrap="square" lIns="91425" tIns="91425" rIns="91425" bIns="91425" anchor="t" anchorCtr="0">
             <a:noAutofit/>
           </a:bodyPr>
           <a:lstStyle>
@@ -2006,15 +2059,19 @@
               <a:defRPr sz="1600"/>
             </a:lvl9pPr>
           </a:lstStyle>
-          <a:p/>
+          <a:p>
+            <a:endParaRPr/>
+          </a:p>
         </p:txBody>
       </p:sp>
       <p:sp>
         <p:nvSpPr>
           <p:cNvPr id="16" name="Google Shape;16;p2"/>
-          <p:cNvSpPr txBox="1"/>
+          <p:cNvSpPr txBox="1">
+            <a:spLocks noGrp="1"/>
+          </p:cNvSpPr>
           <p:nvPr>
-            <p:ph idx="12" type="sldNum"/>
+            <p:ph type="sldNum" idx="12"/>
           </p:nvPr>
         </p:nvSpPr>
         <p:spPr>
@@ -2027,7 +2084,7 @@
           </a:prstGeom>
         </p:spPr>
         <p:txBody>
-          <a:bodyPr anchorCtr="0" anchor="ctr" bIns="91425" lIns="91425" spcFirstLastPara="1" rIns="91425" wrap="square" tIns="91425">
+          <a:bodyPr spcFirstLastPara="1" wrap="square" lIns="91425" tIns="91425" rIns="91425" bIns="91425" anchor="ctr" anchorCtr="0">
             <a:noAutofit/>
           </a:bodyPr>
           <a:lstStyle>
@@ -2069,7 +2126,7 @@
             </a:lvl9pPr>
           </a:lstStyle>
           <a:p>
-            <a:pPr indent="0" lvl="0" marL="0" rtl="0" algn="r">
+            <a:pPr marL="0" lvl="0" indent="0" algn="r" rtl="0">
               <a:spcBef>
                 <a:spcPts val="0"/>
               </a:spcBef>
@@ -2095,18 +2152,19 @@
 </file>
 
 <file path=ppt/slideLayouts/slideLayout10.xml><?xml version="1.0" encoding="utf-8"?>
-<p:sldLayout xmlns:a="http://schemas.openxmlformats.org/drawingml/2006/main" xmlns:r="http://schemas.openxmlformats.org/officeDocument/2006/relationships" xmlns:mc="http://schemas.openxmlformats.org/markup-compatibility/2006" xmlns:mv="urn:schemas-microsoft-com:mac:vml" xmlns:p="http://schemas.openxmlformats.org/presentationml/2006/main" xmlns:c="http://schemas.openxmlformats.org/drawingml/2006/chart" xmlns:dgm="http://schemas.openxmlformats.org/drawingml/2006/diagram" xmlns:o="urn:schemas-microsoft-com:office:office" xmlns:v="urn:schemas-microsoft-com:vml" xmlns:pvml="urn:schemas-microsoft-com:office:powerpoint" xmlns:com="http://schemas.openxmlformats.org/drawingml/2006/compatibility" xmlns:p14="http://schemas.microsoft.com/office/powerpoint/2010/main" xmlns:p15="http://schemas.microsoft.com/office/powerpoint/2012/main" matchingName="Big number">
+<p:sldLayout xmlns:a="http://schemas.openxmlformats.org/drawingml/2006/main" xmlns:r="http://schemas.openxmlformats.org/officeDocument/2006/relationships" xmlns:p="http://schemas.openxmlformats.org/presentationml/2006/main" matchingName="Big number">
   <p:cSld name="BIG_NUMBER">
     <p:bg>
       <p:bgPr>
         <a:solidFill>
           <a:schemeClr val="dk1"/>
         </a:solidFill>
+        <a:effectLst/>
       </p:bgPr>
     </p:bg>
     <p:spTree>
       <p:nvGrpSpPr>
-        <p:cNvPr id="73" name="Shape 73"/>
+        <p:cNvPr id="1" name="Shape 73"/>
         <p:cNvGrpSpPr/>
         <p:nvPr/>
       </p:nvGrpSpPr>
@@ -2154,12 +2212,12 @@
             </a:ln>
           </p:spPr>
           <p:txBody>
-            <a:bodyPr anchorCtr="0" anchor="ctr" bIns="91425" lIns="91425" spcFirstLastPara="1" rIns="91425" wrap="square" tIns="91425">
+            <a:bodyPr spcFirstLastPara="1" wrap="square" lIns="91425" tIns="91425" rIns="91425" bIns="91425" anchor="ctr" anchorCtr="0">
               <a:noAutofit/>
             </a:bodyPr>
             <a:lstStyle/>
             <a:p>
-              <a:pPr indent="0" lvl="0" marL="0" rtl="0" algn="l">
+              <a:pPr marL="0" lvl="0" indent="0" algn="l" rtl="0">
                 <a:spcBef>
                   <a:spcPts val="0"/>
                 </a:spcBef>
@@ -2168,9 +2226,6 @@
                 </a:spcAft>
                 <a:buNone/>
               </a:pPr>
-              <a:r>
-                <a:t/>
-              </a:r>
               <a:endParaRPr/>
             </a:p>
           </p:txBody>
@@ -2197,12 +2252,12 @@
             </a:ln>
           </p:spPr>
           <p:txBody>
-            <a:bodyPr anchorCtr="0" anchor="ctr" bIns="91425" lIns="91425" spcFirstLastPara="1" rIns="91425" wrap="square" tIns="91425">
+            <a:bodyPr spcFirstLastPara="1" wrap="square" lIns="91425" tIns="91425" rIns="91425" bIns="91425" anchor="ctr" anchorCtr="0">
               <a:noAutofit/>
             </a:bodyPr>
             <a:lstStyle/>
             <a:p>
-              <a:pPr indent="0" lvl="0" marL="0" rtl="0" algn="l">
+              <a:pPr marL="0" lvl="0" indent="0" algn="l" rtl="0">
                 <a:spcBef>
                   <a:spcPts val="0"/>
                 </a:spcBef>
@@ -2211,9 +2266,6 @@
                 </a:spcAft>
                 <a:buNone/>
               </a:pPr>
-              <a:r>
-                <a:t/>
-              </a:r>
               <a:endParaRPr/>
             </a:p>
           </p:txBody>
@@ -2222,9 +2274,11 @@
       <p:sp>
         <p:nvSpPr>
           <p:cNvPr id="77" name="Google Shape;77;p11"/>
-          <p:cNvSpPr txBox="1"/>
+          <p:cNvSpPr txBox="1">
+            <a:spLocks noGrp="1"/>
+          </p:cNvSpPr>
           <p:nvPr>
-            <p:ph hasCustomPrompt="1" type="title"/>
+            <p:ph type="title" hasCustomPrompt="1"/>
           </p:nvPr>
         </p:nvSpPr>
         <p:spPr>
@@ -2237,7 +2291,7 @@
           </a:prstGeom>
         </p:spPr>
         <p:txBody>
-          <a:bodyPr anchorCtr="0" anchor="t" bIns="91425" lIns="91425" spcFirstLastPara="1" rIns="91425" wrap="square" tIns="91425">
+          <a:bodyPr spcFirstLastPara="1" wrap="square" lIns="91425" tIns="91425" rIns="91425" bIns="91425" anchor="t" anchorCtr="0">
             <a:noAutofit/>
           </a:bodyPr>
           <a:lstStyle>
@@ -2414,9 +2468,11 @@
       <p:sp>
         <p:nvSpPr>
           <p:cNvPr id="78" name="Google Shape;78;p11"/>
-          <p:cNvSpPr txBox="1"/>
+          <p:cNvSpPr txBox="1">
+            <a:spLocks noGrp="1"/>
+          </p:cNvSpPr>
           <p:nvPr>
-            <p:ph idx="1" type="body"/>
+            <p:ph type="body" idx="1"/>
           </p:nvPr>
         </p:nvSpPr>
         <p:spPr>
@@ -2429,11 +2485,11 @@
           </a:prstGeom>
         </p:spPr>
         <p:txBody>
-          <a:bodyPr anchorCtr="0" anchor="t" bIns="91425" lIns="91425" spcFirstLastPara="1" rIns="91425" wrap="square" tIns="91425">
+          <a:bodyPr spcFirstLastPara="1" wrap="square" lIns="91425" tIns="91425" rIns="91425" bIns="91425" anchor="t" anchorCtr="0">
             <a:noAutofit/>
           </a:bodyPr>
           <a:lstStyle>
-            <a:lvl1pPr indent="-311150" lvl="0" marL="457200">
+            <a:lvl1pPr marL="457200" lvl="0" indent="-311150">
               <a:spcBef>
                 <a:spcPts val="0"/>
               </a:spcBef>
@@ -2451,7 +2507,7 @@
                 </a:solidFill>
               </a:defRPr>
             </a:lvl1pPr>
-            <a:lvl2pPr indent="-298450" lvl="1" marL="914400">
+            <a:lvl2pPr marL="914400" lvl="1" indent="-298450">
               <a:spcBef>
                 <a:spcPts val="1600"/>
               </a:spcBef>
@@ -2469,7 +2525,7 @@
                 </a:solidFill>
               </a:defRPr>
             </a:lvl2pPr>
-            <a:lvl3pPr indent="-298450" lvl="2" marL="1371600">
+            <a:lvl3pPr marL="1371600" lvl="2" indent="-298450">
               <a:spcBef>
                 <a:spcPts val="1600"/>
               </a:spcBef>
@@ -2487,7 +2543,7 @@
                 </a:solidFill>
               </a:defRPr>
             </a:lvl3pPr>
-            <a:lvl4pPr indent="-298450" lvl="3" marL="1828800">
+            <a:lvl4pPr marL="1828800" lvl="3" indent="-298450">
               <a:spcBef>
                 <a:spcPts val="1600"/>
               </a:spcBef>
@@ -2505,7 +2561,7 @@
                 </a:solidFill>
               </a:defRPr>
             </a:lvl4pPr>
-            <a:lvl5pPr indent="-298450" lvl="4" marL="2286000">
+            <a:lvl5pPr marL="2286000" lvl="4" indent="-298450">
               <a:spcBef>
                 <a:spcPts val="1600"/>
               </a:spcBef>
@@ -2523,7 +2579,7 @@
                 </a:solidFill>
               </a:defRPr>
             </a:lvl5pPr>
-            <a:lvl6pPr indent="-298450" lvl="5" marL="2743200">
+            <a:lvl6pPr marL="2743200" lvl="5" indent="-298450">
               <a:spcBef>
                 <a:spcPts val="1600"/>
               </a:spcBef>
@@ -2541,7 +2597,7 @@
                 </a:solidFill>
               </a:defRPr>
             </a:lvl6pPr>
-            <a:lvl7pPr indent="-298450" lvl="6" marL="3200400">
+            <a:lvl7pPr marL="3200400" lvl="6" indent="-298450">
               <a:spcBef>
                 <a:spcPts val="1600"/>
               </a:spcBef>
@@ -2559,7 +2615,7 @@
                 </a:solidFill>
               </a:defRPr>
             </a:lvl7pPr>
-            <a:lvl8pPr indent="-298450" lvl="7" marL="3657600">
+            <a:lvl8pPr marL="3657600" lvl="7" indent="-298450">
               <a:spcBef>
                 <a:spcPts val="1600"/>
               </a:spcBef>
@@ -2577,7 +2633,7 @@
                 </a:solidFill>
               </a:defRPr>
             </a:lvl8pPr>
-            <a:lvl9pPr indent="-298450" lvl="8" marL="4114800">
+            <a:lvl9pPr marL="4114800" lvl="8" indent="-298450">
               <a:spcBef>
                 <a:spcPts val="1600"/>
               </a:spcBef>
@@ -2596,15 +2652,19 @@
               </a:defRPr>
             </a:lvl9pPr>
           </a:lstStyle>
-          <a:p/>
+          <a:p>
+            <a:endParaRPr/>
+          </a:p>
         </p:txBody>
       </p:sp>
       <p:sp>
         <p:nvSpPr>
           <p:cNvPr id="79" name="Google Shape;79;p11"/>
-          <p:cNvSpPr txBox="1"/>
+          <p:cNvSpPr txBox="1">
+            <a:spLocks noGrp="1"/>
+          </p:cNvSpPr>
           <p:nvPr>
-            <p:ph idx="12" type="sldNum"/>
+            <p:ph type="sldNum" idx="12"/>
           </p:nvPr>
         </p:nvSpPr>
         <p:spPr>
@@ -2617,7 +2677,7 @@
           </a:prstGeom>
         </p:spPr>
         <p:txBody>
-          <a:bodyPr anchorCtr="0" anchor="ctr" bIns="91425" lIns="91425" spcFirstLastPara="1" rIns="91425" wrap="square" tIns="91425">
+          <a:bodyPr spcFirstLastPara="1" wrap="square" lIns="91425" tIns="91425" rIns="91425" bIns="91425" anchor="ctr" anchorCtr="0">
             <a:noAutofit/>
           </a:bodyPr>
           <a:lstStyle>
@@ -2695,7 +2755,7 @@
             </a:lvl9pPr>
           </a:lstStyle>
           <a:p>
-            <a:pPr indent="0" lvl="0" marL="0" rtl="0" algn="r">
+            <a:pPr marL="0" lvl="0" indent="0" algn="r" rtl="0">
               <a:spcBef>
                 <a:spcPts val="0"/>
               </a:spcBef>
@@ -2721,11 +2781,11 @@
 </file>
 
 <file path=ppt/slideLayouts/slideLayout11.xml><?xml version="1.0" encoding="utf-8"?>
-<p:sldLayout xmlns:a="http://schemas.openxmlformats.org/drawingml/2006/main" xmlns:r="http://schemas.openxmlformats.org/officeDocument/2006/relationships" xmlns:mc="http://schemas.openxmlformats.org/markup-compatibility/2006" xmlns:mv="urn:schemas-microsoft-com:mac:vml" xmlns:p="http://schemas.openxmlformats.org/presentationml/2006/main" xmlns:c="http://schemas.openxmlformats.org/drawingml/2006/chart" xmlns:dgm="http://schemas.openxmlformats.org/drawingml/2006/diagram" xmlns:o="urn:schemas-microsoft-com:office:office" xmlns:v="urn:schemas-microsoft-com:vml" xmlns:pvml="urn:schemas-microsoft-com:office:powerpoint" xmlns:com="http://schemas.openxmlformats.org/drawingml/2006/compatibility" xmlns:p14="http://schemas.microsoft.com/office/powerpoint/2010/main" xmlns:p15="http://schemas.microsoft.com/office/powerpoint/2012/main" matchingName="Blank" type="blank">
+<p:sldLayout xmlns:a="http://schemas.openxmlformats.org/drawingml/2006/main" xmlns:r="http://schemas.openxmlformats.org/officeDocument/2006/relationships" xmlns:p="http://schemas.openxmlformats.org/presentationml/2006/main" matchingName="Blank" type="blank">
   <p:cSld name="BLANK">
     <p:spTree>
       <p:nvGrpSpPr>
-        <p:cNvPr id="80" name="Shape 80"/>
+        <p:cNvPr id="1" name="Shape 80"/>
         <p:cNvGrpSpPr/>
         <p:nvPr/>
       </p:nvGrpSpPr>
@@ -2740,9 +2800,11 @@
       <p:sp>
         <p:nvSpPr>
           <p:cNvPr id="81" name="Google Shape;81;p12"/>
-          <p:cNvSpPr txBox="1"/>
+          <p:cNvSpPr txBox="1">
+            <a:spLocks noGrp="1"/>
+          </p:cNvSpPr>
           <p:nvPr>
-            <p:ph idx="12" type="sldNum"/>
+            <p:ph type="sldNum" idx="12"/>
           </p:nvPr>
         </p:nvSpPr>
         <p:spPr>
@@ -2755,7 +2817,7 @@
           </a:prstGeom>
         </p:spPr>
         <p:txBody>
-          <a:bodyPr anchorCtr="0" anchor="ctr" bIns="91425" lIns="91425" spcFirstLastPara="1" rIns="91425" wrap="square" tIns="91425">
+          <a:bodyPr spcFirstLastPara="1" wrap="square" lIns="91425" tIns="91425" rIns="91425" bIns="91425" anchor="ctr" anchorCtr="0">
             <a:noAutofit/>
           </a:bodyPr>
           <a:lstStyle>
@@ -2797,7 +2859,7 @@
             </a:lvl9pPr>
           </a:lstStyle>
           <a:p>
-            <a:pPr indent="0" lvl="0" marL="0" rtl="0" algn="r">
+            <a:pPr marL="0" lvl="0" indent="0" algn="r" rtl="0">
               <a:spcBef>
                 <a:spcPts val="0"/>
               </a:spcBef>
@@ -2823,18 +2885,19 @@
 </file>
 
 <file path=ppt/slideLayouts/slideLayout2.xml><?xml version="1.0" encoding="utf-8"?>
-<p:sldLayout xmlns:a="http://schemas.openxmlformats.org/drawingml/2006/main" xmlns:r="http://schemas.openxmlformats.org/officeDocument/2006/relationships" xmlns:mc="http://schemas.openxmlformats.org/markup-compatibility/2006" xmlns:mv="urn:schemas-microsoft-com:mac:vml" xmlns:p="http://schemas.openxmlformats.org/presentationml/2006/main" xmlns:c="http://schemas.openxmlformats.org/drawingml/2006/chart" xmlns:dgm="http://schemas.openxmlformats.org/drawingml/2006/diagram" xmlns:o="urn:schemas-microsoft-com:office:office" xmlns:v="urn:schemas-microsoft-com:vml" xmlns:pvml="urn:schemas-microsoft-com:office:powerpoint" xmlns:com="http://schemas.openxmlformats.org/drawingml/2006/compatibility" xmlns:p14="http://schemas.microsoft.com/office/powerpoint/2010/main" xmlns:p15="http://schemas.microsoft.com/office/powerpoint/2012/main" matchingName="Section header" type="secHead">
+<p:sldLayout xmlns:a="http://schemas.openxmlformats.org/drawingml/2006/main" xmlns:r="http://schemas.openxmlformats.org/officeDocument/2006/relationships" xmlns:p="http://schemas.openxmlformats.org/presentationml/2006/main" matchingName="Section header" type="secHead">
   <p:cSld name="SECTION_HEADER">
     <p:bg>
       <p:bgPr>
         <a:solidFill>
           <a:schemeClr val="dk1"/>
         </a:solidFill>
+        <a:effectLst/>
       </p:bgPr>
     </p:bg>
     <p:spTree>
       <p:nvGrpSpPr>
-        <p:cNvPr id="17" name="Shape 17"/>
+        <p:cNvPr id="1" name="Shape 17"/>
         <p:cNvGrpSpPr/>
         <p:nvPr/>
       </p:nvGrpSpPr>
@@ -2882,12 +2945,12 @@
             </a:ln>
           </p:spPr>
           <p:txBody>
-            <a:bodyPr anchorCtr="0" anchor="ctr" bIns="91425" lIns="91425" spcFirstLastPara="1" rIns="91425" wrap="square" tIns="91425">
+            <a:bodyPr spcFirstLastPara="1" wrap="square" lIns="91425" tIns="91425" rIns="91425" bIns="91425" anchor="ctr" anchorCtr="0">
               <a:noAutofit/>
             </a:bodyPr>
             <a:lstStyle/>
             <a:p>
-              <a:pPr indent="0" lvl="0" marL="0" rtl="0" algn="l">
+              <a:pPr marL="0" lvl="0" indent="0" algn="l" rtl="0">
                 <a:spcBef>
                   <a:spcPts val="0"/>
                 </a:spcBef>
@@ -2896,9 +2959,6 @@
                 </a:spcAft>
                 <a:buNone/>
               </a:pPr>
-              <a:r>
-                <a:t/>
-              </a:r>
               <a:endParaRPr/>
             </a:p>
           </p:txBody>
@@ -2925,12 +2985,12 @@
             </a:ln>
           </p:spPr>
           <p:txBody>
-            <a:bodyPr anchorCtr="0" anchor="ctr" bIns="91425" lIns="91425" spcFirstLastPara="1" rIns="91425" wrap="square" tIns="91425">
+            <a:bodyPr spcFirstLastPara="1" wrap="square" lIns="91425" tIns="91425" rIns="91425" bIns="91425" anchor="ctr" anchorCtr="0">
               <a:noAutofit/>
             </a:bodyPr>
             <a:lstStyle/>
             <a:p>
-              <a:pPr indent="0" lvl="0" marL="0" rtl="0" algn="l">
+              <a:pPr marL="0" lvl="0" indent="0" algn="l" rtl="0">
                 <a:spcBef>
                   <a:spcPts val="0"/>
                 </a:spcBef>
@@ -2939,9 +2999,6 @@
                 </a:spcAft>
                 <a:buNone/>
               </a:pPr>
-              <a:r>
-                <a:t/>
-              </a:r>
               <a:endParaRPr/>
             </a:p>
           </p:txBody>
@@ -2950,7 +3007,9 @@
       <p:sp>
         <p:nvSpPr>
           <p:cNvPr id="21" name="Google Shape;21;p3"/>
-          <p:cNvSpPr txBox="1"/>
+          <p:cNvSpPr txBox="1">
+            <a:spLocks noGrp="1"/>
+          </p:cNvSpPr>
           <p:nvPr>
             <p:ph type="title"/>
           </p:nvPr>
@@ -2965,7 +3024,7 @@
           </a:prstGeom>
         </p:spPr>
         <p:txBody>
-          <a:bodyPr anchorCtr="0" anchor="t" bIns="91425" lIns="91425" spcFirstLastPara="1" rIns="91425" wrap="square" tIns="91425">
+          <a:bodyPr spcFirstLastPara="1" wrap="square" lIns="91425" tIns="91425" rIns="91425" bIns="91425" anchor="t" anchorCtr="0">
             <a:noAutofit/>
           </a:bodyPr>
           <a:lstStyle>
@@ -3132,15 +3191,19 @@
               </a:defRPr>
             </a:lvl9pPr>
           </a:lstStyle>
-          <a:p/>
+          <a:p>
+            <a:endParaRPr/>
+          </a:p>
         </p:txBody>
       </p:sp>
       <p:sp>
         <p:nvSpPr>
           <p:cNvPr id="22" name="Google Shape;22;p3"/>
-          <p:cNvSpPr txBox="1"/>
+          <p:cNvSpPr txBox="1">
+            <a:spLocks noGrp="1"/>
+          </p:cNvSpPr>
           <p:nvPr>
-            <p:ph idx="12" type="sldNum"/>
+            <p:ph type="sldNum" idx="12"/>
           </p:nvPr>
         </p:nvSpPr>
         <p:spPr>
@@ -3153,7 +3216,7 @@
           </a:prstGeom>
         </p:spPr>
         <p:txBody>
-          <a:bodyPr anchorCtr="0" anchor="ctr" bIns="91425" lIns="91425" spcFirstLastPara="1" rIns="91425" wrap="square" tIns="91425">
+          <a:bodyPr spcFirstLastPara="1" wrap="square" lIns="91425" tIns="91425" rIns="91425" bIns="91425" anchor="ctr" anchorCtr="0">
             <a:noAutofit/>
           </a:bodyPr>
           <a:lstStyle>
@@ -3231,7 +3294,7 @@
             </a:lvl9pPr>
           </a:lstStyle>
           <a:p>
-            <a:pPr indent="0" lvl="0" marL="0" rtl="0" algn="r">
+            <a:pPr marL="0" lvl="0" indent="0" algn="r" rtl="0">
               <a:spcBef>
                 <a:spcPts val="0"/>
               </a:spcBef>
@@ -3257,11 +3320,11 @@
 </file>
 
 <file path=ppt/slideLayouts/slideLayout3.xml><?xml version="1.0" encoding="utf-8"?>
-<p:sldLayout xmlns:a="http://schemas.openxmlformats.org/drawingml/2006/main" xmlns:r="http://schemas.openxmlformats.org/officeDocument/2006/relationships" xmlns:mc="http://schemas.openxmlformats.org/markup-compatibility/2006" xmlns:mv="urn:schemas-microsoft-com:mac:vml" xmlns:p="http://schemas.openxmlformats.org/presentationml/2006/main" xmlns:c="http://schemas.openxmlformats.org/drawingml/2006/chart" xmlns:dgm="http://schemas.openxmlformats.org/drawingml/2006/diagram" xmlns:o="urn:schemas-microsoft-com:office:office" xmlns:v="urn:schemas-microsoft-com:vml" xmlns:pvml="urn:schemas-microsoft-com:office:powerpoint" xmlns:com="http://schemas.openxmlformats.org/drawingml/2006/compatibility" xmlns:p14="http://schemas.microsoft.com/office/powerpoint/2010/main" xmlns:p15="http://schemas.microsoft.com/office/powerpoint/2012/main" matchingName="Title and body" type="tx">
+<p:sldLayout xmlns:a="http://schemas.openxmlformats.org/drawingml/2006/main" xmlns:r="http://schemas.openxmlformats.org/officeDocument/2006/relationships" xmlns:p="http://schemas.openxmlformats.org/presentationml/2006/main" matchingName="Title and body" type="tx">
   <p:cSld name="TITLE_AND_BODY">
     <p:spTree>
       <p:nvGrpSpPr>
-        <p:cNvPr id="23" name="Shape 23"/>
+        <p:cNvPr id="1" name="Shape 23"/>
         <p:cNvGrpSpPr/>
         <p:nvPr/>
       </p:nvGrpSpPr>
@@ -3295,12 +3358,12 @@
           </a:ln>
         </p:spPr>
         <p:txBody>
-          <a:bodyPr anchorCtr="0" anchor="ctr" bIns="91425" lIns="91425" spcFirstLastPara="1" rIns="91425" wrap="square" tIns="91425">
+          <a:bodyPr spcFirstLastPara="1" wrap="square" lIns="91425" tIns="91425" rIns="91425" bIns="91425" anchor="ctr" anchorCtr="0">
             <a:noAutofit/>
           </a:bodyPr>
           <a:lstStyle/>
           <a:p>
-            <a:pPr indent="0" lvl="0" marL="0" rtl="0" algn="l">
+            <a:pPr marL="0" lvl="0" indent="0" algn="l" rtl="0">
               <a:spcBef>
                 <a:spcPts val="0"/>
               </a:spcBef>
@@ -3309,9 +3372,6 @@
               </a:spcAft>
               <a:buNone/>
             </a:pPr>
-            <a:r>
-              <a:t/>
-            </a:r>
             <a:endParaRPr/>
           </a:p>
         </p:txBody>
@@ -3352,12 +3412,12 @@
             </a:ln>
           </p:spPr>
           <p:txBody>
-            <a:bodyPr anchorCtr="0" anchor="ctr" bIns="91425" lIns="91425" spcFirstLastPara="1" rIns="91425" wrap="square" tIns="91425">
+            <a:bodyPr spcFirstLastPara="1" wrap="square" lIns="91425" tIns="91425" rIns="91425" bIns="91425" anchor="ctr" anchorCtr="0">
               <a:noAutofit/>
             </a:bodyPr>
             <a:lstStyle/>
             <a:p>
-              <a:pPr indent="0" lvl="0" marL="0" rtl="0" algn="l">
+              <a:pPr marL="0" lvl="0" indent="0" algn="l" rtl="0">
                 <a:spcBef>
                   <a:spcPts val="0"/>
                 </a:spcBef>
@@ -3366,9 +3426,6 @@
                 </a:spcAft>
                 <a:buNone/>
               </a:pPr>
-              <a:r>
-                <a:t/>
-              </a:r>
               <a:endParaRPr/>
             </a:p>
           </p:txBody>
@@ -3395,12 +3452,12 @@
             </a:ln>
           </p:spPr>
           <p:txBody>
-            <a:bodyPr anchorCtr="0" anchor="ctr" bIns="91425" lIns="91425" spcFirstLastPara="1" rIns="91425" wrap="square" tIns="91425">
+            <a:bodyPr spcFirstLastPara="1" wrap="square" lIns="91425" tIns="91425" rIns="91425" bIns="91425" anchor="ctr" anchorCtr="0">
               <a:noAutofit/>
             </a:bodyPr>
             <a:lstStyle/>
             <a:p>
-              <a:pPr indent="0" lvl="0" marL="0" rtl="0" algn="l">
+              <a:pPr marL="0" lvl="0" indent="0" algn="l" rtl="0">
                 <a:spcBef>
                   <a:spcPts val="0"/>
                 </a:spcBef>
@@ -3409,9 +3466,6 @@
                 </a:spcAft>
                 <a:buNone/>
               </a:pPr>
-              <a:r>
-                <a:t/>
-              </a:r>
               <a:endParaRPr/>
             </a:p>
           </p:txBody>
@@ -3420,7 +3474,9 @@
       <p:sp>
         <p:nvSpPr>
           <p:cNvPr id="28" name="Google Shape;28;p4"/>
-          <p:cNvSpPr txBox="1"/>
+          <p:cNvSpPr txBox="1">
+            <a:spLocks noGrp="1"/>
+          </p:cNvSpPr>
           <p:nvPr>
             <p:ph type="title"/>
           </p:nvPr>
@@ -3435,7 +3491,7 @@
           </a:prstGeom>
         </p:spPr>
         <p:txBody>
-          <a:bodyPr anchorCtr="0" anchor="t" bIns="91425" lIns="91425" spcFirstLastPara="1" rIns="91425" wrap="square" tIns="91425">
+          <a:bodyPr spcFirstLastPara="1" wrap="square" lIns="91425" tIns="91425" rIns="91425" bIns="91425" anchor="t" anchorCtr="0">
             <a:noAutofit/>
           </a:bodyPr>
           <a:lstStyle>
@@ -3602,15 +3658,19 @@
               </a:defRPr>
             </a:lvl9pPr>
           </a:lstStyle>
-          <a:p/>
+          <a:p>
+            <a:endParaRPr/>
+          </a:p>
         </p:txBody>
       </p:sp>
       <p:sp>
         <p:nvSpPr>
           <p:cNvPr id="29" name="Google Shape;29;p4"/>
-          <p:cNvSpPr txBox="1"/>
+          <p:cNvSpPr txBox="1">
+            <a:spLocks noGrp="1"/>
+          </p:cNvSpPr>
           <p:nvPr>
-            <p:ph idx="1" type="body"/>
+            <p:ph type="body" idx="1"/>
           </p:nvPr>
         </p:nvSpPr>
         <p:spPr>
@@ -3623,11 +3683,11 @@
           </a:prstGeom>
         </p:spPr>
         <p:txBody>
-          <a:bodyPr anchorCtr="0" anchor="t" bIns="91425" lIns="91425" spcFirstLastPara="1" rIns="91425" wrap="square" tIns="91425">
+          <a:bodyPr spcFirstLastPara="1" wrap="square" lIns="91425" tIns="91425" rIns="91425" bIns="91425" anchor="t" anchorCtr="0">
             <a:noAutofit/>
           </a:bodyPr>
           <a:lstStyle>
-            <a:lvl1pPr indent="-311150" lvl="0" marL="457200">
+            <a:lvl1pPr marL="457200" lvl="0" indent="-311150">
               <a:spcBef>
                 <a:spcPts val="0"/>
               </a:spcBef>
@@ -3638,7 +3698,7 @@
               <a:buChar char="●"/>
               <a:defRPr/>
             </a:lvl1pPr>
-            <a:lvl2pPr indent="-298450" lvl="1" marL="914400">
+            <a:lvl2pPr marL="914400" lvl="1" indent="-298450">
               <a:spcBef>
                 <a:spcPts val="1600"/>
               </a:spcBef>
@@ -3649,7 +3709,7 @@
               <a:buChar char="○"/>
               <a:defRPr/>
             </a:lvl2pPr>
-            <a:lvl3pPr indent="-298450" lvl="2" marL="1371600">
+            <a:lvl3pPr marL="1371600" lvl="2" indent="-298450">
               <a:spcBef>
                 <a:spcPts val="1600"/>
               </a:spcBef>
@@ -3660,7 +3720,7 @@
               <a:buChar char="■"/>
               <a:defRPr/>
             </a:lvl3pPr>
-            <a:lvl4pPr indent="-298450" lvl="3" marL="1828800">
+            <a:lvl4pPr marL="1828800" lvl="3" indent="-298450">
               <a:spcBef>
                 <a:spcPts val="1600"/>
               </a:spcBef>
@@ -3671,7 +3731,7 @@
               <a:buChar char="●"/>
               <a:defRPr/>
             </a:lvl4pPr>
-            <a:lvl5pPr indent="-298450" lvl="4" marL="2286000">
+            <a:lvl5pPr marL="2286000" lvl="4" indent="-298450">
               <a:spcBef>
                 <a:spcPts val="1600"/>
               </a:spcBef>
@@ -3682,7 +3742,7 @@
               <a:buChar char="○"/>
               <a:defRPr/>
             </a:lvl5pPr>
-            <a:lvl6pPr indent="-298450" lvl="5" marL="2743200">
+            <a:lvl6pPr marL="2743200" lvl="5" indent="-298450">
               <a:spcBef>
                 <a:spcPts val="1600"/>
               </a:spcBef>
@@ -3693,7 +3753,7 @@
               <a:buChar char="■"/>
               <a:defRPr/>
             </a:lvl6pPr>
-            <a:lvl7pPr indent="-298450" lvl="6" marL="3200400">
+            <a:lvl7pPr marL="3200400" lvl="6" indent="-298450">
               <a:spcBef>
                 <a:spcPts val="1600"/>
               </a:spcBef>
@@ -3704,7 +3764,7 @@
               <a:buChar char="●"/>
               <a:defRPr/>
             </a:lvl7pPr>
-            <a:lvl8pPr indent="-298450" lvl="7" marL="3657600">
+            <a:lvl8pPr marL="3657600" lvl="7" indent="-298450">
               <a:spcBef>
                 <a:spcPts val="1600"/>
               </a:spcBef>
@@ -3715,7 +3775,7 @@
               <a:buChar char="○"/>
               <a:defRPr/>
             </a:lvl8pPr>
-            <a:lvl9pPr indent="-298450" lvl="8" marL="4114800">
+            <a:lvl9pPr marL="4114800" lvl="8" indent="-298450">
               <a:spcBef>
                 <a:spcPts val="1600"/>
               </a:spcBef>
@@ -3727,15 +3787,19 @@
               <a:defRPr/>
             </a:lvl9pPr>
           </a:lstStyle>
-          <a:p/>
+          <a:p>
+            <a:endParaRPr/>
+          </a:p>
         </p:txBody>
       </p:sp>
       <p:sp>
         <p:nvSpPr>
           <p:cNvPr id="30" name="Google Shape;30;p4"/>
-          <p:cNvSpPr txBox="1"/>
+          <p:cNvSpPr txBox="1">
+            <a:spLocks noGrp="1"/>
+          </p:cNvSpPr>
           <p:nvPr>
-            <p:ph idx="12" type="sldNum"/>
+            <p:ph type="sldNum" idx="12"/>
           </p:nvPr>
         </p:nvSpPr>
         <p:spPr>
@@ -3748,7 +3812,7 @@
           </a:prstGeom>
         </p:spPr>
         <p:txBody>
-          <a:bodyPr anchorCtr="0" anchor="ctr" bIns="91425" lIns="91425" spcFirstLastPara="1" rIns="91425" wrap="square" tIns="91425">
+          <a:bodyPr spcFirstLastPara="1" wrap="square" lIns="91425" tIns="91425" rIns="91425" bIns="91425" anchor="ctr" anchorCtr="0">
             <a:noAutofit/>
           </a:bodyPr>
           <a:lstStyle>
@@ -3790,7 +3854,7 @@
             </a:lvl9pPr>
           </a:lstStyle>
           <a:p>
-            <a:pPr indent="0" lvl="0" marL="0" rtl="0" algn="r">
+            <a:pPr marL="0" lvl="0" indent="0" algn="r" rtl="0">
               <a:spcBef>
                 <a:spcPts val="0"/>
               </a:spcBef>
@@ -3816,11 +3880,11 @@
 </file>
 
 <file path=ppt/slideLayouts/slideLayout4.xml><?xml version="1.0" encoding="utf-8"?>
-<p:sldLayout xmlns:a="http://schemas.openxmlformats.org/drawingml/2006/main" xmlns:r="http://schemas.openxmlformats.org/officeDocument/2006/relationships" xmlns:mc="http://schemas.openxmlformats.org/markup-compatibility/2006" xmlns:mv="urn:schemas-microsoft-com:mac:vml" xmlns:p="http://schemas.openxmlformats.org/presentationml/2006/main" xmlns:c="http://schemas.openxmlformats.org/drawingml/2006/chart" xmlns:dgm="http://schemas.openxmlformats.org/drawingml/2006/diagram" xmlns:o="urn:schemas-microsoft-com:office:office" xmlns:v="urn:schemas-microsoft-com:vml" xmlns:pvml="urn:schemas-microsoft-com:office:powerpoint" xmlns:com="http://schemas.openxmlformats.org/drawingml/2006/compatibility" xmlns:p14="http://schemas.microsoft.com/office/powerpoint/2010/main" xmlns:p15="http://schemas.microsoft.com/office/powerpoint/2012/main" matchingName="Title and two columns" type="twoColTx">
+<p:sldLayout xmlns:a="http://schemas.openxmlformats.org/drawingml/2006/main" xmlns:r="http://schemas.openxmlformats.org/officeDocument/2006/relationships" xmlns:p="http://schemas.openxmlformats.org/presentationml/2006/main" matchingName="Title and two columns" type="twoColTx">
   <p:cSld name="TITLE_AND_TWO_COLUMNS">
     <p:spTree>
       <p:nvGrpSpPr>
-        <p:cNvPr id="31" name="Shape 31"/>
+        <p:cNvPr id="1" name="Shape 31"/>
         <p:cNvGrpSpPr/>
         <p:nvPr/>
       </p:nvGrpSpPr>
@@ -3854,12 +3918,12 @@
           </a:ln>
         </p:spPr>
         <p:txBody>
-          <a:bodyPr anchorCtr="0" anchor="ctr" bIns="91425" lIns="91425" spcFirstLastPara="1" rIns="91425" wrap="square" tIns="91425">
+          <a:bodyPr spcFirstLastPara="1" wrap="square" lIns="91425" tIns="91425" rIns="91425" bIns="91425" anchor="ctr" anchorCtr="0">
             <a:noAutofit/>
           </a:bodyPr>
           <a:lstStyle/>
           <a:p>
-            <a:pPr indent="0" lvl="0" marL="0" rtl="0" algn="l">
+            <a:pPr marL="0" lvl="0" indent="0" algn="l" rtl="0">
               <a:spcBef>
                 <a:spcPts val="0"/>
               </a:spcBef>
@@ -3868,9 +3932,6 @@
               </a:spcAft>
               <a:buNone/>
             </a:pPr>
-            <a:r>
-              <a:t/>
-            </a:r>
             <a:endParaRPr/>
           </a:p>
         </p:txBody>
@@ -3911,12 +3972,12 @@
             </a:ln>
           </p:spPr>
           <p:txBody>
-            <a:bodyPr anchorCtr="0" anchor="ctr" bIns="91425" lIns="91425" spcFirstLastPara="1" rIns="91425" wrap="square" tIns="91425">
+            <a:bodyPr spcFirstLastPara="1" wrap="square" lIns="91425" tIns="91425" rIns="91425" bIns="91425" anchor="ctr" anchorCtr="0">
               <a:noAutofit/>
             </a:bodyPr>
             <a:lstStyle/>
             <a:p>
-              <a:pPr indent="0" lvl="0" marL="0" rtl="0" algn="l">
+              <a:pPr marL="0" lvl="0" indent="0" algn="l" rtl="0">
                 <a:spcBef>
                   <a:spcPts val="0"/>
                 </a:spcBef>
@@ -3925,9 +3986,6 @@
                 </a:spcAft>
                 <a:buNone/>
               </a:pPr>
-              <a:r>
-                <a:t/>
-              </a:r>
               <a:endParaRPr/>
             </a:p>
           </p:txBody>
@@ -3954,12 +4012,12 @@
             </a:ln>
           </p:spPr>
           <p:txBody>
-            <a:bodyPr anchorCtr="0" anchor="ctr" bIns="91425" lIns="91425" spcFirstLastPara="1" rIns="91425" wrap="square" tIns="91425">
+            <a:bodyPr spcFirstLastPara="1" wrap="square" lIns="91425" tIns="91425" rIns="91425" bIns="91425" anchor="ctr" anchorCtr="0">
               <a:noAutofit/>
             </a:bodyPr>
             <a:lstStyle/>
             <a:p>
-              <a:pPr indent="0" lvl="0" marL="0" rtl="0" algn="l">
+              <a:pPr marL="0" lvl="0" indent="0" algn="l" rtl="0">
                 <a:spcBef>
                   <a:spcPts val="0"/>
                 </a:spcBef>
@@ -3968,9 +4026,6 @@
                 </a:spcAft>
                 <a:buNone/>
               </a:pPr>
-              <a:r>
-                <a:t/>
-              </a:r>
               <a:endParaRPr/>
             </a:p>
           </p:txBody>
@@ -3979,7 +4034,9 @@
       <p:sp>
         <p:nvSpPr>
           <p:cNvPr id="36" name="Google Shape;36;p5"/>
-          <p:cNvSpPr txBox="1"/>
+          <p:cNvSpPr txBox="1">
+            <a:spLocks noGrp="1"/>
+          </p:cNvSpPr>
           <p:nvPr>
             <p:ph type="title"/>
           </p:nvPr>
@@ -3994,7 +4051,7 @@
           </a:prstGeom>
         </p:spPr>
         <p:txBody>
-          <a:bodyPr anchorCtr="0" anchor="t" bIns="91425" lIns="91425" spcFirstLastPara="1" rIns="91425" wrap="square" tIns="91425">
+          <a:bodyPr spcFirstLastPara="1" wrap="square" lIns="91425" tIns="91425" rIns="91425" bIns="91425" anchor="t" anchorCtr="0">
             <a:noAutofit/>
           </a:bodyPr>
           <a:lstStyle>
@@ -4161,15 +4218,19 @@
               </a:defRPr>
             </a:lvl9pPr>
           </a:lstStyle>
-          <a:p/>
+          <a:p>
+            <a:endParaRPr/>
+          </a:p>
         </p:txBody>
       </p:sp>
       <p:sp>
         <p:nvSpPr>
           <p:cNvPr id="37" name="Google Shape;37;p5"/>
-          <p:cNvSpPr txBox="1"/>
+          <p:cNvSpPr txBox="1">
+            <a:spLocks noGrp="1"/>
+          </p:cNvSpPr>
           <p:nvPr>
-            <p:ph idx="1" type="body"/>
+            <p:ph type="body" idx="1"/>
           </p:nvPr>
         </p:nvSpPr>
         <p:spPr>
@@ -4182,11 +4243,11 @@
           </a:prstGeom>
         </p:spPr>
         <p:txBody>
-          <a:bodyPr anchorCtr="0" anchor="t" bIns="91425" lIns="91425" spcFirstLastPara="1" rIns="91425" wrap="square" tIns="91425">
+          <a:bodyPr spcFirstLastPara="1" wrap="square" lIns="91425" tIns="91425" rIns="91425" bIns="91425" anchor="t" anchorCtr="0">
             <a:noAutofit/>
           </a:bodyPr>
           <a:lstStyle>
-            <a:lvl1pPr indent="-311150" lvl="0" marL="457200">
+            <a:lvl1pPr marL="457200" lvl="0" indent="-311150">
               <a:spcBef>
                 <a:spcPts val="0"/>
               </a:spcBef>
@@ -4197,7 +4258,7 @@
               <a:buChar char="●"/>
               <a:defRPr/>
             </a:lvl1pPr>
-            <a:lvl2pPr indent="-298450" lvl="1" marL="914400">
+            <a:lvl2pPr marL="914400" lvl="1" indent="-298450">
               <a:spcBef>
                 <a:spcPts val="1600"/>
               </a:spcBef>
@@ -4208,7 +4269,7 @@
               <a:buChar char="○"/>
               <a:defRPr/>
             </a:lvl2pPr>
-            <a:lvl3pPr indent="-298450" lvl="2" marL="1371600">
+            <a:lvl3pPr marL="1371600" lvl="2" indent="-298450">
               <a:spcBef>
                 <a:spcPts val="1600"/>
               </a:spcBef>
@@ -4219,7 +4280,7 @@
               <a:buChar char="■"/>
               <a:defRPr/>
             </a:lvl3pPr>
-            <a:lvl4pPr indent="-298450" lvl="3" marL="1828800">
+            <a:lvl4pPr marL="1828800" lvl="3" indent="-298450">
               <a:spcBef>
                 <a:spcPts val="1600"/>
               </a:spcBef>
@@ -4230,7 +4291,7 @@
               <a:buChar char="●"/>
               <a:defRPr/>
             </a:lvl4pPr>
-            <a:lvl5pPr indent="-298450" lvl="4" marL="2286000">
+            <a:lvl5pPr marL="2286000" lvl="4" indent="-298450">
               <a:spcBef>
                 <a:spcPts val="1600"/>
               </a:spcBef>
@@ -4241,7 +4302,7 @@
               <a:buChar char="○"/>
               <a:defRPr/>
             </a:lvl5pPr>
-            <a:lvl6pPr indent="-298450" lvl="5" marL="2743200">
+            <a:lvl6pPr marL="2743200" lvl="5" indent="-298450">
               <a:spcBef>
                 <a:spcPts val="1600"/>
               </a:spcBef>
@@ -4252,7 +4313,7 @@
               <a:buChar char="■"/>
               <a:defRPr/>
             </a:lvl6pPr>
-            <a:lvl7pPr indent="-298450" lvl="6" marL="3200400">
+            <a:lvl7pPr marL="3200400" lvl="6" indent="-298450">
               <a:spcBef>
                 <a:spcPts val="1600"/>
               </a:spcBef>
@@ -4263,7 +4324,7 @@
               <a:buChar char="●"/>
               <a:defRPr/>
             </a:lvl7pPr>
-            <a:lvl8pPr indent="-298450" lvl="7" marL="3657600">
+            <a:lvl8pPr marL="3657600" lvl="7" indent="-298450">
               <a:spcBef>
                 <a:spcPts val="1600"/>
               </a:spcBef>
@@ -4274,7 +4335,7 @@
               <a:buChar char="○"/>
               <a:defRPr/>
             </a:lvl8pPr>
-            <a:lvl9pPr indent="-298450" lvl="8" marL="4114800">
+            <a:lvl9pPr marL="4114800" lvl="8" indent="-298450">
               <a:spcBef>
                 <a:spcPts val="1600"/>
               </a:spcBef>
@@ -4286,15 +4347,19 @@
               <a:defRPr/>
             </a:lvl9pPr>
           </a:lstStyle>
-          <a:p/>
+          <a:p>
+            <a:endParaRPr/>
+          </a:p>
         </p:txBody>
       </p:sp>
       <p:sp>
         <p:nvSpPr>
           <p:cNvPr id="38" name="Google Shape;38;p5"/>
-          <p:cNvSpPr txBox="1"/>
+          <p:cNvSpPr txBox="1">
+            <a:spLocks noGrp="1"/>
+          </p:cNvSpPr>
           <p:nvPr>
-            <p:ph idx="2" type="body"/>
+            <p:ph type="body" idx="2"/>
           </p:nvPr>
         </p:nvSpPr>
         <p:spPr>
@@ -4307,11 +4372,11 @@
           </a:prstGeom>
         </p:spPr>
         <p:txBody>
-          <a:bodyPr anchorCtr="0" anchor="t" bIns="91425" lIns="91425" spcFirstLastPara="1" rIns="91425" wrap="square" tIns="91425">
+          <a:bodyPr spcFirstLastPara="1" wrap="square" lIns="91425" tIns="91425" rIns="91425" bIns="91425" anchor="t" anchorCtr="0">
             <a:noAutofit/>
           </a:bodyPr>
           <a:lstStyle>
-            <a:lvl1pPr indent="-311150" lvl="0" marL="457200">
+            <a:lvl1pPr marL="457200" lvl="0" indent="-311150">
               <a:spcBef>
                 <a:spcPts val="0"/>
               </a:spcBef>
@@ -4322,7 +4387,7 @@
               <a:buChar char="●"/>
               <a:defRPr/>
             </a:lvl1pPr>
-            <a:lvl2pPr indent="-298450" lvl="1" marL="914400">
+            <a:lvl2pPr marL="914400" lvl="1" indent="-298450">
               <a:spcBef>
                 <a:spcPts val="1600"/>
               </a:spcBef>
@@ -4333,7 +4398,7 @@
               <a:buChar char="○"/>
               <a:defRPr/>
             </a:lvl2pPr>
-            <a:lvl3pPr indent="-298450" lvl="2" marL="1371600">
+            <a:lvl3pPr marL="1371600" lvl="2" indent="-298450">
               <a:spcBef>
                 <a:spcPts val="1600"/>
               </a:spcBef>
@@ -4344,7 +4409,7 @@
               <a:buChar char="■"/>
               <a:defRPr/>
             </a:lvl3pPr>
-            <a:lvl4pPr indent="-298450" lvl="3" marL="1828800">
+            <a:lvl4pPr marL="1828800" lvl="3" indent="-298450">
               <a:spcBef>
                 <a:spcPts val="1600"/>
               </a:spcBef>
@@ -4355,7 +4420,7 @@
               <a:buChar char="●"/>
               <a:defRPr/>
             </a:lvl4pPr>
-            <a:lvl5pPr indent="-298450" lvl="4" marL="2286000">
+            <a:lvl5pPr marL="2286000" lvl="4" indent="-298450">
               <a:spcBef>
                 <a:spcPts val="1600"/>
               </a:spcBef>
@@ -4366,7 +4431,7 @@
               <a:buChar char="○"/>
               <a:defRPr/>
             </a:lvl5pPr>
-            <a:lvl6pPr indent="-298450" lvl="5" marL="2743200">
+            <a:lvl6pPr marL="2743200" lvl="5" indent="-298450">
               <a:spcBef>
                 <a:spcPts val="1600"/>
               </a:spcBef>
@@ -4377,7 +4442,7 @@
               <a:buChar char="■"/>
               <a:defRPr/>
             </a:lvl6pPr>
-            <a:lvl7pPr indent="-298450" lvl="6" marL="3200400">
+            <a:lvl7pPr marL="3200400" lvl="6" indent="-298450">
               <a:spcBef>
                 <a:spcPts val="1600"/>
               </a:spcBef>
@@ -4388,7 +4453,7 @@
               <a:buChar char="●"/>
               <a:defRPr/>
             </a:lvl7pPr>
-            <a:lvl8pPr indent="-298450" lvl="7" marL="3657600">
+            <a:lvl8pPr marL="3657600" lvl="7" indent="-298450">
               <a:spcBef>
                 <a:spcPts val="1600"/>
               </a:spcBef>
@@ -4399,7 +4464,7 @@
               <a:buChar char="○"/>
               <a:defRPr/>
             </a:lvl8pPr>
-            <a:lvl9pPr indent="-298450" lvl="8" marL="4114800">
+            <a:lvl9pPr marL="4114800" lvl="8" indent="-298450">
               <a:spcBef>
                 <a:spcPts val="1600"/>
               </a:spcBef>
@@ -4411,15 +4476,19 @@
               <a:defRPr/>
             </a:lvl9pPr>
           </a:lstStyle>
-          <a:p/>
+          <a:p>
+            <a:endParaRPr/>
+          </a:p>
         </p:txBody>
       </p:sp>
       <p:sp>
         <p:nvSpPr>
           <p:cNvPr id="39" name="Google Shape;39;p5"/>
-          <p:cNvSpPr txBox="1"/>
+          <p:cNvSpPr txBox="1">
+            <a:spLocks noGrp="1"/>
+          </p:cNvSpPr>
           <p:nvPr>
-            <p:ph idx="12" type="sldNum"/>
+            <p:ph type="sldNum" idx="12"/>
           </p:nvPr>
         </p:nvSpPr>
         <p:spPr>
@@ -4432,7 +4501,7 @@
           </a:prstGeom>
         </p:spPr>
         <p:txBody>
-          <a:bodyPr anchorCtr="0" anchor="ctr" bIns="91425" lIns="91425" spcFirstLastPara="1" rIns="91425" wrap="square" tIns="91425">
+          <a:bodyPr spcFirstLastPara="1" wrap="square" lIns="91425" tIns="91425" rIns="91425" bIns="91425" anchor="ctr" anchorCtr="0">
             <a:noAutofit/>
           </a:bodyPr>
           <a:lstStyle>
@@ -4474,7 +4543,7 @@
             </a:lvl9pPr>
           </a:lstStyle>
           <a:p>
-            <a:pPr indent="0" lvl="0" marL="0" rtl="0" algn="r">
+            <a:pPr marL="0" lvl="0" indent="0" algn="r" rtl="0">
               <a:spcBef>
                 <a:spcPts val="0"/>
               </a:spcBef>
@@ -4500,11 +4569,11 @@
 </file>
 
 <file path=ppt/slideLayouts/slideLayout5.xml><?xml version="1.0" encoding="utf-8"?>
-<p:sldLayout xmlns:a="http://schemas.openxmlformats.org/drawingml/2006/main" xmlns:r="http://schemas.openxmlformats.org/officeDocument/2006/relationships" xmlns:mc="http://schemas.openxmlformats.org/markup-compatibility/2006" xmlns:mv="urn:schemas-microsoft-com:mac:vml" xmlns:p="http://schemas.openxmlformats.org/presentationml/2006/main" xmlns:c="http://schemas.openxmlformats.org/drawingml/2006/chart" xmlns:dgm="http://schemas.openxmlformats.org/drawingml/2006/diagram" xmlns:o="urn:schemas-microsoft-com:office:office" xmlns:v="urn:schemas-microsoft-com:vml" xmlns:pvml="urn:schemas-microsoft-com:office:powerpoint" xmlns:com="http://schemas.openxmlformats.org/drawingml/2006/compatibility" xmlns:p14="http://schemas.microsoft.com/office/powerpoint/2010/main" xmlns:p15="http://schemas.microsoft.com/office/powerpoint/2012/main" matchingName="Title only" type="titleOnly">
+<p:sldLayout xmlns:a="http://schemas.openxmlformats.org/drawingml/2006/main" xmlns:r="http://schemas.openxmlformats.org/officeDocument/2006/relationships" xmlns:p="http://schemas.openxmlformats.org/presentationml/2006/main" matchingName="Title only" type="titleOnly">
   <p:cSld name="TITLE_ONLY">
     <p:spTree>
       <p:nvGrpSpPr>
-        <p:cNvPr id="40" name="Shape 40"/>
+        <p:cNvPr id="1" name="Shape 40"/>
         <p:cNvGrpSpPr/>
         <p:nvPr/>
       </p:nvGrpSpPr>
@@ -4538,12 +4607,12 @@
           </a:ln>
         </p:spPr>
         <p:txBody>
-          <a:bodyPr anchorCtr="0" anchor="ctr" bIns="91425" lIns="91425" spcFirstLastPara="1" rIns="91425" wrap="square" tIns="91425">
+          <a:bodyPr spcFirstLastPara="1" wrap="square" lIns="91425" tIns="91425" rIns="91425" bIns="91425" anchor="ctr" anchorCtr="0">
             <a:noAutofit/>
           </a:bodyPr>
           <a:lstStyle/>
           <a:p>
-            <a:pPr indent="0" lvl="0" marL="0" rtl="0" algn="l">
+            <a:pPr marL="0" lvl="0" indent="0" algn="l" rtl="0">
               <a:spcBef>
                 <a:spcPts val="0"/>
               </a:spcBef>
@@ -4552,9 +4621,6 @@
               </a:spcAft>
               <a:buNone/>
             </a:pPr>
-            <a:r>
-              <a:t/>
-            </a:r>
             <a:endParaRPr/>
           </a:p>
         </p:txBody>
@@ -4595,12 +4661,12 @@
             </a:ln>
           </p:spPr>
           <p:txBody>
-            <a:bodyPr anchorCtr="0" anchor="ctr" bIns="91425" lIns="91425" spcFirstLastPara="1" rIns="91425" wrap="square" tIns="91425">
+            <a:bodyPr spcFirstLastPara="1" wrap="square" lIns="91425" tIns="91425" rIns="91425" bIns="91425" anchor="ctr" anchorCtr="0">
               <a:noAutofit/>
             </a:bodyPr>
             <a:lstStyle/>
             <a:p>
-              <a:pPr indent="0" lvl="0" marL="0" rtl="0" algn="l">
+              <a:pPr marL="0" lvl="0" indent="0" algn="l" rtl="0">
                 <a:spcBef>
                   <a:spcPts val="0"/>
                 </a:spcBef>
@@ -4609,9 +4675,6 @@
                 </a:spcAft>
                 <a:buNone/>
               </a:pPr>
-              <a:r>
-                <a:t/>
-              </a:r>
               <a:endParaRPr/>
             </a:p>
           </p:txBody>
@@ -4638,12 +4701,12 @@
             </a:ln>
           </p:spPr>
           <p:txBody>
-            <a:bodyPr anchorCtr="0" anchor="ctr" bIns="91425" lIns="91425" spcFirstLastPara="1" rIns="91425" wrap="square" tIns="91425">
+            <a:bodyPr spcFirstLastPara="1" wrap="square" lIns="91425" tIns="91425" rIns="91425" bIns="91425" anchor="ctr" anchorCtr="0">
               <a:noAutofit/>
             </a:bodyPr>
             <a:lstStyle/>
             <a:p>
-              <a:pPr indent="0" lvl="0" marL="0" rtl="0" algn="l">
+              <a:pPr marL="0" lvl="0" indent="0" algn="l" rtl="0">
                 <a:spcBef>
                   <a:spcPts val="0"/>
                 </a:spcBef>
@@ -4652,9 +4715,6 @@
                 </a:spcAft>
                 <a:buNone/>
               </a:pPr>
-              <a:r>
-                <a:t/>
-              </a:r>
               <a:endParaRPr/>
             </a:p>
           </p:txBody>
@@ -4663,7 +4723,9 @@
       <p:sp>
         <p:nvSpPr>
           <p:cNvPr id="45" name="Google Shape;45;p6"/>
-          <p:cNvSpPr txBox="1"/>
+          <p:cNvSpPr txBox="1">
+            <a:spLocks noGrp="1"/>
+          </p:cNvSpPr>
           <p:nvPr>
             <p:ph type="title"/>
           </p:nvPr>
@@ -4678,7 +4740,7 @@
           </a:prstGeom>
         </p:spPr>
         <p:txBody>
-          <a:bodyPr anchorCtr="0" anchor="t" bIns="91425" lIns="91425" spcFirstLastPara="1" rIns="91425" wrap="square" tIns="91425">
+          <a:bodyPr spcFirstLastPara="1" wrap="square" lIns="91425" tIns="91425" rIns="91425" bIns="91425" anchor="t" anchorCtr="0">
             <a:noAutofit/>
           </a:bodyPr>
           <a:lstStyle>
@@ -4845,15 +4907,19 @@
               </a:defRPr>
             </a:lvl9pPr>
           </a:lstStyle>
-          <a:p/>
+          <a:p>
+            <a:endParaRPr/>
+          </a:p>
         </p:txBody>
       </p:sp>
       <p:sp>
         <p:nvSpPr>
           <p:cNvPr id="46" name="Google Shape;46;p6"/>
-          <p:cNvSpPr txBox="1"/>
+          <p:cNvSpPr txBox="1">
+            <a:spLocks noGrp="1"/>
+          </p:cNvSpPr>
           <p:nvPr>
-            <p:ph idx="12" type="sldNum"/>
+            <p:ph type="sldNum" idx="12"/>
           </p:nvPr>
         </p:nvSpPr>
         <p:spPr>
@@ -4866,7 +4932,7 @@
           </a:prstGeom>
         </p:spPr>
         <p:txBody>
-          <a:bodyPr anchorCtr="0" anchor="ctr" bIns="91425" lIns="91425" spcFirstLastPara="1" rIns="91425" wrap="square" tIns="91425">
+          <a:bodyPr spcFirstLastPara="1" wrap="square" lIns="91425" tIns="91425" rIns="91425" bIns="91425" anchor="ctr" anchorCtr="0">
             <a:noAutofit/>
           </a:bodyPr>
           <a:lstStyle>
@@ -4908,7 +4974,7 @@
             </a:lvl9pPr>
           </a:lstStyle>
           <a:p>
-            <a:pPr indent="0" lvl="0" marL="0" rtl="0" algn="r">
+            <a:pPr marL="0" lvl="0" indent="0" algn="r" rtl="0">
               <a:spcBef>
                 <a:spcPts val="0"/>
               </a:spcBef>
@@ -4934,11 +5000,11 @@
 </file>
 
 <file path=ppt/slideLayouts/slideLayout6.xml><?xml version="1.0" encoding="utf-8"?>
-<p:sldLayout xmlns:a="http://schemas.openxmlformats.org/drawingml/2006/main" xmlns:r="http://schemas.openxmlformats.org/officeDocument/2006/relationships" xmlns:mc="http://schemas.openxmlformats.org/markup-compatibility/2006" xmlns:mv="urn:schemas-microsoft-com:mac:vml" xmlns:p="http://schemas.openxmlformats.org/presentationml/2006/main" xmlns:c="http://schemas.openxmlformats.org/drawingml/2006/chart" xmlns:dgm="http://schemas.openxmlformats.org/drawingml/2006/diagram" xmlns:o="urn:schemas-microsoft-com:office:office" xmlns:v="urn:schemas-microsoft-com:vml" xmlns:pvml="urn:schemas-microsoft-com:office:powerpoint" xmlns:com="http://schemas.openxmlformats.org/drawingml/2006/compatibility" xmlns:p14="http://schemas.microsoft.com/office/powerpoint/2010/main" xmlns:p15="http://schemas.microsoft.com/office/powerpoint/2012/main" matchingName="One column text">
+<p:sldLayout xmlns:a="http://schemas.openxmlformats.org/drawingml/2006/main" xmlns:r="http://schemas.openxmlformats.org/officeDocument/2006/relationships" xmlns:p="http://schemas.openxmlformats.org/presentationml/2006/main" matchingName="One column text">
   <p:cSld name="ONE_COLUMN_TEXT">
     <p:spTree>
       <p:nvGrpSpPr>
-        <p:cNvPr id="47" name="Shape 47"/>
+        <p:cNvPr id="1" name="Shape 47"/>
         <p:cNvGrpSpPr/>
         <p:nvPr/>
       </p:nvGrpSpPr>
@@ -4972,12 +5038,12 @@
           </a:ln>
         </p:spPr>
         <p:txBody>
-          <a:bodyPr anchorCtr="0" anchor="ctr" bIns="91425" lIns="91425" spcFirstLastPara="1" rIns="91425" wrap="square" tIns="91425">
+          <a:bodyPr spcFirstLastPara="1" wrap="square" lIns="91425" tIns="91425" rIns="91425" bIns="91425" anchor="ctr" anchorCtr="0">
             <a:noAutofit/>
           </a:bodyPr>
           <a:lstStyle/>
           <a:p>
-            <a:pPr indent="0" lvl="0" marL="0" rtl="0" algn="l">
+            <a:pPr marL="0" lvl="0" indent="0" algn="l" rtl="0">
               <a:spcBef>
                 <a:spcPts val="0"/>
               </a:spcBef>
@@ -4986,9 +5052,6 @@
               </a:spcAft>
               <a:buNone/>
             </a:pPr>
-            <a:r>
-              <a:t/>
-            </a:r>
             <a:endParaRPr/>
           </a:p>
         </p:txBody>
@@ -5029,12 +5092,12 @@
             </a:ln>
           </p:spPr>
           <p:txBody>
-            <a:bodyPr anchorCtr="0" anchor="ctr" bIns="91425" lIns="91425" spcFirstLastPara="1" rIns="91425" wrap="square" tIns="91425">
+            <a:bodyPr spcFirstLastPara="1" wrap="square" lIns="91425" tIns="91425" rIns="91425" bIns="91425" anchor="ctr" anchorCtr="0">
               <a:noAutofit/>
             </a:bodyPr>
             <a:lstStyle/>
             <a:p>
-              <a:pPr indent="0" lvl="0" marL="0" rtl="0" algn="l">
+              <a:pPr marL="0" lvl="0" indent="0" algn="l" rtl="0">
                 <a:spcBef>
                   <a:spcPts val="0"/>
                 </a:spcBef>
@@ -5043,9 +5106,6 @@
                 </a:spcAft>
                 <a:buNone/>
               </a:pPr>
-              <a:r>
-                <a:t/>
-              </a:r>
               <a:endParaRPr/>
             </a:p>
           </p:txBody>
@@ -5072,12 +5132,12 @@
             </a:ln>
           </p:spPr>
           <p:txBody>
-            <a:bodyPr anchorCtr="0" anchor="ctr" bIns="91425" lIns="91425" spcFirstLastPara="1" rIns="91425" wrap="square" tIns="91425">
+            <a:bodyPr spcFirstLastPara="1" wrap="square" lIns="91425" tIns="91425" rIns="91425" bIns="91425" anchor="ctr" anchorCtr="0">
               <a:noAutofit/>
             </a:bodyPr>
             <a:lstStyle/>
             <a:p>
-              <a:pPr indent="0" lvl="0" marL="0" rtl="0" algn="l">
+              <a:pPr marL="0" lvl="0" indent="0" algn="l" rtl="0">
                 <a:spcBef>
                   <a:spcPts val="0"/>
                 </a:spcBef>
@@ -5086,9 +5146,6 @@
                 </a:spcAft>
                 <a:buNone/>
               </a:pPr>
-              <a:r>
-                <a:t/>
-              </a:r>
               <a:endParaRPr/>
             </a:p>
           </p:txBody>
@@ -5097,7 +5154,9 @@
       <p:sp>
         <p:nvSpPr>
           <p:cNvPr id="52" name="Google Shape;52;p7"/>
-          <p:cNvSpPr txBox="1"/>
+          <p:cNvSpPr txBox="1">
+            <a:spLocks noGrp="1"/>
+          </p:cNvSpPr>
           <p:nvPr>
             <p:ph type="title"/>
           </p:nvPr>
@@ -5112,7 +5171,7 @@
           </a:prstGeom>
         </p:spPr>
         <p:txBody>
-          <a:bodyPr anchorCtr="0" anchor="t" bIns="91425" lIns="91425" spcFirstLastPara="1" rIns="91425" wrap="square" tIns="91425">
+          <a:bodyPr spcFirstLastPara="1" wrap="square" lIns="91425" tIns="91425" rIns="91425" bIns="91425" anchor="t" anchorCtr="0">
             <a:noAutofit/>
           </a:bodyPr>
           <a:lstStyle>
@@ -5279,15 +5338,19 @@
               </a:defRPr>
             </a:lvl9pPr>
           </a:lstStyle>
-          <a:p/>
+          <a:p>
+            <a:endParaRPr/>
+          </a:p>
         </p:txBody>
       </p:sp>
       <p:sp>
         <p:nvSpPr>
           <p:cNvPr id="53" name="Google Shape;53;p7"/>
-          <p:cNvSpPr txBox="1"/>
+          <p:cNvSpPr txBox="1">
+            <a:spLocks noGrp="1"/>
+          </p:cNvSpPr>
           <p:nvPr>
-            <p:ph idx="1" type="body"/>
+            <p:ph type="body" idx="1"/>
           </p:nvPr>
         </p:nvSpPr>
         <p:spPr>
@@ -5300,11 +5363,11 @@
           </a:prstGeom>
         </p:spPr>
         <p:txBody>
-          <a:bodyPr anchorCtr="0" anchor="t" bIns="91425" lIns="91425" spcFirstLastPara="1" rIns="91425" wrap="square" tIns="91425">
+          <a:bodyPr spcFirstLastPara="1" wrap="square" lIns="91425" tIns="91425" rIns="91425" bIns="91425" anchor="t" anchorCtr="0">
             <a:noAutofit/>
           </a:bodyPr>
           <a:lstStyle>
-            <a:lvl1pPr indent="-311150" lvl="0" marL="457200">
+            <a:lvl1pPr marL="457200" lvl="0" indent="-311150">
               <a:spcBef>
                 <a:spcPts val="0"/>
               </a:spcBef>
@@ -5315,7 +5378,7 @@
               <a:buChar char="●"/>
               <a:defRPr/>
             </a:lvl1pPr>
-            <a:lvl2pPr indent="-298450" lvl="1" marL="914400">
+            <a:lvl2pPr marL="914400" lvl="1" indent="-298450">
               <a:spcBef>
                 <a:spcPts val="1600"/>
               </a:spcBef>
@@ -5326,7 +5389,7 @@
               <a:buChar char="○"/>
               <a:defRPr/>
             </a:lvl2pPr>
-            <a:lvl3pPr indent="-298450" lvl="2" marL="1371600">
+            <a:lvl3pPr marL="1371600" lvl="2" indent="-298450">
               <a:spcBef>
                 <a:spcPts val="1600"/>
               </a:spcBef>
@@ -5337,7 +5400,7 @@
               <a:buChar char="■"/>
               <a:defRPr/>
             </a:lvl3pPr>
-            <a:lvl4pPr indent="-298450" lvl="3" marL="1828800">
+            <a:lvl4pPr marL="1828800" lvl="3" indent="-298450">
               <a:spcBef>
                 <a:spcPts val="1600"/>
               </a:spcBef>
@@ -5348,7 +5411,7 @@
               <a:buChar char="●"/>
               <a:defRPr/>
             </a:lvl4pPr>
-            <a:lvl5pPr indent="-298450" lvl="4" marL="2286000">
+            <a:lvl5pPr marL="2286000" lvl="4" indent="-298450">
               <a:spcBef>
                 <a:spcPts val="1600"/>
               </a:spcBef>
@@ -5359,7 +5422,7 @@
               <a:buChar char="○"/>
               <a:defRPr/>
             </a:lvl5pPr>
-            <a:lvl6pPr indent="-298450" lvl="5" marL="2743200">
+            <a:lvl6pPr marL="2743200" lvl="5" indent="-298450">
               <a:spcBef>
                 <a:spcPts val="1600"/>
               </a:spcBef>
@@ -5370,7 +5433,7 @@
               <a:buChar char="■"/>
               <a:defRPr/>
             </a:lvl6pPr>
-            <a:lvl7pPr indent="-298450" lvl="6" marL="3200400">
+            <a:lvl7pPr marL="3200400" lvl="6" indent="-298450">
               <a:spcBef>
                 <a:spcPts val="1600"/>
               </a:spcBef>
@@ -5381,7 +5444,7 @@
               <a:buChar char="●"/>
               <a:defRPr/>
             </a:lvl7pPr>
-            <a:lvl8pPr indent="-298450" lvl="7" marL="3657600">
+            <a:lvl8pPr marL="3657600" lvl="7" indent="-298450">
               <a:spcBef>
                 <a:spcPts val="1600"/>
               </a:spcBef>
@@ -5392,7 +5455,7 @@
               <a:buChar char="○"/>
               <a:defRPr/>
             </a:lvl8pPr>
-            <a:lvl9pPr indent="-298450" lvl="8" marL="4114800">
+            <a:lvl9pPr marL="4114800" lvl="8" indent="-298450">
               <a:spcBef>
                 <a:spcPts val="1600"/>
               </a:spcBef>
@@ -5404,15 +5467,19 @@
               <a:defRPr/>
             </a:lvl9pPr>
           </a:lstStyle>
-          <a:p/>
+          <a:p>
+            <a:endParaRPr/>
+          </a:p>
         </p:txBody>
       </p:sp>
       <p:sp>
         <p:nvSpPr>
           <p:cNvPr id="54" name="Google Shape;54;p7"/>
-          <p:cNvSpPr txBox="1"/>
+          <p:cNvSpPr txBox="1">
+            <a:spLocks noGrp="1"/>
+          </p:cNvSpPr>
           <p:nvPr>
-            <p:ph idx="12" type="sldNum"/>
+            <p:ph type="sldNum" idx="12"/>
           </p:nvPr>
         </p:nvSpPr>
         <p:spPr>
@@ -5425,7 +5492,7 @@
           </a:prstGeom>
         </p:spPr>
         <p:txBody>
-          <a:bodyPr anchorCtr="0" anchor="ctr" bIns="91425" lIns="91425" spcFirstLastPara="1" rIns="91425" wrap="square" tIns="91425">
+          <a:bodyPr spcFirstLastPara="1" wrap="square" lIns="91425" tIns="91425" rIns="91425" bIns="91425" anchor="ctr" anchorCtr="0">
             <a:noAutofit/>
           </a:bodyPr>
           <a:lstStyle>
@@ -5467,7 +5534,7 @@
             </a:lvl9pPr>
           </a:lstStyle>
           <a:p>
-            <a:pPr indent="0" lvl="0" marL="0" rtl="0" algn="r">
+            <a:pPr marL="0" lvl="0" indent="0" algn="r" rtl="0">
               <a:spcBef>
                 <a:spcPts val="0"/>
               </a:spcBef>
@@ -5493,18 +5560,19 @@
 </file>
 
 <file path=ppt/slideLayouts/slideLayout7.xml><?xml version="1.0" encoding="utf-8"?>
-<p:sldLayout xmlns:a="http://schemas.openxmlformats.org/drawingml/2006/main" xmlns:r="http://schemas.openxmlformats.org/officeDocument/2006/relationships" xmlns:mc="http://schemas.openxmlformats.org/markup-compatibility/2006" xmlns:mv="urn:schemas-microsoft-com:mac:vml" xmlns:p="http://schemas.openxmlformats.org/presentationml/2006/main" xmlns:c="http://schemas.openxmlformats.org/drawingml/2006/chart" xmlns:dgm="http://schemas.openxmlformats.org/drawingml/2006/diagram" xmlns:o="urn:schemas-microsoft-com:office:office" xmlns:v="urn:schemas-microsoft-com:vml" xmlns:pvml="urn:schemas-microsoft-com:office:powerpoint" xmlns:com="http://schemas.openxmlformats.org/drawingml/2006/compatibility" xmlns:p14="http://schemas.microsoft.com/office/powerpoint/2010/main" xmlns:p15="http://schemas.microsoft.com/office/powerpoint/2012/main" matchingName="Main point">
+<p:sldLayout xmlns:a="http://schemas.openxmlformats.org/drawingml/2006/main" xmlns:r="http://schemas.openxmlformats.org/officeDocument/2006/relationships" xmlns:p="http://schemas.openxmlformats.org/presentationml/2006/main" matchingName="Main point">
   <p:cSld name="MAIN_POINT">
     <p:bg>
       <p:bgPr>
         <a:solidFill>
           <a:schemeClr val="accent3"/>
         </a:solidFill>
+        <a:effectLst/>
       </p:bgPr>
     </p:bg>
     <p:spTree>
       <p:nvGrpSpPr>
-        <p:cNvPr id="55" name="Shape 55"/>
+        <p:cNvPr id="1" name="Shape 55"/>
         <p:cNvGrpSpPr/>
         <p:nvPr/>
       </p:nvGrpSpPr>
@@ -5552,12 +5620,12 @@
             </a:ln>
           </p:spPr>
           <p:txBody>
-            <a:bodyPr anchorCtr="0" anchor="ctr" bIns="91425" lIns="91425" spcFirstLastPara="1" rIns="91425" wrap="square" tIns="91425">
+            <a:bodyPr spcFirstLastPara="1" wrap="square" lIns="91425" tIns="91425" rIns="91425" bIns="91425" anchor="ctr" anchorCtr="0">
               <a:noAutofit/>
             </a:bodyPr>
             <a:lstStyle/>
             <a:p>
-              <a:pPr indent="0" lvl="0" marL="0" rtl="0" algn="l">
+              <a:pPr marL="0" lvl="0" indent="0" algn="l" rtl="0">
                 <a:spcBef>
                   <a:spcPts val="0"/>
                 </a:spcBef>
@@ -5566,9 +5634,6 @@
                 </a:spcAft>
                 <a:buNone/>
               </a:pPr>
-              <a:r>
-                <a:t/>
-              </a:r>
               <a:endParaRPr/>
             </a:p>
           </p:txBody>
@@ -5595,12 +5660,12 @@
             </a:ln>
           </p:spPr>
           <p:txBody>
-            <a:bodyPr anchorCtr="0" anchor="ctr" bIns="91425" lIns="91425" spcFirstLastPara="1" rIns="91425" wrap="square" tIns="91425">
+            <a:bodyPr spcFirstLastPara="1" wrap="square" lIns="91425" tIns="91425" rIns="91425" bIns="91425" anchor="ctr" anchorCtr="0">
               <a:noAutofit/>
             </a:bodyPr>
             <a:lstStyle/>
             <a:p>
-              <a:pPr indent="0" lvl="0" marL="0" rtl="0" algn="l">
+              <a:pPr marL="0" lvl="0" indent="0" algn="l" rtl="0">
                 <a:spcBef>
                   <a:spcPts val="0"/>
                 </a:spcBef>
@@ -5609,9 +5674,6 @@
                 </a:spcAft>
                 <a:buNone/>
               </a:pPr>
-              <a:r>
-                <a:t/>
-              </a:r>
               <a:endParaRPr/>
             </a:p>
           </p:txBody>
@@ -5620,7 +5682,9 @@
       <p:sp>
         <p:nvSpPr>
           <p:cNvPr id="59" name="Google Shape;59;p8"/>
-          <p:cNvSpPr txBox="1"/>
+          <p:cNvSpPr txBox="1">
+            <a:spLocks noGrp="1"/>
+          </p:cNvSpPr>
           <p:nvPr>
             <p:ph type="title"/>
           </p:nvPr>
@@ -5635,7 +5699,7 @@
           </a:prstGeom>
         </p:spPr>
         <p:txBody>
-          <a:bodyPr anchorCtr="0" anchor="ctr" bIns="91425" lIns="91425" spcFirstLastPara="1" rIns="91425" wrap="square" tIns="91425">
+          <a:bodyPr spcFirstLastPara="1" wrap="square" lIns="91425" tIns="91425" rIns="91425" bIns="91425" anchor="ctr" anchorCtr="0">
             <a:noAutofit/>
           </a:bodyPr>
           <a:lstStyle>
@@ -5802,15 +5866,19 @@
               </a:defRPr>
             </a:lvl9pPr>
           </a:lstStyle>
-          <a:p/>
+          <a:p>
+            <a:endParaRPr/>
+          </a:p>
         </p:txBody>
       </p:sp>
       <p:sp>
         <p:nvSpPr>
           <p:cNvPr id="60" name="Google Shape;60;p8"/>
-          <p:cNvSpPr txBox="1"/>
+          <p:cNvSpPr txBox="1">
+            <a:spLocks noGrp="1"/>
+          </p:cNvSpPr>
           <p:nvPr>
-            <p:ph idx="12" type="sldNum"/>
+            <p:ph type="sldNum" idx="12"/>
           </p:nvPr>
         </p:nvSpPr>
         <p:spPr>
@@ -5823,7 +5891,7 @@
           </a:prstGeom>
         </p:spPr>
         <p:txBody>
-          <a:bodyPr anchorCtr="0" anchor="ctr" bIns="91425" lIns="91425" spcFirstLastPara="1" rIns="91425" wrap="square" tIns="91425">
+          <a:bodyPr spcFirstLastPara="1" wrap="square" lIns="91425" tIns="91425" rIns="91425" bIns="91425" anchor="ctr" anchorCtr="0">
             <a:noAutofit/>
           </a:bodyPr>
           <a:lstStyle>
@@ -5901,7 +5969,7 @@
             </a:lvl9pPr>
           </a:lstStyle>
           <a:p>
-            <a:pPr indent="0" lvl="0" marL="0" rtl="0" algn="r">
+            <a:pPr marL="0" lvl="0" indent="0" algn="r" rtl="0">
               <a:spcBef>
                 <a:spcPts val="0"/>
               </a:spcBef>
@@ -5927,11 +5995,11 @@
 </file>
 
 <file path=ppt/slideLayouts/slideLayout8.xml><?xml version="1.0" encoding="utf-8"?>
-<p:sldLayout xmlns:a="http://schemas.openxmlformats.org/drawingml/2006/main" xmlns:r="http://schemas.openxmlformats.org/officeDocument/2006/relationships" xmlns:mc="http://schemas.openxmlformats.org/markup-compatibility/2006" xmlns:mv="urn:schemas-microsoft-com:mac:vml" xmlns:p="http://schemas.openxmlformats.org/presentationml/2006/main" xmlns:c="http://schemas.openxmlformats.org/drawingml/2006/chart" xmlns:dgm="http://schemas.openxmlformats.org/drawingml/2006/diagram" xmlns:o="urn:schemas-microsoft-com:office:office" xmlns:v="urn:schemas-microsoft-com:vml" xmlns:pvml="urn:schemas-microsoft-com:office:powerpoint" xmlns:com="http://schemas.openxmlformats.org/drawingml/2006/compatibility" xmlns:p14="http://schemas.microsoft.com/office/powerpoint/2010/main" xmlns:p15="http://schemas.microsoft.com/office/powerpoint/2012/main" matchingName="Section title and description">
+<p:sldLayout xmlns:a="http://schemas.openxmlformats.org/drawingml/2006/main" xmlns:r="http://schemas.openxmlformats.org/officeDocument/2006/relationships" xmlns:p="http://schemas.openxmlformats.org/presentationml/2006/main" matchingName="Section title and description">
   <p:cSld name="SECTION_TITLE_AND_DESCRIPTION">
     <p:spTree>
       <p:nvGrpSpPr>
-        <p:cNvPr id="61" name="Shape 61"/>
+        <p:cNvPr id="1" name="Shape 61"/>
         <p:cNvGrpSpPr/>
         <p:nvPr/>
       </p:nvGrpSpPr>
@@ -5965,12 +6033,12 @@
           </a:ln>
         </p:spPr>
         <p:txBody>
-          <a:bodyPr anchorCtr="0" anchor="ctr" bIns="91425" lIns="91425" spcFirstLastPara="1" rIns="91425" wrap="square" tIns="91425">
+          <a:bodyPr spcFirstLastPara="1" wrap="square" lIns="91425" tIns="91425" rIns="91425" bIns="91425" anchor="ctr" anchorCtr="0">
             <a:noAutofit/>
           </a:bodyPr>
           <a:lstStyle/>
           <a:p>
-            <a:pPr indent="0" lvl="0" marL="0" rtl="0" algn="l">
+            <a:pPr marL="0" lvl="0" indent="0" algn="l" rtl="0">
               <a:spcBef>
                 <a:spcPts val="0"/>
               </a:spcBef>
@@ -5979,9 +6047,6 @@
               </a:spcAft>
               <a:buNone/>
             </a:pPr>
-            <a:r>
-              <a:t/>
-            </a:r>
             <a:endParaRPr/>
           </a:p>
         </p:txBody>
@@ -6022,12 +6087,12 @@
             </a:ln>
           </p:spPr>
           <p:txBody>
-            <a:bodyPr anchorCtr="0" anchor="ctr" bIns="91425" lIns="91425" spcFirstLastPara="1" rIns="91425" wrap="square" tIns="91425">
+            <a:bodyPr spcFirstLastPara="1" wrap="square" lIns="91425" tIns="91425" rIns="91425" bIns="91425" anchor="ctr" anchorCtr="0">
               <a:noAutofit/>
             </a:bodyPr>
             <a:lstStyle/>
             <a:p>
-              <a:pPr indent="0" lvl="0" marL="0" rtl="0" algn="l">
+              <a:pPr marL="0" lvl="0" indent="0" algn="l" rtl="0">
                 <a:spcBef>
                   <a:spcPts val="0"/>
                 </a:spcBef>
@@ -6036,9 +6101,6 @@
                 </a:spcAft>
                 <a:buNone/>
               </a:pPr>
-              <a:r>
-                <a:t/>
-              </a:r>
               <a:endParaRPr/>
             </a:p>
           </p:txBody>
@@ -6065,12 +6127,12 @@
             </a:ln>
           </p:spPr>
           <p:txBody>
-            <a:bodyPr anchorCtr="0" anchor="ctr" bIns="91425" lIns="91425" spcFirstLastPara="1" rIns="91425" wrap="square" tIns="91425">
+            <a:bodyPr spcFirstLastPara="1" wrap="square" lIns="91425" tIns="91425" rIns="91425" bIns="91425" anchor="ctr" anchorCtr="0">
               <a:noAutofit/>
             </a:bodyPr>
             <a:lstStyle/>
             <a:p>
-              <a:pPr indent="0" lvl="0" marL="0" rtl="0" algn="l">
+              <a:pPr marL="0" lvl="0" indent="0" algn="l" rtl="0">
                 <a:spcBef>
                   <a:spcPts val="0"/>
                 </a:spcBef>
@@ -6079,9 +6141,6 @@
                 </a:spcAft>
                 <a:buNone/>
               </a:pPr>
-              <a:r>
-                <a:t/>
-              </a:r>
               <a:endParaRPr/>
             </a:p>
           </p:txBody>
@@ -6090,7 +6149,9 @@
       <p:sp>
         <p:nvSpPr>
           <p:cNvPr id="66" name="Google Shape;66;p9"/>
-          <p:cNvSpPr txBox="1"/>
+          <p:cNvSpPr txBox="1">
+            <a:spLocks noGrp="1"/>
+          </p:cNvSpPr>
           <p:nvPr>
             <p:ph type="title"/>
           </p:nvPr>
@@ -6105,7 +6166,7 @@
           </a:prstGeom>
         </p:spPr>
         <p:txBody>
-          <a:bodyPr anchorCtr="0" anchor="t" bIns="91425" lIns="91425" spcFirstLastPara="1" rIns="91425" wrap="square" tIns="91425">
+          <a:bodyPr spcFirstLastPara="1" wrap="square" lIns="91425" tIns="91425" rIns="91425" bIns="91425" anchor="t" anchorCtr="0">
             <a:noAutofit/>
           </a:bodyPr>
           <a:lstStyle>
@@ -6272,15 +6333,19 @@
               </a:defRPr>
             </a:lvl9pPr>
           </a:lstStyle>
-          <a:p/>
+          <a:p>
+            <a:endParaRPr/>
+          </a:p>
         </p:txBody>
       </p:sp>
       <p:sp>
         <p:nvSpPr>
           <p:cNvPr id="67" name="Google Shape;67;p9"/>
-          <p:cNvSpPr txBox="1"/>
+          <p:cNvSpPr txBox="1">
+            <a:spLocks noGrp="1"/>
+          </p:cNvSpPr>
           <p:nvPr>
-            <p:ph idx="1" type="subTitle"/>
+            <p:ph type="subTitle" idx="1"/>
           </p:nvPr>
         </p:nvSpPr>
         <p:spPr>
@@ -6293,7 +6358,7 @@
           </a:prstGeom>
         </p:spPr>
         <p:txBody>
-          <a:bodyPr anchorCtr="0" anchor="t" bIns="91425" lIns="91425" spcFirstLastPara="1" rIns="91425" wrap="square" tIns="91425">
+          <a:bodyPr spcFirstLastPara="1" wrap="square" lIns="91425" tIns="91425" rIns="91425" bIns="91425" anchor="t" anchorCtr="0">
             <a:noAutofit/>
           </a:bodyPr>
           <a:lstStyle>
@@ -6424,15 +6489,19 @@
               <a:defRPr sz="1600"/>
             </a:lvl9pPr>
           </a:lstStyle>
-          <a:p/>
+          <a:p>
+            <a:endParaRPr/>
+          </a:p>
         </p:txBody>
       </p:sp>
       <p:sp>
         <p:nvSpPr>
           <p:cNvPr id="68" name="Google Shape;68;p9"/>
-          <p:cNvSpPr txBox="1"/>
+          <p:cNvSpPr txBox="1">
+            <a:spLocks noGrp="1"/>
+          </p:cNvSpPr>
           <p:nvPr>
-            <p:ph idx="2" type="body"/>
+            <p:ph type="body" idx="2"/>
           </p:nvPr>
         </p:nvSpPr>
         <p:spPr>
@@ -6445,11 +6514,11 @@
           </a:prstGeom>
         </p:spPr>
         <p:txBody>
-          <a:bodyPr anchorCtr="0" anchor="t" bIns="91425" lIns="91425" spcFirstLastPara="1" rIns="91425" wrap="square" tIns="91425">
+          <a:bodyPr spcFirstLastPara="1" wrap="square" lIns="91425" tIns="91425" rIns="91425" bIns="91425" anchor="t" anchorCtr="0">
             <a:noAutofit/>
           </a:bodyPr>
           <a:lstStyle>
-            <a:lvl1pPr indent="-311150" lvl="0" marL="457200">
+            <a:lvl1pPr marL="457200" lvl="0" indent="-311150">
               <a:spcBef>
                 <a:spcPts val="0"/>
               </a:spcBef>
@@ -6460,7 +6529,7 @@
               <a:buChar char="●"/>
               <a:defRPr/>
             </a:lvl1pPr>
-            <a:lvl2pPr indent="-298450" lvl="1" marL="914400">
+            <a:lvl2pPr marL="914400" lvl="1" indent="-298450">
               <a:spcBef>
                 <a:spcPts val="1600"/>
               </a:spcBef>
@@ -6471,7 +6540,7 @@
               <a:buChar char="○"/>
               <a:defRPr/>
             </a:lvl2pPr>
-            <a:lvl3pPr indent="-298450" lvl="2" marL="1371600">
+            <a:lvl3pPr marL="1371600" lvl="2" indent="-298450">
               <a:spcBef>
                 <a:spcPts val="1600"/>
               </a:spcBef>
@@ -6482,7 +6551,7 @@
               <a:buChar char="■"/>
               <a:defRPr/>
             </a:lvl3pPr>
-            <a:lvl4pPr indent="-298450" lvl="3" marL="1828800">
+            <a:lvl4pPr marL="1828800" lvl="3" indent="-298450">
               <a:spcBef>
                 <a:spcPts val="1600"/>
               </a:spcBef>
@@ -6493,7 +6562,7 @@
               <a:buChar char="●"/>
               <a:defRPr/>
             </a:lvl4pPr>
-            <a:lvl5pPr indent="-298450" lvl="4" marL="2286000">
+            <a:lvl5pPr marL="2286000" lvl="4" indent="-298450">
               <a:spcBef>
                 <a:spcPts val="1600"/>
               </a:spcBef>
@@ -6504,7 +6573,7 @@
               <a:buChar char="○"/>
               <a:defRPr/>
             </a:lvl5pPr>
-            <a:lvl6pPr indent="-298450" lvl="5" marL="2743200">
+            <a:lvl6pPr marL="2743200" lvl="5" indent="-298450">
               <a:spcBef>
                 <a:spcPts val="1600"/>
               </a:spcBef>
@@ -6515,7 +6584,7 @@
               <a:buChar char="■"/>
               <a:defRPr/>
             </a:lvl6pPr>
-            <a:lvl7pPr indent="-298450" lvl="6" marL="3200400">
+            <a:lvl7pPr marL="3200400" lvl="6" indent="-298450">
               <a:spcBef>
                 <a:spcPts val="1600"/>
               </a:spcBef>
@@ -6526,7 +6595,7 @@
               <a:buChar char="●"/>
               <a:defRPr/>
             </a:lvl7pPr>
-            <a:lvl8pPr indent="-298450" lvl="7" marL="3657600">
+            <a:lvl8pPr marL="3657600" lvl="7" indent="-298450">
               <a:spcBef>
                 <a:spcPts val="1600"/>
               </a:spcBef>
@@ -6537,7 +6606,7 @@
               <a:buChar char="○"/>
               <a:defRPr/>
             </a:lvl8pPr>
-            <a:lvl9pPr indent="-298450" lvl="8" marL="4114800">
+            <a:lvl9pPr marL="4114800" lvl="8" indent="-298450">
               <a:spcBef>
                 <a:spcPts val="1600"/>
               </a:spcBef>
@@ -6549,15 +6618,19 @@
               <a:defRPr/>
             </a:lvl9pPr>
           </a:lstStyle>
-          <a:p/>
+          <a:p>
+            <a:endParaRPr/>
+          </a:p>
         </p:txBody>
       </p:sp>
       <p:sp>
         <p:nvSpPr>
           <p:cNvPr id="69" name="Google Shape;69;p9"/>
-          <p:cNvSpPr txBox="1"/>
+          <p:cNvSpPr txBox="1">
+            <a:spLocks noGrp="1"/>
+          </p:cNvSpPr>
           <p:nvPr>
-            <p:ph idx="12" type="sldNum"/>
+            <p:ph type="sldNum" idx="12"/>
           </p:nvPr>
         </p:nvSpPr>
         <p:spPr>
@@ -6570,7 +6643,7 @@
           </a:prstGeom>
         </p:spPr>
         <p:txBody>
-          <a:bodyPr anchorCtr="0" anchor="ctr" bIns="91425" lIns="91425" spcFirstLastPara="1" rIns="91425" wrap="square" tIns="91425">
+          <a:bodyPr spcFirstLastPara="1" wrap="square" lIns="91425" tIns="91425" rIns="91425" bIns="91425" anchor="ctr" anchorCtr="0">
             <a:noAutofit/>
           </a:bodyPr>
           <a:lstStyle>
@@ -6612,7 +6685,7 @@
             </a:lvl9pPr>
           </a:lstStyle>
           <a:p>
-            <a:pPr indent="0" lvl="0" marL="0" rtl="0" algn="r">
+            <a:pPr marL="0" lvl="0" indent="0" algn="r" rtl="0">
               <a:spcBef>
                 <a:spcPts val="0"/>
               </a:spcBef>
@@ -6638,11 +6711,11 @@
 </file>
 
 <file path=ppt/slideLayouts/slideLayout9.xml><?xml version="1.0" encoding="utf-8"?>
-<p:sldLayout xmlns:a="http://schemas.openxmlformats.org/drawingml/2006/main" xmlns:r="http://schemas.openxmlformats.org/officeDocument/2006/relationships" xmlns:mc="http://schemas.openxmlformats.org/markup-compatibility/2006" xmlns:mv="urn:schemas-microsoft-com:mac:vml" xmlns:p="http://schemas.openxmlformats.org/presentationml/2006/main" xmlns:c="http://schemas.openxmlformats.org/drawingml/2006/chart" xmlns:dgm="http://schemas.openxmlformats.org/drawingml/2006/diagram" xmlns:o="urn:schemas-microsoft-com:office:office" xmlns:v="urn:schemas-microsoft-com:vml" xmlns:pvml="urn:schemas-microsoft-com:office:powerpoint" xmlns:com="http://schemas.openxmlformats.org/drawingml/2006/compatibility" xmlns:p14="http://schemas.microsoft.com/office/powerpoint/2010/main" xmlns:p15="http://schemas.microsoft.com/office/powerpoint/2012/main" matchingName="Caption">
+<p:sldLayout xmlns:a="http://schemas.openxmlformats.org/drawingml/2006/main" xmlns:r="http://schemas.openxmlformats.org/officeDocument/2006/relationships" xmlns:p="http://schemas.openxmlformats.org/presentationml/2006/main" matchingName="Caption">
   <p:cSld name="CAPTION_ONLY">
     <p:spTree>
       <p:nvGrpSpPr>
-        <p:cNvPr id="70" name="Shape 70"/>
+        <p:cNvPr id="1" name="Shape 70"/>
         <p:cNvGrpSpPr/>
         <p:nvPr/>
       </p:nvGrpSpPr>
@@ -6657,9 +6730,11 @@
       <p:sp>
         <p:nvSpPr>
           <p:cNvPr id="71" name="Google Shape;71;p10"/>
-          <p:cNvSpPr txBox="1"/>
+          <p:cNvSpPr txBox="1">
+            <a:spLocks noGrp="1"/>
+          </p:cNvSpPr>
           <p:nvPr>
-            <p:ph idx="1" type="body"/>
+            <p:ph type="body" idx="1"/>
           </p:nvPr>
         </p:nvSpPr>
         <p:spPr>
@@ -6672,11 +6747,11 @@
           </a:prstGeom>
         </p:spPr>
         <p:txBody>
-          <a:bodyPr anchorCtr="0" anchor="ctr" bIns="91425" lIns="91425" spcFirstLastPara="1" rIns="91425" wrap="square" tIns="91425">
+          <a:bodyPr spcFirstLastPara="1" wrap="square" lIns="91425" tIns="91425" rIns="91425" bIns="91425" anchor="ctr" anchorCtr="0">
             <a:noAutofit/>
           </a:bodyPr>
           <a:lstStyle>
-            <a:lvl1pPr indent="-228600" lvl="0" marL="457200">
+            <a:lvl1pPr marL="457200" lvl="0" indent="-228600">
               <a:lnSpc>
                 <a:spcPct val="100000"/>
               </a:lnSpc>
@@ -6691,15 +6766,19 @@
               <a:defRPr/>
             </a:lvl1pPr>
           </a:lstStyle>
-          <a:p/>
+          <a:p>
+            <a:endParaRPr/>
+          </a:p>
         </p:txBody>
       </p:sp>
       <p:sp>
         <p:nvSpPr>
           <p:cNvPr id="72" name="Google Shape;72;p10"/>
-          <p:cNvSpPr txBox="1"/>
+          <p:cNvSpPr txBox="1">
+            <a:spLocks noGrp="1"/>
+          </p:cNvSpPr>
           <p:nvPr>
-            <p:ph idx="12" type="sldNum"/>
+            <p:ph type="sldNum" idx="12"/>
           </p:nvPr>
         </p:nvSpPr>
         <p:spPr>
@@ -6712,7 +6791,7 @@
           </a:prstGeom>
         </p:spPr>
         <p:txBody>
-          <a:bodyPr anchorCtr="0" anchor="ctr" bIns="91425" lIns="91425" spcFirstLastPara="1" rIns="91425" wrap="square" tIns="91425">
+          <a:bodyPr spcFirstLastPara="1" wrap="square" lIns="91425" tIns="91425" rIns="91425" bIns="91425" anchor="ctr" anchorCtr="0">
             <a:noAutofit/>
           </a:bodyPr>
           <a:lstStyle>
@@ -6754,7 +6833,7 @@
             </a:lvl9pPr>
           </a:lstStyle>
           <a:p>
-            <a:pPr indent="0" lvl="0" marL="0" rtl="0" algn="r">
+            <a:pPr marL="0" lvl="0" indent="0" algn="r" rtl="0">
               <a:spcBef>
                 <a:spcPts val="0"/>
               </a:spcBef>
@@ -6780,18 +6859,19 @@
 </file>
 
 <file path=ppt/slideMasters/slideMaster1.xml><?xml version="1.0" encoding="utf-8"?>
-<p:sldMaster xmlns:a="http://schemas.openxmlformats.org/drawingml/2006/main" xmlns:r="http://schemas.openxmlformats.org/officeDocument/2006/relationships" xmlns:mc="http://schemas.openxmlformats.org/markup-compatibility/2006" xmlns:mv="urn:schemas-microsoft-com:mac:vml" xmlns:p="http://schemas.openxmlformats.org/presentationml/2006/main" xmlns:c="http://schemas.openxmlformats.org/drawingml/2006/chart" xmlns:dgm="http://schemas.openxmlformats.org/drawingml/2006/diagram" xmlns:o="urn:schemas-microsoft-com:office:office" xmlns:v="urn:schemas-microsoft-com:vml" xmlns:pvml="urn:schemas-microsoft-com:office:powerpoint" xmlns:com="http://schemas.openxmlformats.org/drawingml/2006/compatibility" xmlns:p14="http://schemas.microsoft.com/office/powerpoint/2010/main" xmlns:p15="http://schemas.microsoft.com/office/powerpoint/2012/main">
+<p:sldMaster xmlns:a="http://schemas.openxmlformats.org/drawingml/2006/main" xmlns:r="http://schemas.openxmlformats.org/officeDocument/2006/relationships" xmlns:p="http://schemas.openxmlformats.org/presentationml/2006/main">
   <p:cSld name="streamline">
     <p:bg>
       <p:bgPr>
         <a:solidFill>
           <a:schemeClr val="lt1"/>
         </a:solidFill>
+        <a:effectLst/>
       </p:bgPr>
     </p:bg>
     <p:spTree>
       <p:nvGrpSpPr>
-        <p:cNvPr id="5" name="Shape 5"/>
+        <p:cNvPr id="1" name="Shape 5"/>
         <p:cNvGrpSpPr/>
         <p:nvPr/>
       </p:nvGrpSpPr>
@@ -6806,7 +6886,9 @@
       <p:sp>
         <p:nvSpPr>
           <p:cNvPr id="6" name="Google Shape;6;p1"/>
-          <p:cNvSpPr txBox="1"/>
+          <p:cNvSpPr txBox="1">
+            <a:spLocks noGrp="1"/>
+          </p:cNvSpPr>
           <p:nvPr>
             <p:ph type="title"/>
           </p:nvPr>
@@ -6825,7 +6907,7 @@
           </a:ln>
         </p:spPr>
         <p:txBody>
-          <a:bodyPr anchorCtr="0" anchor="t" bIns="91425" lIns="91425" spcFirstLastPara="1" rIns="91425" wrap="square" tIns="91425">
+          <a:bodyPr spcFirstLastPara="1" wrap="square" lIns="91425" tIns="91425" rIns="91425" bIns="91425" anchor="t" anchorCtr="0">
             <a:noAutofit/>
           </a:bodyPr>
           <a:lstStyle>
@@ -6839,7 +6921,7 @@
               <a:buSzPts val="2800"/>
               <a:buFont typeface="Raleway"/>
               <a:buNone/>
-              <a:defRPr b="1" sz="2800">
+              <a:defRPr sz="2800" b="1">
                 <a:latin typeface="Raleway"/>
                 <a:ea typeface="Raleway"/>
                 <a:cs typeface="Raleway"/>
@@ -6856,7 +6938,7 @@
               <a:buSzPts val="2800"/>
               <a:buFont typeface="Raleway"/>
               <a:buNone/>
-              <a:defRPr b="1" sz="2800">
+              <a:defRPr sz="2800" b="1">
                 <a:latin typeface="Raleway"/>
                 <a:ea typeface="Raleway"/>
                 <a:cs typeface="Raleway"/>
@@ -6873,7 +6955,7 @@
               <a:buSzPts val="2800"/>
               <a:buFont typeface="Raleway"/>
               <a:buNone/>
-              <a:defRPr b="1" sz="2800">
+              <a:defRPr sz="2800" b="1">
                 <a:latin typeface="Raleway"/>
                 <a:ea typeface="Raleway"/>
                 <a:cs typeface="Raleway"/>
@@ -6890,7 +6972,7 @@
               <a:buSzPts val="2800"/>
               <a:buFont typeface="Raleway"/>
               <a:buNone/>
-              <a:defRPr b="1" sz="2800">
+              <a:defRPr sz="2800" b="1">
                 <a:latin typeface="Raleway"/>
                 <a:ea typeface="Raleway"/>
                 <a:cs typeface="Raleway"/>
@@ -6907,7 +6989,7 @@
               <a:buSzPts val="2800"/>
               <a:buFont typeface="Raleway"/>
               <a:buNone/>
-              <a:defRPr b="1" sz="2800">
+              <a:defRPr sz="2800" b="1">
                 <a:latin typeface="Raleway"/>
                 <a:ea typeface="Raleway"/>
                 <a:cs typeface="Raleway"/>
@@ -6924,7 +7006,7 @@
               <a:buSzPts val="2800"/>
               <a:buFont typeface="Raleway"/>
               <a:buNone/>
-              <a:defRPr b="1" sz="2800">
+              <a:defRPr sz="2800" b="1">
                 <a:latin typeface="Raleway"/>
                 <a:ea typeface="Raleway"/>
                 <a:cs typeface="Raleway"/>
@@ -6941,7 +7023,7 @@
               <a:buSzPts val="2800"/>
               <a:buFont typeface="Raleway"/>
               <a:buNone/>
-              <a:defRPr b="1" sz="2800">
+              <a:defRPr sz="2800" b="1">
                 <a:latin typeface="Raleway"/>
                 <a:ea typeface="Raleway"/>
                 <a:cs typeface="Raleway"/>
@@ -6958,7 +7040,7 @@
               <a:buSzPts val="2800"/>
               <a:buFont typeface="Raleway"/>
               <a:buNone/>
-              <a:defRPr b="1" sz="2800">
+              <a:defRPr sz="2800" b="1">
                 <a:latin typeface="Raleway"/>
                 <a:ea typeface="Raleway"/>
                 <a:cs typeface="Raleway"/>
@@ -6975,7 +7057,7 @@
               <a:buSzPts val="2800"/>
               <a:buFont typeface="Raleway"/>
               <a:buNone/>
-              <a:defRPr b="1" sz="2800">
+              <a:defRPr sz="2800" b="1">
                 <a:latin typeface="Raleway"/>
                 <a:ea typeface="Raleway"/>
                 <a:cs typeface="Raleway"/>
@@ -6983,15 +7065,19 @@
               </a:defRPr>
             </a:lvl9pPr>
           </a:lstStyle>
-          <a:p/>
+          <a:p>
+            <a:endParaRPr/>
+          </a:p>
         </p:txBody>
       </p:sp>
       <p:sp>
         <p:nvSpPr>
           <p:cNvPr id="7" name="Google Shape;7;p1"/>
-          <p:cNvSpPr txBox="1"/>
+          <p:cNvSpPr txBox="1">
+            <a:spLocks noGrp="1"/>
+          </p:cNvSpPr>
           <p:nvPr>
-            <p:ph idx="1" type="body"/>
+            <p:ph type="body" idx="1"/>
           </p:nvPr>
         </p:nvSpPr>
         <p:spPr>
@@ -7008,11 +7094,11 @@
           </a:ln>
         </p:spPr>
         <p:txBody>
-          <a:bodyPr anchorCtr="0" anchor="t" bIns="91425" lIns="91425" spcFirstLastPara="1" rIns="91425" wrap="square" tIns="91425">
+          <a:bodyPr spcFirstLastPara="1" wrap="square" lIns="91425" tIns="91425" rIns="91425" bIns="91425" anchor="t" anchorCtr="0">
             <a:noAutofit/>
           </a:bodyPr>
           <a:lstStyle>
-            <a:lvl1pPr indent="-311150" lvl="0" marL="457200">
+            <a:lvl1pPr marL="457200" lvl="0" indent="-311150">
               <a:lnSpc>
                 <a:spcPct val="115000"/>
               </a:lnSpc>
@@ -7038,7 +7124,7 @@
                 <a:sym typeface="Lato"/>
               </a:defRPr>
             </a:lvl1pPr>
-            <a:lvl2pPr indent="-298450" lvl="1" marL="914400">
+            <a:lvl2pPr marL="914400" lvl="1" indent="-298450">
               <a:lnSpc>
                 <a:spcPct val="115000"/>
               </a:lnSpc>
@@ -7064,7 +7150,7 @@
                 <a:sym typeface="Lato"/>
               </a:defRPr>
             </a:lvl2pPr>
-            <a:lvl3pPr indent="-298450" lvl="2" marL="1371600">
+            <a:lvl3pPr marL="1371600" lvl="2" indent="-298450">
               <a:lnSpc>
                 <a:spcPct val="115000"/>
               </a:lnSpc>
@@ -7090,7 +7176,7 @@
                 <a:sym typeface="Lato"/>
               </a:defRPr>
             </a:lvl3pPr>
-            <a:lvl4pPr indent="-298450" lvl="3" marL="1828800">
+            <a:lvl4pPr marL="1828800" lvl="3" indent="-298450">
               <a:lnSpc>
                 <a:spcPct val="115000"/>
               </a:lnSpc>
@@ -7116,7 +7202,7 @@
                 <a:sym typeface="Lato"/>
               </a:defRPr>
             </a:lvl4pPr>
-            <a:lvl5pPr indent="-298450" lvl="4" marL="2286000">
+            <a:lvl5pPr marL="2286000" lvl="4" indent="-298450">
               <a:lnSpc>
                 <a:spcPct val="115000"/>
               </a:lnSpc>
@@ -7142,7 +7228,7 @@
                 <a:sym typeface="Lato"/>
               </a:defRPr>
             </a:lvl5pPr>
-            <a:lvl6pPr indent="-298450" lvl="5" marL="2743200">
+            <a:lvl6pPr marL="2743200" lvl="5" indent="-298450">
               <a:lnSpc>
                 <a:spcPct val="115000"/>
               </a:lnSpc>
@@ -7168,7 +7254,7 @@
                 <a:sym typeface="Lato"/>
               </a:defRPr>
             </a:lvl6pPr>
-            <a:lvl7pPr indent="-298450" lvl="6" marL="3200400">
+            <a:lvl7pPr marL="3200400" lvl="6" indent="-298450">
               <a:lnSpc>
                 <a:spcPct val="115000"/>
               </a:lnSpc>
@@ -7194,7 +7280,7 @@
                 <a:sym typeface="Lato"/>
               </a:defRPr>
             </a:lvl7pPr>
-            <a:lvl8pPr indent="-298450" lvl="7" marL="3657600">
+            <a:lvl8pPr marL="3657600" lvl="7" indent="-298450">
               <a:lnSpc>
                 <a:spcPct val="115000"/>
               </a:lnSpc>
@@ -7220,7 +7306,7 @@
                 <a:sym typeface="Lato"/>
               </a:defRPr>
             </a:lvl8pPr>
-            <a:lvl9pPr indent="-298450" lvl="8" marL="4114800">
+            <a:lvl9pPr marL="4114800" lvl="8" indent="-298450">
               <a:lnSpc>
                 <a:spcPct val="115000"/>
               </a:lnSpc>
@@ -7247,15 +7333,19 @@
               </a:defRPr>
             </a:lvl9pPr>
           </a:lstStyle>
-          <a:p/>
+          <a:p>
+            <a:endParaRPr/>
+          </a:p>
         </p:txBody>
       </p:sp>
       <p:sp>
         <p:nvSpPr>
           <p:cNvPr id="8" name="Google Shape;8;p1"/>
-          <p:cNvSpPr txBox="1"/>
+          <p:cNvSpPr txBox="1">
+            <a:spLocks noGrp="1"/>
+          </p:cNvSpPr>
           <p:nvPr>
-            <p:ph idx="12" type="sldNum"/>
+            <p:ph type="sldNum" idx="12"/>
           </p:nvPr>
         </p:nvSpPr>
         <p:spPr>
@@ -7272,7 +7362,7 @@
           </a:ln>
         </p:spPr>
         <p:txBody>
-          <a:bodyPr anchorCtr="0" anchor="ctr" bIns="91425" lIns="91425" spcFirstLastPara="1" rIns="91425" wrap="square" tIns="91425">
+          <a:bodyPr spcFirstLastPara="1" wrap="square" lIns="91425" tIns="91425" rIns="91425" bIns="91425" anchor="ctr" anchorCtr="0">
             <a:noAutofit/>
           </a:bodyPr>
           <a:lstStyle>
@@ -7386,7 +7476,7 @@
             </a:lvl9pPr>
           </a:lstStyle>
           <a:p>
-            <a:pPr indent="0" lvl="0" marL="0" rtl="0" algn="r">
+            <a:pPr marL="0" lvl="0" indent="0" algn="r" rtl="0">
               <a:spcBef>
                 <a:spcPts val="0"/>
               </a:spcBef>
@@ -7405,7 +7495,7 @@
       </p:sp>
     </p:spTree>
   </p:cSld>
-  <p:clrMap accent1="accent1" accent2="accent2" accent3="accent3" accent4="accent4" accent5="accent5" accent6="accent6" bg1="lt1" bg2="dk2" tx1="dk1" tx2="lt2" folHlink="folHlink" hlink="hlink"/>
+  <p:clrMap bg1="lt1" tx1="dk1" bg2="dk2" tx2="lt2" accent1="accent1" accent2="accent2" accent3="accent3" accent4="accent4" accent5="accent5" accent6="accent6" hlink="hlink" folHlink="folHlink"/>
   <p:sldLayoutIdLst>
     <p:sldLayoutId id="2147483648" r:id="rId1"/>
     <p:sldLayoutId id="2147483649" r:id="rId2"/>
@@ -7419,10 +7509,10 @@
     <p:sldLayoutId id="2147483657" r:id="rId10"/>
     <p:sldLayoutId id="2147483658" r:id="rId11"/>
   </p:sldLayoutIdLst>
-  <p:hf dt="0" ftr="0" hdr="0" sldNum="0"/>
+  <p:hf sldNum="0" hdr="0" ftr="0" dt="0"/>
   <p:txStyles>
     <p:titleStyle>
-      <a:defPPr lvl="0" marR="0" rtl="0" algn="l">
+      <a:defPPr marR="0" lvl="0" algn="l" rtl="0">
         <a:lnSpc>
           <a:spcPct val="100000"/>
         </a:lnSpc>
@@ -7433,7 +7523,7 @@
           <a:spcPts val="0"/>
         </a:spcAft>
       </a:defPPr>
-      <a:lvl1pPr lvl="0" marR="0" rtl="0" algn="l">
+      <a:lvl1pPr marR="0" lvl="0" algn="l" rtl="0">
         <a:lnSpc>
           <a:spcPct val="100000"/>
         </a:lnSpc>
@@ -7447,7 +7537,7 @@
           <a:srgbClr val="000000"/>
         </a:buClr>
         <a:buFont typeface="Arial"/>
-        <a:defRPr b="0" i="0" sz="1400" u="none" cap="none" strike="noStrike">
+        <a:defRPr sz="1400" b="0" i="0" u="none" strike="noStrike" cap="none">
           <a:solidFill>
             <a:srgbClr val="000000"/>
           </a:solidFill>
@@ -7457,7 +7547,7 @@
           <a:sym typeface="Arial"/>
         </a:defRPr>
       </a:lvl1pPr>
-      <a:lvl2pPr lvl="1" marR="0" rtl="0" algn="l">
+      <a:lvl2pPr marR="0" lvl="1" algn="l" rtl="0">
         <a:lnSpc>
           <a:spcPct val="100000"/>
         </a:lnSpc>
@@ -7471,7 +7561,7 @@
           <a:srgbClr val="000000"/>
         </a:buClr>
         <a:buFont typeface="Arial"/>
-        <a:defRPr b="0" i="0" sz="1400" u="none" cap="none" strike="noStrike">
+        <a:defRPr sz="1400" b="0" i="0" u="none" strike="noStrike" cap="none">
           <a:solidFill>
             <a:srgbClr val="000000"/>
           </a:solidFill>
@@ -7481,7 +7571,7 @@
           <a:sym typeface="Arial"/>
         </a:defRPr>
       </a:lvl2pPr>
-      <a:lvl3pPr lvl="2" marR="0" rtl="0" algn="l">
+      <a:lvl3pPr marR="0" lvl="2" algn="l" rtl="0">
         <a:lnSpc>
           <a:spcPct val="100000"/>
         </a:lnSpc>
@@ -7495,7 +7585,7 @@
           <a:srgbClr val="000000"/>
         </a:buClr>
         <a:buFont typeface="Arial"/>
-        <a:defRPr b="0" i="0" sz="1400" u="none" cap="none" strike="noStrike">
+        <a:defRPr sz="1400" b="0" i="0" u="none" strike="noStrike" cap="none">
           <a:solidFill>
             <a:srgbClr val="000000"/>
           </a:solidFill>
@@ -7505,7 +7595,7 @@
           <a:sym typeface="Arial"/>
         </a:defRPr>
       </a:lvl3pPr>
-      <a:lvl4pPr lvl="3" marR="0" rtl="0" algn="l">
+      <a:lvl4pPr marR="0" lvl="3" algn="l" rtl="0">
         <a:lnSpc>
           <a:spcPct val="100000"/>
         </a:lnSpc>
@@ -7519,7 +7609,7 @@
           <a:srgbClr val="000000"/>
         </a:buClr>
         <a:buFont typeface="Arial"/>
-        <a:defRPr b="0" i="0" sz="1400" u="none" cap="none" strike="noStrike">
+        <a:defRPr sz="1400" b="0" i="0" u="none" strike="noStrike" cap="none">
           <a:solidFill>
             <a:srgbClr val="000000"/>
           </a:solidFill>
@@ -7529,7 +7619,7 @@
           <a:sym typeface="Arial"/>
         </a:defRPr>
       </a:lvl4pPr>
-      <a:lvl5pPr lvl="4" marR="0" rtl="0" algn="l">
+      <a:lvl5pPr marR="0" lvl="4" algn="l" rtl="0">
         <a:lnSpc>
           <a:spcPct val="100000"/>
         </a:lnSpc>
@@ -7543,7 +7633,7 @@
           <a:srgbClr val="000000"/>
         </a:buClr>
         <a:buFont typeface="Arial"/>
-        <a:defRPr b="0" i="0" sz="1400" u="none" cap="none" strike="noStrike">
+        <a:defRPr sz="1400" b="0" i="0" u="none" strike="noStrike" cap="none">
           <a:solidFill>
             <a:srgbClr val="000000"/>
           </a:solidFill>
@@ -7553,7 +7643,7 @@
           <a:sym typeface="Arial"/>
         </a:defRPr>
       </a:lvl5pPr>
-      <a:lvl6pPr lvl="5" marR="0" rtl="0" algn="l">
+      <a:lvl6pPr marR="0" lvl="5" algn="l" rtl="0">
         <a:lnSpc>
           <a:spcPct val="100000"/>
         </a:lnSpc>
@@ -7567,7 +7657,7 @@
           <a:srgbClr val="000000"/>
         </a:buClr>
         <a:buFont typeface="Arial"/>
-        <a:defRPr b="0" i="0" sz="1400" u="none" cap="none" strike="noStrike">
+        <a:defRPr sz="1400" b="0" i="0" u="none" strike="noStrike" cap="none">
           <a:solidFill>
             <a:srgbClr val="000000"/>
           </a:solidFill>
@@ -7577,7 +7667,7 @@
           <a:sym typeface="Arial"/>
         </a:defRPr>
       </a:lvl6pPr>
-      <a:lvl7pPr lvl="6" marR="0" rtl="0" algn="l">
+      <a:lvl7pPr marR="0" lvl="6" algn="l" rtl="0">
         <a:lnSpc>
           <a:spcPct val="100000"/>
         </a:lnSpc>
@@ -7591,7 +7681,7 @@
           <a:srgbClr val="000000"/>
         </a:buClr>
         <a:buFont typeface="Arial"/>
-        <a:defRPr b="0" i="0" sz="1400" u="none" cap="none" strike="noStrike">
+        <a:defRPr sz="1400" b="0" i="0" u="none" strike="noStrike" cap="none">
           <a:solidFill>
             <a:srgbClr val="000000"/>
           </a:solidFill>
@@ -7601,7 +7691,7 @@
           <a:sym typeface="Arial"/>
         </a:defRPr>
       </a:lvl7pPr>
-      <a:lvl8pPr lvl="7" marR="0" rtl="0" algn="l">
+      <a:lvl8pPr marR="0" lvl="7" algn="l" rtl="0">
         <a:lnSpc>
           <a:spcPct val="100000"/>
         </a:lnSpc>
@@ -7615,7 +7705,7 @@
           <a:srgbClr val="000000"/>
         </a:buClr>
         <a:buFont typeface="Arial"/>
-        <a:defRPr b="0" i="0" sz="1400" u="none" cap="none" strike="noStrike">
+        <a:defRPr sz="1400" b="0" i="0" u="none" strike="noStrike" cap="none">
           <a:solidFill>
             <a:srgbClr val="000000"/>
           </a:solidFill>
@@ -7625,7 +7715,7 @@
           <a:sym typeface="Arial"/>
         </a:defRPr>
       </a:lvl8pPr>
-      <a:lvl9pPr lvl="8" marR="0" rtl="0" algn="l">
+      <a:lvl9pPr marR="0" lvl="8" algn="l" rtl="0">
         <a:lnSpc>
           <a:spcPct val="100000"/>
         </a:lnSpc>
@@ -7639,7 +7729,7 @@
           <a:srgbClr val="000000"/>
         </a:buClr>
         <a:buFont typeface="Arial"/>
-        <a:defRPr b="0" i="0" sz="1400" u="none" cap="none" strike="noStrike">
+        <a:defRPr sz="1400" b="0" i="0" u="none" strike="noStrike" cap="none">
           <a:solidFill>
             <a:srgbClr val="000000"/>
           </a:solidFill>
@@ -7651,7 +7741,7 @@
       </a:lvl9pPr>
     </p:titleStyle>
     <p:bodyStyle>
-      <a:defPPr lvl="0" marR="0" rtl="0" algn="l">
+      <a:defPPr marR="0" lvl="0" algn="l" rtl="0">
         <a:lnSpc>
           <a:spcPct val="100000"/>
         </a:lnSpc>
@@ -7662,7 +7752,7 @@
           <a:spcPts val="0"/>
         </a:spcAft>
       </a:defPPr>
-      <a:lvl1pPr lvl="0" marR="0" rtl="0" algn="l">
+      <a:lvl1pPr marR="0" lvl="0" algn="l" rtl="0">
         <a:lnSpc>
           <a:spcPct val="100000"/>
         </a:lnSpc>
@@ -7676,7 +7766,7 @@
           <a:srgbClr val="000000"/>
         </a:buClr>
         <a:buFont typeface="Arial"/>
-        <a:defRPr b="0" i="0" sz="1400" u="none" cap="none" strike="noStrike">
+        <a:defRPr sz="1400" b="0" i="0" u="none" strike="noStrike" cap="none">
           <a:solidFill>
             <a:srgbClr val="000000"/>
           </a:solidFill>
@@ -7686,7 +7776,7 @@
           <a:sym typeface="Arial"/>
         </a:defRPr>
       </a:lvl1pPr>
-      <a:lvl2pPr lvl="1" marR="0" rtl="0" algn="l">
+      <a:lvl2pPr marR="0" lvl="1" algn="l" rtl="0">
         <a:lnSpc>
           <a:spcPct val="100000"/>
         </a:lnSpc>
@@ -7700,7 +7790,7 @@
           <a:srgbClr val="000000"/>
         </a:buClr>
         <a:buFont typeface="Arial"/>
-        <a:defRPr b="0" i="0" sz="1400" u="none" cap="none" strike="noStrike">
+        <a:defRPr sz="1400" b="0" i="0" u="none" strike="noStrike" cap="none">
           <a:solidFill>
             <a:srgbClr val="000000"/>
           </a:solidFill>
@@ -7710,7 +7800,7 @@
           <a:sym typeface="Arial"/>
         </a:defRPr>
       </a:lvl2pPr>
-      <a:lvl3pPr lvl="2" marR="0" rtl="0" algn="l">
+      <a:lvl3pPr marR="0" lvl="2" algn="l" rtl="0">
         <a:lnSpc>
           <a:spcPct val="100000"/>
         </a:lnSpc>
@@ -7724,7 +7814,7 @@
           <a:srgbClr val="000000"/>
         </a:buClr>
         <a:buFont typeface="Arial"/>
-        <a:defRPr b="0" i="0" sz="1400" u="none" cap="none" strike="noStrike">
+        <a:defRPr sz="1400" b="0" i="0" u="none" strike="noStrike" cap="none">
           <a:solidFill>
             <a:srgbClr val="000000"/>
           </a:solidFill>
@@ -7734,7 +7824,7 @@
           <a:sym typeface="Arial"/>
         </a:defRPr>
       </a:lvl3pPr>
-      <a:lvl4pPr lvl="3" marR="0" rtl="0" algn="l">
+      <a:lvl4pPr marR="0" lvl="3" algn="l" rtl="0">
         <a:lnSpc>
           <a:spcPct val="100000"/>
         </a:lnSpc>
@@ -7748,7 +7838,7 @@
           <a:srgbClr val="000000"/>
         </a:buClr>
         <a:buFont typeface="Arial"/>
-        <a:defRPr b="0" i="0" sz="1400" u="none" cap="none" strike="noStrike">
+        <a:defRPr sz="1400" b="0" i="0" u="none" strike="noStrike" cap="none">
           <a:solidFill>
             <a:srgbClr val="000000"/>
           </a:solidFill>
@@ -7758,7 +7848,7 @@
           <a:sym typeface="Arial"/>
         </a:defRPr>
       </a:lvl4pPr>
-      <a:lvl5pPr lvl="4" marR="0" rtl="0" algn="l">
+      <a:lvl5pPr marR="0" lvl="4" algn="l" rtl="0">
         <a:lnSpc>
           <a:spcPct val="100000"/>
         </a:lnSpc>
@@ -7772,7 +7862,7 @@
           <a:srgbClr val="000000"/>
         </a:buClr>
         <a:buFont typeface="Arial"/>
-        <a:defRPr b="0" i="0" sz="1400" u="none" cap="none" strike="noStrike">
+        <a:defRPr sz="1400" b="0" i="0" u="none" strike="noStrike" cap="none">
           <a:solidFill>
             <a:srgbClr val="000000"/>
           </a:solidFill>
@@ -7782,7 +7872,7 @@
           <a:sym typeface="Arial"/>
         </a:defRPr>
       </a:lvl5pPr>
-      <a:lvl6pPr lvl="5" marR="0" rtl="0" algn="l">
+      <a:lvl6pPr marR="0" lvl="5" algn="l" rtl="0">
         <a:lnSpc>
           <a:spcPct val="100000"/>
         </a:lnSpc>
@@ -7796,7 +7886,7 @@
           <a:srgbClr val="000000"/>
         </a:buClr>
         <a:buFont typeface="Arial"/>
-        <a:defRPr b="0" i="0" sz="1400" u="none" cap="none" strike="noStrike">
+        <a:defRPr sz="1400" b="0" i="0" u="none" strike="noStrike" cap="none">
           <a:solidFill>
             <a:srgbClr val="000000"/>
           </a:solidFill>
@@ -7806,7 +7896,7 @@
           <a:sym typeface="Arial"/>
         </a:defRPr>
       </a:lvl6pPr>
-      <a:lvl7pPr lvl="6" marR="0" rtl="0" algn="l">
+      <a:lvl7pPr marR="0" lvl="6" algn="l" rtl="0">
         <a:lnSpc>
           <a:spcPct val="100000"/>
         </a:lnSpc>
@@ -7820,7 +7910,7 @@
           <a:srgbClr val="000000"/>
         </a:buClr>
         <a:buFont typeface="Arial"/>
-        <a:defRPr b="0" i="0" sz="1400" u="none" cap="none" strike="noStrike">
+        <a:defRPr sz="1400" b="0" i="0" u="none" strike="noStrike" cap="none">
           <a:solidFill>
             <a:srgbClr val="000000"/>
           </a:solidFill>
@@ -7830,7 +7920,7 @@
           <a:sym typeface="Arial"/>
         </a:defRPr>
       </a:lvl7pPr>
-      <a:lvl8pPr lvl="7" marR="0" rtl="0" algn="l">
+      <a:lvl8pPr marR="0" lvl="7" algn="l" rtl="0">
         <a:lnSpc>
           <a:spcPct val="100000"/>
         </a:lnSpc>
@@ -7844,7 +7934,7 @@
           <a:srgbClr val="000000"/>
         </a:buClr>
         <a:buFont typeface="Arial"/>
-        <a:defRPr b="0" i="0" sz="1400" u="none" cap="none" strike="noStrike">
+        <a:defRPr sz="1400" b="0" i="0" u="none" strike="noStrike" cap="none">
           <a:solidFill>
             <a:srgbClr val="000000"/>
           </a:solidFill>
@@ -7854,7 +7944,7 @@
           <a:sym typeface="Arial"/>
         </a:defRPr>
       </a:lvl8pPr>
-      <a:lvl9pPr lvl="8" marR="0" rtl="0" algn="l">
+      <a:lvl9pPr marR="0" lvl="8" algn="l" rtl="0">
         <a:lnSpc>
           <a:spcPct val="100000"/>
         </a:lnSpc>
@@ -7868,7 +7958,7 @@
           <a:srgbClr val="000000"/>
         </a:buClr>
         <a:buFont typeface="Arial"/>
-        <a:defRPr b="0" i="0" sz="1400" u="none" cap="none" strike="noStrike">
+        <a:defRPr sz="1400" b="0" i="0" u="none" strike="noStrike" cap="none">
           <a:solidFill>
             <a:srgbClr val="000000"/>
           </a:solidFill>
@@ -7880,7 +7970,7 @@
       </a:lvl9pPr>
     </p:bodyStyle>
     <p:otherStyle>
-      <a:defPPr lvl="0" marR="0" rtl="0" algn="l">
+      <a:defPPr marR="0" lvl="0" algn="l" rtl="0">
         <a:lnSpc>
           <a:spcPct val="100000"/>
         </a:lnSpc>
@@ -7891,7 +7981,7 @@
           <a:spcPts val="0"/>
         </a:spcAft>
       </a:defPPr>
-      <a:lvl1pPr lvl="0" marR="0" rtl="0" algn="l">
+      <a:lvl1pPr marR="0" lvl="0" algn="l" rtl="0">
         <a:lnSpc>
           <a:spcPct val="100000"/>
         </a:lnSpc>
@@ -7905,7 +7995,7 @@
           <a:srgbClr val="000000"/>
         </a:buClr>
         <a:buFont typeface="Arial"/>
-        <a:defRPr b="0" i="0" sz="1400" u="none" cap="none" strike="noStrike">
+        <a:defRPr sz="1400" b="0" i="0" u="none" strike="noStrike" cap="none">
           <a:solidFill>
             <a:srgbClr val="000000"/>
           </a:solidFill>
@@ -7915,7 +8005,7 @@
           <a:sym typeface="Arial"/>
         </a:defRPr>
       </a:lvl1pPr>
-      <a:lvl2pPr lvl="1" marR="0" rtl="0" algn="l">
+      <a:lvl2pPr marR="0" lvl="1" algn="l" rtl="0">
         <a:lnSpc>
           <a:spcPct val="100000"/>
         </a:lnSpc>
@@ -7929,7 +8019,7 @@
           <a:srgbClr val="000000"/>
         </a:buClr>
         <a:buFont typeface="Arial"/>
-        <a:defRPr b="0" i="0" sz="1400" u="none" cap="none" strike="noStrike">
+        <a:defRPr sz="1400" b="0" i="0" u="none" strike="noStrike" cap="none">
           <a:solidFill>
             <a:srgbClr val="000000"/>
           </a:solidFill>
@@ -7939,7 +8029,7 @@
           <a:sym typeface="Arial"/>
         </a:defRPr>
       </a:lvl2pPr>
-      <a:lvl3pPr lvl="2" marR="0" rtl="0" algn="l">
+      <a:lvl3pPr marR="0" lvl="2" algn="l" rtl="0">
         <a:lnSpc>
           <a:spcPct val="100000"/>
         </a:lnSpc>
@@ -7953,7 +8043,7 @@
           <a:srgbClr val="000000"/>
         </a:buClr>
         <a:buFont typeface="Arial"/>
-        <a:defRPr b="0" i="0" sz="1400" u="none" cap="none" strike="noStrike">
+        <a:defRPr sz="1400" b="0" i="0" u="none" strike="noStrike" cap="none">
           <a:solidFill>
             <a:srgbClr val="000000"/>
           </a:solidFill>
@@ -7963,7 +8053,7 @@
           <a:sym typeface="Arial"/>
         </a:defRPr>
       </a:lvl3pPr>
-      <a:lvl4pPr lvl="3" marR="0" rtl="0" algn="l">
+      <a:lvl4pPr marR="0" lvl="3" algn="l" rtl="0">
         <a:lnSpc>
           <a:spcPct val="100000"/>
         </a:lnSpc>
@@ -7977,7 +8067,7 @@
           <a:srgbClr val="000000"/>
         </a:buClr>
         <a:buFont typeface="Arial"/>
-        <a:defRPr b="0" i="0" sz="1400" u="none" cap="none" strike="noStrike">
+        <a:defRPr sz="1400" b="0" i="0" u="none" strike="noStrike" cap="none">
           <a:solidFill>
             <a:srgbClr val="000000"/>
           </a:solidFill>
@@ -7987,7 +8077,7 @@
           <a:sym typeface="Arial"/>
         </a:defRPr>
       </a:lvl4pPr>
-      <a:lvl5pPr lvl="4" marR="0" rtl="0" algn="l">
+      <a:lvl5pPr marR="0" lvl="4" algn="l" rtl="0">
         <a:lnSpc>
           <a:spcPct val="100000"/>
         </a:lnSpc>
@@ -8001,7 +8091,7 @@
           <a:srgbClr val="000000"/>
         </a:buClr>
         <a:buFont typeface="Arial"/>
-        <a:defRPr b="0" i="0" sz="1400" u="none" cap="none" strike="noStrike">
+        <a:defRPr sz="1400" b="0" i="0" u="none" strike="noStrike" cap="none">
           <a:solidFill>
             <a:srgbClr val="000000"/>
           </a:solidFill>
@@ -8011,7 +8101,7 @@
           <a:sym typeface="Arial"/>
         </a:defRPr>
       </a:lvl5pPr>
-      <a:lvl6pPr lvl="5" marR="0" rtl="0" algn="l">
+      <a:lvl6pPr marR="0" lvl="5" algn="l" rtl="0">
         <a:lnSpc>
           <a:spcPct val="100000"/>
         </a:lnSpc>
@@ -8025,7 +8115,7 @@
           <a:srgbClr val="000000"/>
         </a:buClr>
         <a:buFont typeface="Arial"/>
-        <a:defRPr b="0" i="0" sz="1400" u="none" cap="none" strike="noStrike">
+        <a:defRPr sz="1400" b="0" i="0" u="none" strike="noStrike" cap="none">
           <a:solidFill>
             <a:srgbClr val="000000"/>
           </a:solidFill>
@@ -8035,7 +8125,7 @@
           <a:sym typeface="Arial"/>
         </a:defRPr>
       </a:lvl6pPr>
-      <a:lvl7pPr lvl="6" marR="0" rtl="0" algn="l">
+      <a:lvl7pPr marR="0" lvl="6" algn="l" rtl="0">
         <a:lnSpc>
           <a:spcPct val="100000"/>
         </a:lnSpc>
@@ -8049,7 +8139,7 @@
           <a:srgbClr val="000000"/>
         </a:buClr>
         <a:buFont typeface="Arial"/>
-        <a:defRPr b="0" i="0" sz="1400" u="none" cap="none" strike="noStrike">
+        <a:defRPr sz="1400" b="0" i="0" u="none" strike="noStrike" cap="none">
           <a:solidFill>
             <a:srgbClr val="000000"/>
           </a:solidFill>
@@ -8059,7 +8149,7 @@
           <a:sym typeface="Arial"/>
         </a:defRPr>
       </a:lvl7pPr>
-      <a:lvl8pPr lvl="7" marR="0" rtl="0" algn="l">
+      <a:lvl8pPr marR="0" lvl="7" algn="l" rtl="0">
         <a:lnSpc>
           <a:spcPct val="100000"/>
         </a:lnSpc>
@@ -8073,7 +8163,7 @@
           <a:srgbClr val="000000"/>
         </a:buClr>
         <a:buFont typeface="Arial"/>
-        <a:defRPr b="0" i="0" sz="1400" u="none" cap="none" strike="noStrike">
+        <a:defRPr sz="1400" b="0" i="0" u="none" strike="noStrike" cap="none">
           <a:solidFill>
             <a:srgbClr val="000000"/>
           </a:solidFill>
@@ -8083,7 +8173,7 @@
           <a:sym typeface="Arial"/>
         </a:defRPr>
       </a:lvl8pPr>
-      <a:lvl9pPr lvl="8" marR="0" rtl="0" algn="l">
+      <a:lvl9pPr marR="0" lvl="8" algn="l" rtl="0">
         <a:lnSpc>
           <a:spcPct val="100000"/>
         </a:lnSpc>
@@ -8097,7 +8187,7 @@
           <a:srgbClr val="000000"/>
         </a:buClr>
         <a:buFont typeface="Arial"/>
-        <a:defRPr b="0" i="0" sz="1400" u="none" cap="none" strike="noStrike">
+        <a:defRPr sz="1400" b="0" i="0" u="none" strike="noStrike" cap="none">
           <a:solidFill>
             <a:srgbClr val="000000"/>
           </a:solidFill>
@@ -8113,11 +8203,11 @@
 </file>
 
 <file path=ppt/slides/slide1.xml><?xml version="1.0" encoding="utf-8"?>
-<p:sld xmlns:a="http://schemas.openxmlformats.org/drawingml/2006/main" xmlns:r="http://schemas.openxmlformats.org/officeDocument/2006/relationships" xmlns:mc="http://schemas.openxmlformats.org/markup-compatibility/2006" xmlns:mv="urn:schemas-microsoft-com:mac:vml" xmlns:p="http://schemas.openxmlformats.org/presentationml/2006/main" xmlns:c="http://schemas.openxmlformats.org/drawingml/2006/chart" xmlns:dgm="http://schemas.openxmlformats.org/drawingml/2006/diagram" xmlns:o="urn:schemas-microsoft-com:office:office" xmlns:v="urn:schemas-microsoft-com:vml" xmlns:pvml="urn:schemas-microsoft-com:office:powerpoint" xmlns:com="http://schemas.openxmlformats.org/drawingml/2006/compatibility" xmlns:p14="http://schemas.microsoft.com/office/powerpoint/2010/main" xmlns:p15="http://schemas.microsoft.com/office/powerpoint/2012/main">
+<p:sld xmlns:a="http://schemas.openxmlformats.org/drawingml/2006/main" xmlns:r="http://schemas.openxmlformats.org/officeDocument/2006/relationships" xmlns:p="http://schemas.openxmlformats.org/presentationml/2006/main">
   <p:cSld>
     <p:spTree>
       <p:nvGrpSpPr>
-        <p:cNvPr id="85" name="Shape 85"/>
+        <p:cNvPr id="1" name="Shape 85"/>
         <p:cNvGrpSpPr/>
         <p:nvPr/>
       </p:nvGrpSpPr>
@@ -8132,7 +8222,9 @@
       <p:sp>
         <p:nvSpPr>
           <p:cNvPr id="86" name="Google Shape;86;p13"/>
-          <p:cNvSpPr txBox="1"/>
+          <p:cNvSpPr txBox="1">
+            <a:spLocks noGrp="1"/>
+          </p:cNvSpPr>
           <p:nvPr>
             <p:ph type="ctrTitle"/>
           </p:nvPr>
@@ -8146,7 +8238,7 @@
             <a:avLst/>
           </a:prstGeom>
           <a:effectLst>
-            <a:outerShdw blurRad="57150" rotWithShape="0" algn="bl" dir="5400000" dist="19050">
+            <a:outerShdw blurRad="57150" dist="19050" dir="5400000" algn="bl" rotWithShape="0">
               <a:srgbClr val="000000">
                 <a:alpha val="50000"/>
               </a:srgbClr>
@@ -8154,12 +8246,12 @@
           </a:effectLst>
         </p:spPr>
         <p:txBody>
-          <a:bodyPr anchorCtr="0" anchor="t" bIns="91425" lIns="91425" spcFirstLastPara="1" rIns="91425" wrap="square" tIns="91425">
+          <a:bodyPr spcFirstLastPara="1" wrap="square" lIns="91425" tIns="91425" rIns="91425" bIns="91425" anchor="t" anchorCtr="0">
             <a:noAutofit/>
           </a:bodyPr>
           <a:lstStyle/>
           <a:p>
-            <a:pPr indent="0" lvl="0" marL="0" rtl="0" algn="l">
+            <a:pPr marL="0" lvl="0" indent="0" algn="l" rtl="0">
               <a:spcBef>
                 <a:spcPts val="0"/>
               </a:spcBef>
@@ -8194,11 +8286,11 @@
 </file>
 
 <file path=ppt/slides/slide2.xml><?xml version="1.0" encoding="utf-8"?>
-<p:sld xmlns:a="http://schemas.openxmlformats.org/drawingml/2006/main" xmlns:r="http://schemas.openxmlformats.org/officeDocument/2006/relationships" xmlns:mc="http://schemas.openxmlformats.org/markup-compatibility/2006" xmlns:mv="urn:schemas-microsoft-com:mac:vml" xmlns:p="http://schemas.openxmlformats.org/presentationml/2006/main" xmlns:c="http://schemas.openxmlformats.org/drawingml/2006/chart" xmlns:dgm="http://schemas.openxmlformats.org/drawingml/2006/diagram" xmlns:o="urn:schemas-microsoft-com:office:office" xmlns:v="urn:schemas-microsoft-com:vml" xmlns:pvml="urn:schemas-microsoft-com:office:powerpoint" xmlns:com="http://schemas.openxmlformats.org/drawingml/2006/compatibility" xmlns:p14="http://schemas.microsoft.com/office/powerpoint/2010/main" xmlns:p15="http://schemas.microsoft.com/office/powerpoint/2012/main">
+<p:sld xmlns:a="http://schemas.openxmlformats.org/drawingml/2006/main" xmlns:r="http://schemas.openxmlformats.org/officeDocument/2006/relationships" xmlns:p="http://schemas.openxmlformats.org/presentationml/2006/main">
   <p:cSld>
     <p:spTree>
       <p:nvGrpSpPr>
-        <p:cNvPr id="90" name="Shape 90"/>
+        <p:cNvPr id="1" name="Shape 90"/>
         <p:cNvGrpSpPr/>
         <p:nvPr/>
       </p:nvGrpSpPr>
@@ -8213,7 +8305,9 @@
       <p:sp>
         <p:nvSpPr>
           <p:cNvPr id="91" name="Google Shape;91;p14"/>
-          <p:cNvSpPr txBox="1"/>
+          <p:cNvSpPr txBox="1">
+            <a:spLocks noGrp="1"/>
+          </p:cNvSpPr>
           <p:nvPr>
             <p:ph type="title"/>
           </p:nvPr>
@@ -8227,7 +8321,7 @@
             <a:avLst/>
           </a:prstGeom>
           <a:effectLst>
-            <a:outerShdw blurRad="57150" rotWithShape="0" algn="bl" dir="5400000" dist="19050">
+            <a:outerShdw blurRad="57150" dist="19050" dir="5400000" algn="bl" rotWithShape="0">
               <a:srgbClr val="000000">
                 <a:alpha val="50000"/>
               </a:srgbClr>
@@ -8235,12 +8329,12 @@
           </a:effectLst>
         </p:spPr>
         <p:txBody>
-          <a:bodyPr anchorCtr="0" anchor="t" bIns="91425" lIns="91425" spcFirstLastPara="1" rIns="91425" wrap="square" tIns="91425">
+          <a:bodyPr spcFirstLastPara="1" wrap="square" lIns="91425" tIns="91425" rIns="91425" bIns="91425" anchor="t" anchorCtr="0">
             <a:noAutofit/>
           </a:bodyPr>
           <a:lstStyle/>
           <a:p>
-            <a:pPr indent="0" lvl="0" marL="0" rtl="0" algn="l">
+            <a:pPr marL="0" lvl="0" indent="0" algn="l" rtl="0">
               <a:spcBef>
                 <a:spcPts val="0"/>
               </a:spcBef>
@@ -8260,9 +8354,11 @@
       <p:sp>
         <p:nvSpPr>
           <p:cNvPr id="92" name="Google Shape;92;p14"/>
-          <p:cNvSpPr txBox="1"/>
+          <p:cNvSpPr txBox="1">
+            <a:spLocks noGrp="1"/>
+          </p:cNvSpPr>
           <p:nvPr>
-            <p:ph idx="1" type="body"/>
+            <p:ph type="body" idx="1"/>
           </p:nvPr>
         </p:nvSpPr>
         <p:spPr>
@@ -8275,12 +8371,12 @@
           </a:prstGeom>
         </p:spPr>
         <p:txBody>
-          <a:bodyPr anchorCtr="0" anchor="t" bIns="91425" lIns="91425" spcFirstLastPara="1" rIns="91425" wrap="square" tIns="91425">
+          <a:bodyPr spcFirstLastPara="1" wrap="square" lIns="91425" tIns="91425" rIns="91425" bIns="91425" anchor="t" anchorCtr="0">
             <a:noAutofit/>
           </a:bodyPr>
           <a:lstStyle/>
           <a:p>
-            <a:pPr indent="-349250" lvl="0" marL="457200" rtl="0" algn="l">
+            <a:pPr marL="457200" lvl="0" indent="-349250" algn="l" rtl="0">
               <a:spcBef>
                 <a:spcPts val="0"/>
               </a:spcBef>
@@ -8297,7 +8393,7 @@
             <a:endParaRPr sz="1900"/>
           </a:p>
           <a:p>
-            <a:pPr indent="-317500" lvl="1" marL="914400" rtl="0" algn="l">
+            <a:pPr marL="914400" lvl="1" indent="-317500" algn="l" rtl="0">
               <a:spcBef>
                 <a:spcPts val="0"/>
               </a:spcBef>
@@ -8314,7 +8410,7 @@
             <a:endParaRPr sz="1400"/>
           </a:p>
           <a:p>
-            <a:pPr indent="-317500" lvl="1" marL="914400" rtl="0" algn="l">
+            <a:pPr marL="914400" lvl="1" indent="-317500" algn="l" rtl="0">
               <a:spcBef>
                 <a:spcPts val="0"/>
               </a:spcBef>
@@ -8331,7 +8427,7 @@
             <a:endParaRPr sz="1400"/>
           </a:p>
           <a:p>
-            <a:pPr indent="-349250" lvl="0" marL="457200" rtl="0" algn="l">
+            <a:pPr marL="457200" lvl="0" indent="-349250" algn="l" rtl="0">
               <a:spcBef>
                 <a:spcPts val="0"/>
               </a:spcBef>
@@ -8348,16 +8444,7 @@
                 <a:cs typeface="Courier New"/>
                 <a:sym typeface="Courier New"/>
               </a:rPr>
-              <a:t>l</a:t>
-            </a:r>
-            <a:r>
-              <a:rPr lang="en" sz="1900">
-                <a:latin typeface="Courier New"/>
-                <a:ea typeface="Courier New"/>
-                <a:cs typeface="Courier New"/>
-                <a:sym typeface="Courier New"/>
-              </a:rPr>
-              <a:t>s</a:t>
+              <a:t>ls</a:t>
             </a:r>
             <a:r>
               <a:rPr lang="en" sz="1900"/>
@@ -8366,7 +8453,7 @@
             <a:endParaRPr sz="1900"/>
           </a:p>
           <a:p>
-            <a:pPr indent="-349250" lvl="0" marL="457200" rtl="0" algn="l">
+            <a:pPr marL="457200" lvl="0" indent="-349250" algn="l" rtl="0">
               <a:spcBef>
                 <a:spcPts val="0"/>
               </a:spcBef>
@@ -8383,7 +8470,7 @@
             <a:endParaRPr sz="1400"/>
           </a:p>
           <a:p>
-            <a:pPr indent="0" lvl="0" marL="0" rtl="0" algn="l">
+            <a:pPr marL="0" lvl="0" indent="0" algn="l" rtl="0">
               <a:spcBef>
                 <a:spcPts val="1600"/>
               </a:spcBef>
@@ -8392,9 +8479,6 @@
               </a:spcAft>
               <a:buNone/>
             </a:pPr>
-            <a:r>
-              <a:t/>
-            </a:r>
             <a:endParaRPr sz="1400"/>
           </a:p>
         </p:txBody>
@@ -8408,11 +8492,11 @@
 </file>
 
 <file path=ppt/slides/slide3.xml><?xml version="1.0" encoding="utf-8"?>
-<p:sld xmlns:a="http://schemas.openxmlformats.org/drawingml/2006/main" xmlns:r="http://schemas.openxmlformats.org/officeDocument/2006/relationships" xmlns:mc="http://schemas.openxmlformats.org/markup-compatibility/2006" xmlns:mv="urn:schemas-microsoft-com:mac:vml" xmlns:p="http://schemas.openxmlformats.org/presentationml/2006/main" xmlns:c="http://schemas.openxmlformats.org/drawingml/2006/chart" xmlns:dgm="http://schemas.openxmlformats.org/drawingml/2006/diagram" xmlns:o="urn:schemas-microsoft-com:office:office" xmlns:v="urn:schemas-microsoft-com:vml" xmlns:pvml="urn:schemas-microsoft-com:office:powerpoint" xmlns:com="http://schemas.openxmlformats.org/drawingml/2006/compatibility" xmlns:p14="http://schemas.microsoft.com/office/powerpoint/2010/main" xmlns:p15="http://schemas.microsoft.com/office/powerpoint/2012/main">
+<p:sld xmlns:a="http://schemas.openxmlformats.org/drawingml/2006/main" xmlns:r="http://schemas.openxmlformats.org/officeDocument/2006/relationships" xmlns:p="http://schemas.openxmlformats.org/presentationml/2006/main">
   <p:cSld>
     <p:spTree>
       <p:nvGrpSpPr>
-        <p:cNvPr id="96" name="Shape 96"/>
+        <p:cNvPr id="1" name="Shape 96"/>
         <p:cNvGrpSpPr/>
         <p:nvPr/>
       </p:nvGrpSpPr>
@@ -8427,7 +8511,9 @@
       <p:sp>
         <p:nvSpPr>
           <p:cNvPr id="97" name="Google Shape;97;p15"/>
-          <p:cNvSpPr txBox="1"/>
+          <p:cNvSpPr txBox="1">
+            <a:spLocks noGrp="1"/>
+          </p:cNvSpPr>
           <p:nvPr>
             <p:ph type="title"/>
           </p:nvPr>
@@ -8442,12 +8528,12 @@
           </a:prstGeom>
         </p:spPr>
         <p:txBody>
-          <a:bodyPr anchorCtr="0" anchor="t" bIns="91425" lIns="91425" spcFirstLastPara="1" rIns="91425" wrap="square" tIns="91425">
+          <a:bodyPr spcFirstLastPara="1" wrap="square" lIns="91425" tIns="91425" rIns="91425" bIns="91425" anchor="t" anchorCtr="0">
             <a:noAutofit/>
           </a:bodyPr>
           <a:lstStyle/>
           <a:p>
-            <a:pPr indent="0" lvl="0" marL="0" rtl="0" algn="l">
+            <a:pPr marL="0" lvl="0" indent="0" algn="l" rtl="0">
               <a:spcBef>
                 <a:spcPts val="0"/>
               </a:spcBef>
@@ -8467,9 +8553,11 @@
       <p:sp>
         <p:nvSpPr>
           <p:cNvPr id="98" name="Google Shape;98;p15"/>
-          <p:cNvSpPr txBox="1"/>
+          <p:cNvSpPr txBox="1">
+            <a:spLocks noGrp="1"/>
+          </p:cNvSpPr>
           <p:nvPr>
-            <p:ph idx="1" type="body"/>
+            <p:ph type="body" idx="1"/>
           </p:nvPr>
         </p:nvSpPr>
         <p:spPr>
@@ -8482,12 +8570,12 @@
           </a:prstGeom>
         </p:spPr>
         <p:txBody>
-          <a:bodyPr anchorCtr="0" anchor="t" bIns="91425" lIns="91425" spcFirstLastPara="1" rIns="91425" wrap="square" tIns="182875">
+          <a:bodyPr spcFirstLastPara="1" wrap="square" lIns="91425" tIns="182875" rIns="91425" bIns="91425" anchor="t" anchorCtr="0">
             <a:noAutofit/>
           </a:bodyPr>
           <a:lstStyle/>
           <a:p>
-            <a:pPr indent="0" lvl="0" marL="0" rtl="0" algn="l">
+            <a:pPr marL="0" lvl="0" indent="0" algn="l" rtl="0">
               <a:lnSpc>
                 <a:spcPct val="20000"/>
               </a:lnSpc>
@@ -8506,7 +8594,7 @@
             <a:endParaRPr/>
           </a:p>
           <a:p>
-            <a:pPr indent="0" lvl="0" marL="0" rtl="0" algn="l">
+            <a:pPr marL="0" lvl="0" indent="0" algn="l" rtl="0">
               <a:lnSpc>
                 <a:spcPct val="20000"/>
               </a:lnSpc>
@@ -8525,7 +8613,7 @@
             <a:endParaRPr/>
           </a:p>
           <a:p>
-            <a:pPr indent="-311150" lvl="0" marL="457200" rtl="0" algn="l">
+            <a:pPr marL="457200" lvl="0" indent="-311150" algn="l" rtl="0">
               <a:lnSpc>
                 <a:spcPct val="20000"/>
               </a:lnSpc>
@@ -8545,7 +8633,7 @@
             <a:endParaRPr/>
           </a:p>
           <a:p>
-            <a:pPr indent="0" lvl="0" marL="914400" rtl="0" algn="l">
+            <a:pPr marL="914400" lvl="0" indent="0" algn="l" rtl="0">
               <a:lnSpc>
                 <a:spcPct val="20000"/>
               </a:lnSpc>
@@ -8564,7 +8652,7 @@
             <a:endParaRPr/>
           </a:p>
           <a:p>
-            <a:pPr indent="0" lvl="0" marL="914400" rtl="0" algn="l">
+            <a:pPr marL="914400" lvl="0" indent="0" algn="l" rtl="0">
               <a:lnSpc>
                 <a:spcPct val="20000"/>
               </a:lnSpc>
@@ -8581,11 +8669,11 @@
               <a:t>Absolute path starts with the symbol of root directory </a:t>
             </a:r>
             <a:r>
-              <a:rPr b="1" lang="en"/>
+              <a:rPr lang="en" b="1"/>
               <a:t> </a:t>
             </a:r>
             <a:r>
-              <a:rPr b="1" lang="en">
+              <a:rPr lang="en" b="1">
                 <a:latin typeface="Courier New"/>
                 <a:ea typeface="Courier New"/>
                 <a:cs typeface="Courier New"/>
@@ -8601,7 +8689,7 @@
             </a:endParaRPr>
           </a:p>
           <a:p>
-            <a:pPr indent="0" lvl="0" marL="914400" rtl="0" algn="l">
+            <a:pPr marL="914400" lvl="0" indent="0" algn="l" rtl="0">
               <a:lnSpc>
                 <a:spcPct val="20000"/>
               </a:lnSpc>
@@ -8634,7 +8722,7 @@
             </a:endParaRPr>
           </a:p>
           <a:p>
-            <a:pPr indent="0" lvl="0" marL="914400" rtl="0" algn="l">
+            <a:pPr marL="914400" lvl="0" indent="0" algn="l" rtl="0">
               <a:lnSpc>
                 <a:spcPct val="20000"/>
               </a:lnSpc>
@@ -8663,7 +8751,7 @@
             </a:endParaRPr>
           </a:p>
           <a:p>
-            <a:pPr indent="0" lvl="0" marL="914400" rtl="0" algn="l">
+            <a:pPr marL="914400" lvl="0" indent="0" algn="l" rtl="0">
               <a:lnSpc>
                 <a:spcPct val="20000"/>
               </a:lnSpc>
@@ -8702,11 +8790,11 @@
 </file>
 
 <file path=ppt/slides/slide4.xml><?xml version="1.0" encoding="utf-8"?>
-<p:sld xmlns:a="http://schemas.openxmlformats.org/drawingml/2006/main" xmlns:r="http://schemas.openxmlformats.org/officeDocument/2006/relationships" xmlns:mc="http://schemas.openxmlformats.org/markup-compatibility/2006" xmlns:mv="urn:schemas-microsoft-com:mac:vml" xmlns:p="http://schemas.openxmlformats.org/presentationml/2006/main" xmlns:c="http://schemas.openxmlformats.org/drawingml/2006/chart" xmlns:dgm="http://schemas.openxmlformats.org/drawingml/2006/diagram" xmlns:o="urn:schemas-microsoft-com:office:office" xmlns:v="urn:schemas-microsoft-com:vml" xmlns:pvml="urn:schemas-microsoft-com:office:powerpoint" xmlns:com="http://schemas.openxmlformats.org/drawingml/2006/compatibility" xmlns:p14="http://schemas.microsoft.com/office/powerpoint/2010/main" xmlns:p15="http://schemas.microsoft.com/office/powerpoint/2012/main">
+<p:sld xmlns:a="http://schemas.openxmlformats.org/drawingml/2006/main" xmlns:r="http://schemas.openxmlformats.org/officeDocument/2006/relationships" xmlns:p="http://schemas.openxmlformats.org/presentationml/2006/main">
   <p:cSld>
     <p:spTree>
       <p:nvGrpSpPr>
-        <p:cNvPr id="102" name="Shape 102"/>
+        <p:cNvPr id="1" name="Shape 102"/>
         <p:cNvGrpSpPr/>
         <p:nvPr/>
       </p:nvGrpSpPr>
@@ -8721,9 +8809,11 @@
       <p:sp>
         <p:nvSpPr>
           <p:cNvPr id="103" name="Google Shape;103;p16"/>
-          <p:cNvSpPr txBox="1"/>
+          <p:cNvSpPr txBox="1">
+            <a:spLocks noGrp="1"/>
+          </p:cNvSpPr>
           <p:nvPr>
-            <p:ph idx="1" type="body"/>
+            <p:ph type="body" idx="1"/>
           </p:nvPr>
         </p:nvSpPr>
         <p:spPr>
@@ -8736,12 +8826,12 @@
           </a:prstGeom>
         </p:spPr>
         <p:txBody>
-          <a:bodyPr anchorCtr="0" anchor="t" bIns="91425" lIns="91425" spcFirstLastPara="1" rIns="91425" wrap="square" tIns="182875">
+          <a:bodyPr spcFirstLastPara="1" wrap="square" lIns="91425" tIns="182875" rIns="91425" bIns="91425" anchor="t" anchorCtr="0">
             <a:noAutofit/>
           </a:bodyPr>
           <a:lstStyle/>
           <a:p>
-            <a:pPr indent="-311150" lvl="0" marL="457200" rtl="0" algn="l">
+            <a:pPr marL="457200" lvl="0" indent="-311150" algn="l" rtl="0">
               <a:lnSpc>
                 <a:spcPct val="50000"/>
               </a:lnSpc>
@@ -8755,7 +8845,7 @@
               <a:buChar char="●"/>
             </a:pPr>
             <a:r>
-              <a:rPr b="1" lang="en"/>
+              <a:rPr lang="en" b="1"/>
               <a:t>Relative Path </a:t>
             </a:r>
             <a:r>
@@ -8765,7 +8855,7 @@
             <a:endParaRPr/>
           </a:p>
           <a:p>
-            <a:pPr indent="0" lvl="0" marL="914400" rtl="0" algn="l">
+            <a:pPr marL="914400" lvl="0" indent="0" algn="l" rtl="0">
               <a:lnSpc>
                 <a:spcPct val="50000"/>
               </a:lnSpc>
@@ -8784,7 +8874,7 @@
             <a:endParaRPr/>
           </a:p>
           <a:p>
-            <a:pPr indent="0" lvl="0" marL="0" rtl="0" algn="l">
+            <a:pPr marL="0" lvl="0" indent="0" algn="l" rtl="0">
               <a:lnSpc>
                 <a:spcPct val="50000"/>
               </a:lnSpc>
@@ -8803,7 +8893,7 @@
             <a:endParaRPr/>
           </a:p>
           <a:p>
-            <a:pPr indent="0" lvl="0" marL="0" rtl="0" algn="l">
+            <a:pPr marL="0" lvl="0" indent="0" algn="l" rtl="0">
               <a:lnSpc>
                 <a:spcPct val="50000"/>
               </a:lnSpc>
@@ -8822,7 +8912,7 @@
             <a:endParaRPr/>
           </a:p>
           <a:p>
-            <a:pPr indent="0" lvl="0" marL="0" rtl="0" algn="l">
+            <a:pPr marL="0" lvl="0" indent="0" algn="l" rtl="0">
               <a:lnSpc>
                 <a:spcPct val="50000"/>
               </a:lnSpc>
@@ -8860,8 +8950,20 @@
                 <a:tableStyleId>{8E2745E4-F09C-469F-8119-050071F62432}</a:tableStyleId>
               </a:tblPr>
               <a:tblGrid>
-                <a:gridCol w="1554625"/>
-                <a:gridCol w="4410825"/>
+                <a:gridCol w="1554625">
+                  <a:extLst>
+                    <a:ext uri="{9D8B030D-6E8A-4147-A177-3AD203B41FA5}">
+                      <a16:colId xmlns:a16="http://schemas.microsoft.com/office/drawing/2014/main" val="20000"/>
+                    </a:ext>
+                  </a:extLst>
+                </a:gridCol>
+                <a:gridCol w="4410825">
+                  <a:extLst>
+                    <a:ext uri="{9D8B030D-6E8A-4147-A177-3AD203B41FA5}">
+                      <a16:colId xmlns:a16="http://schemas.microsoft.com/office/drawing/2014/main" val="20001"/>
+                    </a:ext>
+                  </a:extLst>
+                </a:gridCol>
               </a:tblGrid>
               <a:tr h="349025">
                 <a:tc>
@@ -8869,7 +8971,7 @@
                     <a:bodyPr/>
                     <a:lstStyle/>
                     <a:p>
-                      <a:pPr indent="0" lvl="0" marL="0" rtl="0" algn="ctr">
+                      <a:pPr marL="0" lvl="0" indent="0" algn="ctr" rtl="0">
                         <a:spcBef>
                           <a:spcPts val="0"/>
                         </a:spcBef>
@@ -8879,20 +8981,20 @@
                         <a:buNone/>
                       </a:pPr>
                       <a:r>
-                        <a:rPr b="1" lang="en"/>
+                        <a:rPr lang="en" b="1"/>
                         <a:t>Symbol</a:t>
                       </a:r>
                       <a:endParaRPr b="1"/>
                     </a:p>
                   </a:txBody>
-                  <a:tcPr marT="91425" marB="91425" marR="91425" marL="91425"/>
+                  <a:tcPr marL="91425" marR="91425" marT="91425" marB="91425"/>
                 </a:tc>
                 <a:tc>
                   <a:txBody>
                     <a:bodyPr/>
                     <a:lstStyle/>
                     <a:p>
-                      <a:pPr indent="0" lvl="0" marL="0" rtl="0" algn="ctr">
+                      <a:pPr marL="0" lvl="0" indent="0" algn="ctr" rtl="0">
                         <a:spcBef>
                           <a:spcPts val="0"/>
                         </a:spcBef>
@@ -8902,14 +9004,19 @@
                         <a:buNone/>
                       </a:pPr>
                       <a:r>
-                        <a:rPr b="1" lang="en"/>
+                        <a:rPr lang="en" b="1"/>
                         <a:t>Meaning</a:t>
                       </a:r>
                       <a:endParaRPr b="1"/>
                     </a:p>
                   </a:txBody>
-                  <a:tcPr marT="91425" marB="91425" marR="91425" marL="91425"/>
+                  <a:tcPr marL="91425" marR="91425" marT="91425" marB="91425"/>
                 </a:tc>
+                <a:extLst>
+                  <a:ext uri="{0D108BD9-81ED-4DB2-BD59-A6C34878D82A}">
+                    <a16:rowId xmlns:a16="http://schemas.microsoft.com/office/drawing/2014/main" val="10000"/>
+                  </a:ext>
+                </a:extLst>
               </a:tr>
               <a:tr h="1552675">
                 <a:tc>
@@ -8917,7 +9024,7 @@
                     <a:bodyPr/>
                     <a:lstStyle/>
                     <a:p>
-                      <a:pPr indent="0" lvl="0" marL="0" rtl="0" algn="ctr">
+                      <a:pPr marL="0" lvl="0" indent="0" algn="ctr" rtl="0">
                         <a:spcBef>
                           <a:spcPts val="0"/>
                         </a:spcBef>
@@ -8927,7 +9034,7 @@
                         <a:buNone/>
                       </a:pPr>
                       <a:r>
-                        <a:rPr b="1" lang="en" sz="1500">
+                        <a:rPr lang="en" sz="1500" b="1">
                           <a:latin typeface="Courier New"/>
                           <a:ea typeface="Courier New"/>
                           <a:cs typeface="Courier New"/>
@@ -8935,7 +9042,7 @@
                         </a:rPr>
                         <a:t>.</a:t>
                       </a:r>
-                      <a:endParaRPr b="1" sz="1500">
+                      <a:endParaRPr sz="1500" b="1">
                         <a:latin typeface="Courier New"/>
                         <a:ea typeface="Courier New"/>
                         <a:cs typeface="Courier New"/>
@@ -8943,7 +9050,7 @@
                       </a:endParaRPr>
                     </a:p>
                     <a:p>
-                      <a:pPr indent="0" lvl="0" marL="0" rtl="0" algn="ctr">
+                      <a:pPr marL="0" lvl="0" indent="0" algn="ctr" rtl="0">
                         <a:spcBef>
                           <a:spcPts val="0"/>
                         </a:spcBef>
@@ -8953,7 +9060,7 @@
                         <a:buNone/>
                       </a:pPr>
                       <a:r>
-                        <a:rPr b="1" lang="en" sz="1500">
+                        <a:rPr lang="en" sz="1500" b="1">
                           <a:latin typeface="Courier New"/>
                           <a:ea typeface="Courier New"/>
                           <a:cs typeface="Courier New"/>
@@ -8961,7 +9068,7 @@
                         </a:rPr>
                         <a:t>..</a:t>
                       </a:r>
-                      <a:endParaRPr b="1" sz="1500">
+                      <a:endParaRPr sz="1500" b="1">
                         <a:latin typeface="Courier New"/>
                         <a:ea typeface="Courier New"/>
                         <a:cs typeface="Courier New"/>
@@ -8969,7 +9076,24 @@
                       </a:endParaRPr>
                     </a:p>
                     <a:p>
-                      <a:pPr indent="0" lvl="0" marL="0" rtl="0" algn="l">
+                      <a:pPr marL="0" lvl="0" indent="0" algn="l" rtl="0">
+                        <a:spcBef>
+                          <a:spcPts val="0"/>
+                        </a:spcBef>
+                        <a:spcAft>
+                          <a:spcPts val="0"/>
+                        </a:spcAft>
+                        <a:buNone/>
+                      </a:pPr>
+                      <a:endParaRPr sz="1200" b="1">
+                        <a:latin typeface="Courier New"/>
+                        <a:ea typeface="Courier New"/>
+                        <a:cs typeface="Courier New"/>
+                        <a:sym typeface="Courier New"/>
+                      </a:endParaRPr>
+                    </a:p>
+                    <a:p>
+                      <a:pPr marL="0" lvl="0" indent="0" algn="ctr" rtl="0">
                         <a:spcBef>
                           <a:spcPts val="0"/>
                         </a:spcBef>
@@ -8979,9 +9103,15 @@
                         <a:buNone/>
                       </a:pPr>
                       <a:r>
-                        <a:t/>
+                        <a:rPr lang="en" sz="1600" b="1">
+                          <a:latin typeface="Courier New"/>
+                          <a:ea typeface="Courier New"/>
+                          <a:cs typeface="Courier New"/>
+                          <a:sym typeface="Courier New"/>
+                        </a:rPr>
+                        <a:t>~</a:t>
                       </a:r>
-                      <a:endParaRPr b="1" sz="1200">
+                      <a:endParaRPr sz="1600" b="1">
                         <a:latin typeface="Courier New"/>
                         <a:ea typeface="Courier New"/>
                         <a:cs typeface="Courier New"/>
@@ -8989,7 +9119,7 @@
                       </a:endParaRPr>
                     </a:p>
                     <a:p>
-                      <a:pPr indent="0" lvl="0" marL="0" rtl="0" algn="ctr">
+                      <a:pPr marL="0" lvl="0" indent="0" algn="ctr" rtl="0">
                         <a:spcBef>
                           <a:spcPts val="0"/>
                         </a:spcBef>
@@ -8999,15 +9129,15 @@
                         <a:buNone/>
                       </a:pPr>
                       <a:r>
-                        <a:rPr b="1" lang="en" sz="1600">
+                        <a:rPr lang="en" sz="1600" b="1">
                           <a:latin typeface="Courier New"/>
                           <a:ea typeface="Courier New"/>
                           <a:cs typeface="Courier New"/>
                           <a:sym typeface="Courier New"/>
                         </a:rPr>
-                        <a:t>~</a:t>
+                        <a:t>/</a:t>
                       </a:r>
-                      <a:endParaRPr b="1" sz="1600">
+                      <a:endParaRPr sz="1600" b="1">
                         <a:latin typeface="Courier New"/>
                         <a:ea typeface="Courier New"/>
                         <a:cs typeface="Courier New"/>
@@ -9015,7 +9145,7 @@
                       </a:endParaRPr>
                     </a:p>
                     <a:p>
-                      <a:pPr indent="0" lvl="0" marL="0" rtl="0" algn="ctr">
+                      <a:pPr marL="0" lvl="0" indent="0" algn="ctr" rtl="0">
                         <a:spcBef>
                           <a:spcPts val="0"/>
                         </a:spcBef>
@@ -9024,36 +9154,7 @@
                         </a:spcAft>
                         <a:buNone/>
                       </a:pPr>
-                      <a:r>
-                        <a:rPr b="1" lang="en" sz="1600">
-                          <a:latin typeface="Courier New"/>
-                          <a:ea typeface="Courier New"/>
-                          <a:cs typeface="Courier New"/>
-                          <a:sym typeface="Courier New"/>
-                        </a:rPr>
-                        <a:t>/</a:t>
-                      </a:r>
-                      <a:endParaRPr b="1" sz="1600">
-                        <a:latin typeface="Courier New"/>
-                        <a:ea typeface="Courier New"/>
-                        <a:cs typeface="Courier New"/>
-                        <a:sym typeface="Courier New"/>
-                      </a:endParaRPr>
-                    </a:p>
-                    <a:p>
-                      <a:pPr indent="0" lvl="0" marL="0" rtl="0" algn="ctr">
-                        <a:spcBef>
-                          <a:spcPts val="0"/>
-                        </a:spcBef>
-                        <a:spcAft>
-                          <a:spcPts val="0"/>
-                        </a:spcAft>
-                        <a:buNone/>
-                      </a:pPr>
-                      <a:r>
-                        <a:t/>
-                      </a:r>
-                      <a:endParaRPr b="1" sz="1600">
+                      <a:endParaRPr sz="1600" b="1">
                         <a:latin typeface="Courier New"/>
                         <a:ea typeface="Courier New"/>
                         <a:cs typeface="Courier New"/>
@@ -9061,14 +9162,14 @@
                       </a:endParaRPr>
                     </a:p>
                   </a:txBody>
-                  <a:tcPr marT="91425" marB="91425" marR="91425" marL="91425"/>
+                  <a:tcPr marL="91425" marR="91425" marT="91425" marB="91425"/>
                 </a:tc>
                 <a:tc>
                   <a:txBody>
                     <a:bodyPr/>
                     <a:lstStyle/>
                     <a:p>
-                      <a:pPr indent="0" lvl="0" marL="0" rtl="0" algn="l">
+                      <a:pPr marL="0" lvl="0" indent="0" algn="l" rtl="0">
                         <a:spcBef>
                           <a:spcPts val="0"/>
                         </a:spcBef>
@@ -9094,7 +9195,7 @@
                       </a:endParaRPr>
                     </a:p>
                     <a:p>
-                      <a:pPr indent="0" lvl="0" marL="0" rtl="0" algn="l">
+                      <a:pPr marL="0" lvl="0" indent="0" algn="l" rtl="0">
                         <a:spcBef>
                           <a:spcPts val="0"/>
                         </a:spcBef>
@@ -9120,7 +9221,7 @@
                       </a:endParaRPr>
                     </a:p>
                     <a:p>
-                      <a:pPr indent="0" lvl="0" marL="0" rtl="0" algn="l">
+                      <a:pPr marL="0" lvl="0" indent="0" algn="l" rtl="0">
                         <a:spcBef>
                           <a:spcPts val="0"/>
                         </a:spcBef>
@@ -9146,7 +9247,7 @@
                       </a:endParaRPr>
                     </a:p>
                     <a:p>
-                      <a:pPr indent="0" lvl="0" marL="0" rtl="0" algn="l">
+                      <a:pPr marL="0" lvl="0" indent="0" algn="l" rtl="0">
                         <a:spcBef>
                           <a:spcPts val="0"/>
                         </a:spcBef>
@@ -9172,7 +9273,7 @@
                       </a:endParaRPr>
                     </a:p>
                     <a:p>
-                      <a:pPr indent="0" lvl="0" marL="0" rtl="0" algn="l">
+                      <a:pPr marL="0" lvl="0" indent="0" algn="l" rtl="0">
                         <a:spcBef>
                           <a:spcPts val="0"/>
                         </a:spcBef>
@@ -9181,9 +9282,6 @@
                         </a:spcAft>
                         <a:buNone/>
                       </a:pPr>
-                      <a:r>
-                        <a:t/>
-                      </a:r>
                       <a:endParaRPr sz="1500">
                         <a:latin typeface="Lato"/>
                         <a:ea typeface="Lato"/>
@@ -9192,7 +9290,7 @@
                       </a:endParaRPr>
                     </a:p>
                     <a:p>
-                      <a:pPr indent="0" lvl="0" marL="0" rtl="0" algn="l">
+                      <a:pPr marL="0" lvl="0" indent="0" algn="l" rtl="0">
                         <a:spcBef>
                           <a:spcPts val="0"/>
                         </a:spcBef>
@@ -9201,14 +9299,16 @@
                         </a:spcAft>
                         <a:buNone/>
                       </a:pPr>
-                      <a:r>
-                        <a:t/>
-                      </a:r>
                       <a:endParaRPr/>
                     </a:p>
                   </a:txBody>
-                  <a:tcPr marT="91425" marB="91425" marR="91425" marL="91425"/>
+                  <a:tcPr marL="91425" marR="91425" marT="91425" marB="91425"/>
                 </a:tc>
+                <a:extLst>
+                  <a:ext uri="{0D108BD9-81ED-4DB2-BD59-A6C34878D82A}">
+                    <a16:rowId xmlns:a16="http://schemas.microsoft.com/office/drawing/2014/main" val="10001"/>
+                  </a:ext>
+                </a:extLst>
               </a:tr>
             </a:tbl>
           </a:graphicData>
@@ -9223,11 +9323,11 @@
 </file>
 
 <file path=ppt/slides/slide5.xml><?xml version="1.0" encoding="utf-8"?>
-<p:sld xmlns:a="http://schemas.openxmlformats.org/drawingml/2006/main" xmlns:r="http://schemas.openxmlformats.org/officeDocument/2006/relationships" xmlns:mc="http://schemas.openxmlformats.org/markup-compatibility/2006" xmlns:mv="urn:schemas-microsoft-com:mac:vml" xmlns:p="http://schemas.openxmlformats.org/presentationml/2006/main" xmlns:c="http://schemas.openxmlformats.org/drawingml/2006/chart" xmlns:dgm="http://schemas.openxmlformats.org/drawingml/2006/diagram" xmlns:o="urn:schemas-microsoft-com:office:office" xmlns:v="urn:schemas-microsoft-com:vml" xmlns:pvml="urn:schemas-microsoft-com:office:powerpoint" xmlns:com="http://schemas.openxmlformats.org/drawingml/2006/compatibility" xmlns:p14="http://schemas.microsoft.com/office/powerpoint/2010/main" xmlns:p15="http://schemas.microsoft.com/office/powerpoint/2012/main">
+<p:sld xmlns:a="http://schemas.openxmlformats.org/drawingml/2006/main" xmlns:r="http://schemas.openxmlformats.org/officeDocument/2006/relationships" xmlns:p="http://schemas.openxmlformats.org/presentationml/2006/main">
   <p:cSld>
     <p:spTree>
       <p:nvGrpSpPr>
-        <p:cNvPr id="108" name="Shape 108"/>
+        <p:cNvPr id="1" name="Shape 108"/>
         <p:cNvGrpSpPr/>
         <p:nvPr/>
       </p:nvGrpSpPr>
@@ -9242,9 +9342,11 @@
       <p:sp>
         <p:nvSpPr>
           <p:cNvPr id="109" name="Google Shape;109;p17"/>
-          <p:cNvSpPr txBox="1"/>
+          <p:cNvSpPr txBox="1">
+            <a:spLocks noGrp="1"/>
+          </p:cNvSpPr>
           <p:nvPr>
-            <p:ph idx="1" type="body"/>
+            <p:ph type="body" idx="1"/>
           </p:nvPr>
         </p:nvSpPr>
         <p:spPr>
@@ -9257,12 +9359,12 @@
           </a:prstGeom>
         </p:spPr>
         <p:txBody>
-          <a:bodyPr anchorCtr="0" anchor="t" bIns="91425" lIns="91425" spcFirstLastPara="1" rIns="91425" wrap="square" tIns="182875">
+          <a:bodyPr spcFirstLastPara="1" wrap="square" lIns="91425" tIns="182875" rIns="91425" bIns="91425" anchor="t" anchorCtr="0">
             <a:noAutofit/>
           </a:bodyPr>
           <a:lstStyle/>
           <a:p>
-            <a:pPr indent="0" lvl="0" marL="0" rtl="0" algn="l">
+            <a:pPr marL="0" lvl="0" indent="0" algn="l" rtl="0">
               <a:lnSpc>
                 <a:spcPct val="50000"/>
               </a:lnSpc>
@@ -9275,13 +9377,13 @@
               <a:buNone/>
             </a:pPr>
             <a:r>
-              <a:rPr b="1" lang="en" sz="1500"/>
+              <a:rPr lang="en" sz="1500" b="1" dirty="0"/>
               <a:t>Examples for relative path:</a:t>
             </a:r>
-            <a:endParaRPr b="1" sz="1500"/>
-          </a:p>
-          <a:p>
-            <a:pPr indent="0" lvl="0" marL="457200" rtl="0" algn="l">
+            <a:endParaRPr sz="1500" b="1" dirty="0"/>
+          </a:p>
+          <a:p>
+            <a:pPr marL="457200" lvl="0" indent="0" algn="l" rtl="0">
               <a:lnSpc>
                 <a:spcPct val="50000"/>
               </a:lnSpc>
@@ -9294,8 +9396,162 @@
               <a:buNone/>
             </a:pPr>
             <a:r>
-              <a:rPr b="1" lang="en"/>
+              <a:rPr lang="en" b="1" dirty="0"/>
               <a:t>Pwd:  </a:t>
+            </a:r>
+            <a:r>
+              <a:rPr lang="en" dirty="0">
+                <a:latin typeface="Courier New"/>
+                <a:ea typeface="Courier New"/>
+                <a:cs typeface="Courier New"/>
+                <a:sym typeface="Courier New"/>
+              </a:rPr>
+              <a:t>/home/kkarthikr002</a:t>
+            </a:r>
+            <a:endParaRPr dirty="0">
+              <a:latin typeface="Courier New"/>
+              <a:ea typeface="Courier New"/>
+              <a:cs typeface="Courier New"/>
+              <a:sym typeface="Courier New"/>
+            </a:endParaRPr>
+          </a:p>
+          <a:p>
+            <a:pPr marL="457200" lvl="0" indent="0" algn="l" rtl="0">
+              <a:lnSpc>
+                <a:spcPct val="50000"/>
+              </a:lnSpc>
+              <a:spcBef>
+                <a:spcPts val="1600"/>
+              </a:spcBef>
+              <a:spcAft>
+                <a:spcPts val="0"/>
+              </a:spcAft>
+              <a:buNone/>
+            </a:pPr>
+            <a:r>
+              <a:rPr lang="en" dirty="0">
+                <a:latin typeface="Courier New"/>
+                <a:ea typeface="Courier New"/>
+                <a:cs typeface="Courier New"/>
+                <a:sym typeface="Courier New"/>
+              </a:rPr>
+              <a:t>/home directory 			:	.. or ../</a:t>
+            </a:r>
+            <a:endParaRPr dirty="0">
+              <a:latin typeface="Courier New"/>
+              <a:ea typeface="Courier New"/>
+              <a:cs typeface="Courier New"/>
+              <a:sym typeface="Courier New"/>
+            </a:endParaRPr>
+          </a:p>
+          <a:p>
+            <a:pPr marL="457200" lvl="0" indent="0" algn="l" rtl="0">
+              <a:lnSpc>
+                <a:spcPct val="50000"/>
+              </a:lnSpc>
+              <a:spcBef>
+                <a:spcPts val="1600"/>
+              </a:spcBef>
+              <a:spcAft>
+                <a:spcPts val="0"/>
+              </a:spcAft>
+              <a:buNone/>
+            </a:pPr>
+            <a:r>
+              <a:rPr lang="en" dirty="0">
+                <a:latin typeface="Courier New"/>
+                <a:ea typeface="Courier New"/>
+                <a:cs typeface="Courier New"/>
+                <a:sym typeface="Courier New"/>
+              </a:rPr>
+              <a:t>Root directory			:	../..</a:t>
+            </a:r>
+            <a:endParaRPr dirty="0">
+              <a:latin typeface="Courier New"/>
+              <a:ea typeface="Courier New"/>
+              <a:cs typeface="Courier New"/>
+              <a:sym typeface="Courier New"/>
+            </a:endParaRPr>
+          </a:p>
+          <a:p>
+            <a:pPr marL="457200" lvl="0" indent="0" algn="l" rtl="0">
+              <a:lnSpc>
+                <a:spcPct val="50000"/>
+              </a:lnSpc>
+              <a:spcBef>
+                <a:spcPts val="1600"/>
+              </a:spcBef>
+              <a:spcAft>
+                <a:spcPts val="0"/>
+              </a:spcAft>
+              <a:buNone/>
+            </a:pPr>
+            <a:r>
+              <a:rPr lang="en" dirty="0">
+                <a:latin typeface="Courier New"/>
+                <a:ea typeface="Courier New"/>
+                <a:cs typeface="Courier New"/>
+                <a:sym typeface="Courier New"/>
+              </a:rPr>
+              <a:t>/bin directory 			:	../../bin</a:t>
+            </a:r>
+            <a:endParaRPr dirty="0">
+              <a:latin typeface="Courier New"/>
+              <a:ea typeface="Courier New"/>
+              <a:cs typeface="Courier New"/>
+              <a:sym typeface="Courier New"/>
+            </a:endParaRPr>
+          </a:p>
+          <a:p>
+            <a:pPr marL="457200" lvl="0" indent="0" algn="l" rtl="0">
+              <a:lnSpc>
+                <a:spcPct val="50000"/>
+              </a:lnSpc>
+              <a:spcBef>
+                <a:spcPts val="1600"/>
+              </a:spcBef>
+              <a:spcAft>
+                <a:spcPts val="0"/>
+              </a:spcAft>
+              <a:buNone/>
+            </a:pPr>
+            <a:r>
+              <a:rPr lang="en" dirty="0">
+                <a:latin typeface="Courier New"/>
+                <a:ea typeface="Courier New"/>
+                <a:cs typeface="Courier New"/>
+                <a:sym typeface="Courier New"/>
+              </a:rPr>
+              <a:t>Rel.Path to passwd file in etc directory	:	../../etc/passwd</a:t>
+            </a:r>
+            <a:endParaRPr dirty="0">
+              <a:latin typeface="Courier New"/>
+              <a:ea typeface="Courier New"/>
+              <a:cs typeface="Courier New"/>
+              <a:sym typeface="Courier New"/>
+            </a:endParaRPr>
+          </a:p>
+          <a:p>
+            <a:pPr marL="457200" lvl="0" indent="0" algn="l" rtl="0">
+              <a:lnSpc>
+                <a:spcPct val="50000"/>
+              </a:lnSpc>
+              <a:spcBef>
+                <a:spcPts val="1600"/>
+              </a:spcBef>
+              <a:spcAft>
+                <a:spcPts val="0"/>
+              </a:spcAft>
+              <a:buNone/>
+            </a:pPr>
+            <a:r>
+              <a:rPr lang="en" dirty="0">
+                <a:latin typeface="Courier New"/>
+                <a:ea typeface="Courier New"/>
+                <a:cs typeface="Courier New"/>
+                <a:sym typeface="Courier New"/>
+              </a:rPr>
+              <a:t>Rel.Path to hello.sh file </a:t>
             </a:r>
             <a:r>
               <a:rPr lang="en">
@@ -9304,9 +9560,18 @@
                 <a:cs typeface="Courier New"/>
                 <a:sym typeface="Courier New"/>
               </a:rPr>
-              <a:t>/home/kkarthikr002</a:t>
+              <a:t>on Desktop</a:t>
             </a:r>
-            <a:endParaRPr>
+            <a:r>
+              <a:rPr lang="en" dirty="0">
+                <a:latin typeface="Courier New"/>
+                <a:ea typeface="Courier New"/>
+                <a:cs typeface="Courier New"/>
+                <a:sym typeface="Courier New"/>
+              </a:rPr>
+              <a:t>	:	Desktop/hello.sh</a:t>
+            </a:r>
+            <a:endParaRPr dirty="0">
               <a:latin typeface="Courier New"/>
               <a:ea typeface="Courier New"/>
               <a:cs typeface="Courier New"/>
@@ -9314,7 +9579,7 @@
             </a:endParaRPr>
           </a:p>
           <a:p>
-            <a:pPr indent="0" lvl="0" marL="457200" rtl="0" algn="l">
+            <a:pPr marL="457200" lvl="0" indent="0" algn="l" rtl="0">
               <a:lnSpc>
                 <a:spcPct val="50000"/>
               </a:lnSpc>
@@ -9327,152 +9592,7 @@
               <a:buNone/>
             </a:pPr>
             <a:r>
-              <a:rPr lang="en">
-                <a:latin typeface="Courier New"/>
-                <a:ea typeface="Courier New"/>
-                <a:cs typeface="Courier New"/>
-                <a:sym typeface="Courier New"/>
-              </a:rPr>
-              <a:t>/home directory 						:	.. or ../</a:t>
-            </a:r>
-            <a:endParaRPr>
-              <a:latin typeface="Courier New"/>
-              <a:ea typeface="Courier New"/>
-              <a:cs typeface="Courier New"/>
-              <a:sym typeface="Courier New"/>
-            </a:endParaRPr>
-          </a:p>
-          <a:p>
-            <a:pPr indent="0" lvl="0" marL="457200" rtl="0" algn="l">
-              <a:lnSpc>
-                <a:spcPct val="50000"/>
-              </a:lnSpc>
-              <a:spcBef>
-                <a:spcPts val="1600"/>
-              </a:spcBef>
-              <a:spcAft>
-                <a:spcPts val="0"/>
-              </a:spcAft>
-              <a:buNone/>
-            </a:pPr>
-            <a:r>
-              <a:rPr lang="en">
-                <a:latin typeface="Courier New"/>
-                <a:ea typeface="Courier New"/>
-                <a:cs typeface="Courier New"/>
-                <a:sym typeface="Courier New"/>
-              </a:rPr>
-              <a:t>Root directory 						:	../..</a:t>
-            </a:r>
-            <a:endParaRPr>
-              <a:latin typeface="Courier New"/>
-              <a:ea typeface="Courier New"/>
-              <a:cs typeface="Courier New"/>
-              <a:sym typeface="Courier New"/>
-            </a:endParaRPr>
-          </a:p>
-          <a:p>
-            <a:pPr indent="0" lvl="0" marL="457200" rtl="0" algn="l">
-              <a:lnSpc>
-                <a:spcPct val="50000"/>
-              </a:lnSpc>
-              <a:spcBef>
-                <a:spcPts val="1600"/>
-              </a:spcBef>
-              <a:spcAft>
-                <a:spcPts val="0"/>
-              </a:spcAft>
-              <a:buNone/>
-            </a:pPr>
-            <a:r>
-              <a:rPr lang="en">
-                <a:latin typeface="Courier New"/>
-                <a:ea typeface="Courier New"/>
-                <a:cs typeface="Courier New"/>
-                <a:sym typeface="Courier New"/>
-              </a:rPr>
-              <a:t>/bin directory 						:	../../bin</a:t>
-            </a:r>
-            <a:endParaRPr>
-              <a:latin typeface="Courier New"/>
-              <a:ea typeface="Courier New"/>
-              <a:cs typeface="Courier New"/>
-              <a:sym typeface="Courier New"/>
-            </a:endParaRPr>
-          </a:p>
-          <a:p>
-            <a:pPr indent="0" lvl="0" marL="457200" rtl="0" algn="l">
-              <a:lnSpc>
-                <a:spcPct val="50000"/>
-              </a:lnSpc>
-              <a:spcBef>
-                <a:spcPts val="1600"/>
-              </a:spcBef>
-              <a:spcAft>
-                <a:spcPts val="0"/>
-              </a:spcAft>
-              <a:buNone/>
-            </a:pPr>
-            <a:r>
-              <a:rPr lang="en">
-                <a:latin typeface="Courier New"/>
-                <a:ea typeface="Courier New"/>
-                <a:cs typeface="Courier New"/>
-                <a:sym typeface="Courier New"/>
-              </a:rPr>
-              <a:t>Rel.Path to passwd file in etc directory	:	../../etc/passwd</a:t>
-            </a:r>
-            <a:endParaRPr>
-              <a:latin typeface="Courier New"/>
-              <a:ea typeface="Courier New"/>
-              <a:cs typeface="Courier New"/>
-              <a:sym typeface="Courier New"/>
-            </a:endParaRPr>
-          </a:p>
-          <a:p>
-            <a:pPr indent="0" lvl="0" marL="457200" rtl="0" algn="l">
-              <a:lnSpc>
-                <a:spcPct val="50000"/>
-              </a:lnSpc>
-              <a:spcBef>
-                <a:spcPts val="1600"/>
-              </a:spcBef>
-              <a:spcAft>
-                <a:spcPts val="0"/>
-              </a:spcAft>
-              <a:buNone/>
-            </a:pPr>
-            <a:r>
-              <a:rPr lang="en">
-                <a:latin typeface="Courier New"/>
-                <a:ea typeface="Courier New"/>
-                <a:cs typeface="Courier New"/>
-                <a:sym typeface="Courier New"/>
-              </a:rPr>
-              <a:t>Rel.Path to hello.sh file on Desktop		:	Desktop/hello.sh</a:t>
-            </a:r>
-            <a:endParaRPr>
-              <a:latin typeface="Courier New"/>
-              <a:ea typeface="Courier New"/>
-              <a:cs typeface="Courier New"/>
-              <a:sym typeface="Courier New"/>
-            </a:endParaRPr>
-          </a:p>
-          <a:p>
-            <a:pPr indent="0" lvl="0" marL="457200" rtl="0" algn="l">
-              <a:lnSpc>
-                <a:spcPct val="50000"/>
-              </a:lnSpc>
-              <a:spcBef>
-                <a:spcPts val="1600"/>
-              </a:spcBef>
-              <a:spcAft>
-                <a:spcPts val="0"/>
-              </a:spcAft>
-              <a:buNone/>
-            </a:pPr>
-            <a:r>
-              <a:rPr lang="en">
+              <a:rPr lang="en" dirty="0">
                 <a:latin typeface="Courier New"/>
                 <a:ea typeface="Courier New"/>
                 <a:cs typeface="Courier New"/>
@@ -9480,7 +9600,7 @@
               </a:rPr>
               <a:t>Rel.path to kernel.png file in Downloads	:	Downloads/kernel.png</a:t>
             </a:r>
-            <a:endParaRPr>
+            <a:endParaRPr dirty="0">
               <a:latin typeface="Courier New"/>
               <a:ea typeface="Courier New"/>
               <a:cs typeface="Courier New"/>
@@ -9488,7 +9608,7 @@
             </a:endParaRPr>
           </a:p>
           <a:p>
-            <a:pPr indent="0" lvl="0" marL="457200" rtl="0" algn="l">
+            <a:pPr marL="457200" lvl="0" indent="0" algn="l" rtl="0">
               <a:lnSpc>
                 <a:spcPct val="50000"/>
               </a:lnSpc>
@@ -9500,10 +9620,7 @@
               </a:spcAft>
               <a:buNone/>
             </a:pPr>
-            <a:r>
-              <a:t/>
-            </a:r>
-            <a:endParaRPr>
+            <a:endParaRPr dirty="0">
               <a:latin typeface="Courier New"/>
               <a:ea typeface="Courier New"/>
               <a:cs typeface="Courier New"/>
@@ -9511,7 +9628,7 @@
             </a:endParaRPr>
           </a:p>
           <a:p>
-            <a:pPr indent="0" lvl="0" marL="457200" rtl="0" algn="l">
+            <a:pPr marL="457200" lvl="0" indent="0" algn="l" rtl="0">
               <a:lnSpc>
                 <a:spcPct val="50000"/>
               </a:lnSpc>
@@ -9523,10 +9640,7 @@
               </a:spcAft>
               <a:buNone/>
             </a:pPr>
-            <a:r>
-              <a:t/>
-            </a:r>
-            <a:endParaRPr>
+            <a:endParaRPr dirty="0">
               <a:latin typeface="Courier New"/>
               <a:ea typeface="Courier New"/>
               <a:cs typeface="Courier New"/>
@@ -9534,7 +9648,7 @@
             </a:endParaRPr>
           </a:p>
           <a:p>
-            <a:pPr indent="0" lvl="0" marL="457200" rtl="0" algn="l">
+            <a:pPr marL="457200" lvl="0" indent="0" algn="l" rtl="0">
               <a:lnSpc>
                 <a:spcPct val="50000"/>
               </a:lnSpc>
@@ -9546,10 +9660,7 @@
               </a:spcAft>
               <a:buNone/>
             </a:pPr>
-            <a:r>
-              <a:t/>
-            </a:r>
-            <a:endParaRPr>
+            <a:endParaRPr dirty="0">
               <a:latin typeface="Courier New"/>
               <a:ea typeface="Courier New"/>
               <a:cs typeface="Courier New"/>
@@ -9557,7 +9668,7 @@
             </a:endParaRPr>
           </a:p>
           <a:p>
-            <a:pPr indent="0" lvl="0" marL="0" rtl="0" algn="l">
+            <a:pPr marL="0" lvl="0" indent="0" algn="l" rtl="0">
               <a:lnSpc>
                 <a:spcPct val="50000"/>
               </a:lnSpc>
@@ -9570,13 +9681,13 @@
               <a:buNone/>
             </a:pPr>
             <a:r>
-              <a:rPr lang="en"/>
+              <a:rPr lang="en" dirty="0"/>
               <a:t>	</a:t>
             </a:r>
-            <a:endParaRPr/>
-          </a:p>
-          <a:p>
-            <a:pPr indent="0" lvl="0" marL="0" rtl="0" algn="l">
+            <a:endParaRPr dirty="0"/>
+          </a:p>
+          <a:p>
+            <a:pPr marL="0" lvl="0" indent="0" algn="l" rtl="0">
               <a:lnSpc>
                 <a:spcPct val="50000"/>
               </a:lnSpc>
@@ -9589,10 +9700,10 @@
               <a:buNone/>
             </a:pPr>
             <a:r>
-              <a:rPr lang="en"/>
+              <a:rPr lang="en" dirty="0"/>
               <a:t>	</a:t>
             </a:r>
-            <a:endParaRPr/>
+            <a:endParaRPr dirty="0"/>
           </a:p>
         </p:txBody>
       </p:sp>
@@ -9605,11 +9716,11 @@
 </file>
 
 <file path=ppt/slides/slide6.xml><?xml version="1.0" encoding="utf-8"?>
-<p:sld xmlns:a="http://schemas.openxmlformats.org/drawingml/2006/main" xmlns:r="http://schemas.openxmlformats.org/officeDocument/2006/relationships" xmlns:mc="http://schemas.openxmlformats.org/markup-compatibility/2006" xmlns:mv="urn:schemas-microsoft-com:mac:vml" xmlns:p="http://schemas.openxmlformats.org/presentationml/2006/main" xmlns:c="http://schemas.openxmlformats.org/drawingml/2006/chart" xmlns:dgm="http://schemas.openxmlformats.org/drawingml/2006/diagram" xmlns:o="urn:schemas-microsoft-com:office:office" xmlns:v="urn:schemas-microsoft-com:vml" xmlns:pvml="urn:schemas-microsoft-com:office:powerpoint" xmlns:com="http://schemas.openxmlformats.org/drawingml/2006/compatibility" xmlns:p14="http://schemas.microsoft.com/office/powerpoint/2010/main" xmlns:p15="http://schemas.microsoft.com/office/powerpoint/2012/main">
+<p:sld xmlns:a="http://schemas.openxmlformats.org/drawingml/2006/main" xmlns:r="http://schemas.openxmlformats.org/officeDocument/2006/relationships" xmlns:p="http://schemas.openxmlformats.org/presentationml/2006/main">
   <p:cSld>
     <p:spTree>
       <p:nvGrpSpPr>
-        <p:cNvPr id="113" name="Shape 113"/>
+        <p:cNvPr id="1" name="Shape 113"/>
         <p:cNvGrpSpPr/>
         <p:nvPr/>
       </p:nvGrpSpPr>
@@ -9624,7 +9735,9 @@
       <p:sp>
         <p:nvSpPr>
           <p:cNvPr id="114" name="Google Shape;114;p18"/>
-          <p:cNvSpPr txBox="1"/>
+          <p:cNvSpPr txBox="1">
+            <a:spLocks noGrp="1"/>
+          </p:cNvSpPr>
           <p:nvPr>
             <p:ph type="title"/>
           </p:nvPr>
@@ -9638,7 +9751,7 @@
             <a:avLst/>
           </a:prstGeom>
           <a:effectLst>
-            <a:outerShdw blurRad="57150" rotWithShape="0" algn="bl" dir="5400000" dist="19050">
+            <a:outerShdw blurRad="57150" dist="19050" dir="5400000" algn="bl" rotWithShape="0">
               <a:srgbClr val="000000">
                 <a:alpha val="50000"/>
               </a:srgbClr>
@@ -9646,12 +9759,12 @@
           </a:effectLst>
         </p:spPr>
         <p:txBody>
-          <a:bodyPr anchorCtr="0" anchor="t" bIns="91425" lIns="91425" spcFirstLastPara="1" rIns="91425" wrap="square" tIns="91425">
+          <a:bodyPr spcFirstLastPara="1" wrap="square" lIns="91425" tIns="91425" rIns="91425" bIns="91425" anchor="t" anchorCtr="0">
             <a:noAutofit/>
           </a:bodyPr>
           <a:lstStyle/>
           <a:p>
-            <a:pPr indent="0" lvl="0" marL="0" rtl="0" algn="l">
+            <a:pPr marL="0" lvl="0" indent="0" algn="l" rtl="0">
               <a:spcBef>
                 <a:spcPts val="0"/>
               </a:spcBef>
@@ -9667,16 +9780,7 @@
                 <a:cs typeface="Courier New"/>
                 <a:sym typeface="Courier New"/>
               </a:rPr>
-              <a:t>l</a:t>
-            </a:r>
-            <a:r>
-              <a:rPr lang="en">
-                <a:latin typeface="Courier New"/>
-                <a:ea typeface="Courier New"/>
-                <a:cs typeface="Courier New"/>
-                <a:sym typeface="Courier New"/>
-              </a:rPr>
-              <a:t>s </a:t>
+              <a:t>ls </a:t>
             </a:r>
             <a:r>
               <a:rPr lang="en"/>
@@ -9689,9 +9793,11 @@
       <p:sp>
         <p:nvSpPr>
           <p:cNvPr id="115" name="Google Shape;115;p18"/>
-          <p:cNvSpPr txBox="1"/>
+          <p:cNvSpPr txBox="1">
+            <a:spLocks noGrp="1"/>
+          </p:cNvSpPr>
           <p:nvPr>
-            <p:ph idx="1" type="body"/>
+            <p:ph type="body" idx="1"/>
           </p:nvPr>
         </p:nvSpPr>
         <p:spPr>
@@ -9704,12 +9810,12 @@
           </a:prstGeom>
         </p:spPr>
         <p:txBody>
-          <a:bodyPr anchorCtr="0" anchor="t" bIns="91425" lIns="91425" spcFirstLastPara="1" rIns="91425" wrap="square" tIns="91425">
+          <a:bodyPr spcFirstLastPara="1" wrap="square" lIns="91425" tIns="91425" rIns="91425" bIns="91425" anchor="t" anchorCtr="0">
             <a:noAutofit/>
           </a:bodyPr>
           <a:lstStyle/>
           <a:p>
-            <a:pPr indent="-330200" lvl="0" marL="457200" rtl="0" algn="l">
+            <a:pPr marL="457200" lvl="0" indent="-330200" algn="l" rtl="0">
               <a:spcBef>
                 <a:spcPts val="0"/>
               </a:spcBef>
@@ -9720,22 +9826,13 @@
               <a:buChar char="❖"/>
             </a:pPr>
             <a:r>
-              <a:rPr b="1" lang="en" sz="1600">
+              <a:rPr lang="en" sz="1600" b="1">
                 <a:latin typeface="Courier New"/>
                 <a:ea typeface="Courier New"/>
                 <a:cs typeface="Courier New"/>
                 <a:sym typeface="Courier New"/>
               </a:rPr>
-              <a:t>l</a:t>
-            </a:r>
-            <a:r>
-              <a:rPr b="1" lang="en" sz="1600">
-                <a:latin typeface="Courier New"/>
-                <a:ea typeface="Courier New"/>
-                <a:cs typeface="Courier New"/>
-                <a:sym typeface="Courier New"/>
-              </a:rPr>
-              <a:t>s</a:t>
+              <a:t>ls</a:t>
             </a:r>
             <a:r>
               <a:rPr lang="en" sz="1600">
@@ -9753,7 +9850,7 @@
             <a:endParaRPr sz="1600"/>
           </a:p>
           <a:p>
-            <a:pPr indent="-330200" lvl="0" marL="457200" rtl="0" algn="l">
+            <a:pPr marL="457200" lvl="0" indent="-330200" algn="l" rtl="0">
               <a:spcBef>
                 <a:spcPts val="0"/>
               </a:spcBef>
@@ -9764,22 +9861,13 @@
               <a:buChar char="❖"/>
             </a:pPr>
             <a:r>
-              <a:rPr b="1" lang="en" sz="1600">
+              <a:rPr lang="en" sz="1600" b="1">
                 <a:latin typeface="Courier New"/>
                 <a:ea typeface="Courier New"/>
                 <a:cs typeface="Courier New"/>
                 <a:sym typeface="Courier New"/>
               </a:rPr>
-              <a:t>l</a:t>
-            </a:r>
-            <a:r>
-              <a:rPr b="1" lang="en" sz="1600">
-                <a:latin typeface="Courier New"/>
-                <a:ea typeface="Courier New"/>
-                <a:cs typeface="Courier New"/>
-                <a:sym typeface="Courier New"/>
-              </a:rPr>
-              <a:t>s</a:t>
+              <a:t>ls</a:t>
             </a:r>
             <a:r>
               <a:rPr lang="en" sz="1600">
@@ -9797,7 +9885,7 @@
             <a:endParaRPr sz="1600"/>
           </a:p>
           <a:p>
-            <a:pPr indent="-330200" lvl="0" marL="457200" rtl="0" algn="l">
+            <a:pPr marL="457200" lvl="0" indent="-330200" algn="l" rtl="0">
               <a:spcBef>
                 <a:spcPts val="0"/>
               </a:spcBef>
@@ -9808,7 +9896,7 @@
               <a:buChar char="❖"/>
             </a:pPr>
             <a:r>
-              <a:rPr b="1" lang="en" sz="1600">
+              <a:rPr lang="en" sz="1600" b="1">
                 <a:latin typeface="Courier New"/>
                 <a:ea typeface="Courier New"/>
                 <a:cs typeface="Courier New"/>
@@ -9830,13 +9918,13 @@
               <a:t> command gives the contents of  present working directory in </a:t>
             </a:r>
             <a:r>
-              <a:rPr b="1" lang="en" sz="1600"/>
+              <a:rPr lang="en" sz="1600" b="1"/>
               <a:t>alphabetical order.</a:t>
             </a:r>
-            <a:endParaRPr b="1" sz="1600"/>
-          </a:p>
-          <a:p>
-            <a:pPr indent="-330200" lvl="0" marL="457200" rtl="0" algn="l">
+            <a:endParaRPr sz="1600" b="1"/>
+          </a:p>
+          <a:p>
+            <a:pPr marL="457200" lvl="0" indent="-330200" algn="l" rtl="0">
               <a:spcBef>
                 <a:spcPts val="0"/>
               </a:spcBef>
@@ -9851,7 +9939,7 @@
               <a:t>Using</a:t>
             </a:r>
             <a:r>
-              <a:rPr b="1" lang="en" sz="1600">
+              <a:rPr lang="en" sz="1600" b="1">
                 <a:latin typeface="Courier New"/>
                 <a:ea typeface="Courier New"/>
                 <a:cs typeface="Courier New"/>
@@ -9866,7 +9954,7 @@
             <a:endParaRPr sz="1600"/>
           </a:p>
           <a:p>
-            <a:pPr indent="-330200" lvl="0" marL="457200" rtl="0" algn="l">
+            <a:pPr marL="457200" lvl="0" indent="-330200" algn="l" rtl="0">
               <a:spcBef>
                 <a:spcPts val="0"/>
               </a:spcBef>
@@ -9881,13 +9969,13 @@
               <a:t>For this purpose, we need to give path(either relative or absolute) of that directory as an input to the command. These inputs are called as </a:t>
             </a:r>
             <a:r>
-              <a:rPr b="1" lang="en" sz="1600"/>
+              <a:rPr lang="en" sz="1600" b="1"/>
               <a:t>Arguments.</a:t>
             </a:r>
             <a:endParaRPr sz="1600"/>
           </a:p>
           <a:p>
-            <a:pPr indent="-330200" lvl="0" marL="457200" rtl="0" algn="l">
+            <a:pPr marL="457200" lvl="0" indent="-330200" algn="l" rtl="0">
               <a:spcBef>
                 <a:spcPts val="0"/>
               </a:spcBef>
@@ -9898,7 +9986,7 @@
               <a:buChar char="❖"/>
             </a:pPr>
             <a:r>
-              <a:rPr b="1" lang="en" sz="1600">
+              <a:rPr lang="en" sz="1600" b="1">
                 <a:latin typeface="Courier New"/>
                 <a:ea typeface="Courier New"/>
                 <a:cs typeface="Courier New"/>
@@ -9920,7 +10008,7 @@
               <a:t>command takes </a:t>
             </a:r>
             <a:r>
-              <a:rPr b="1" lang="en" sz="1600"/>
+              <a:rPr lang="en" sz="1600" b="1"/>
               <a:t>path</a:t>
             </a:r>
             <a:r>
@@ -9930,7 +10018,7 @@
             <a:endParaRPr sz="1600"/>
           </a:p>
           <a:p>
-            <a:pPr indent="-330200" lvl="0" marL="457200" rtl="0" algn="l">
+            <a:pPr marL="457200" lvl="0" indent="-330200" algn="l" rtl="0">
               <a:spcBef>
                 <a:spcPts val="0"/>
               </a:spcBef>
@@ -9957,11 +10045,11 @@
 </file>
 
 <file path=ppt/slides/slide7.xml><?xml version="1.0" encoding="utf-8"?>
-<p:sld xmlns:a="http://schemas.openxmlformats.org/drawingml/2006/main" xmlns:r="http://schemas.openxmlformats.org/officeDocument/2006/relationships" xmlns:mc="http://schemas.openxmlformats.org/markup-compatibility/2006" xmlns:mv="urn:schemas-microsoft-com:mac:vml" xmlns:p="http://schemas.openxmlformats.org/presentationml/2006/main" xmlns:c="http://schemas.openxmlformats.org/drawingml/2006/chart" xmlns:dgm="http://schemas.openxmlformats.org/drawingml/2006/diagram" xmlns:o="urn:schemas-microsoft-com:office:office" xmlns:v="urn:schemas-microsoft-com:vml" xmlns:pvml="urn:schemas-microsoft-com:office:powerpoint" xmlns:com="http://schemas.openxmlformats.org/drawingml/2006/compatibility" xmlns:p14="http://schemas.microsoft.com/office/powerpoint/2010/main" xmlns:p15="http://schemas.microsoft.com/office/powerpoint/2012/main">
+<p:sld xmlns:a="http://schemas.openxmlformats.org/drawingml/2006/main" xmlns:r="http://schemas.openxmlformats.org/officeDocument/2006/relationships" xmlns:p="http://schemas.openxmlformats.org/presentationml/2006/main">
   <p:cSld>
     <p:spTree>
       <p:nvGrpSpPr>
-        <p:cNvPr id="119" name="Shape 119"/>
+        <p:cNvPr id="1" name="Shape 119"/>
         <p:cNvGrpSpPr/>
         <p:nvPr/>
       </p:nvGrpSpPr>
@@ -9976,9 +10064,11 @@
       <p:sp>
         <p:nvSpPr>
           <p:cNvPr id="120" name="Google Shape;120;p19"/>
-          <p:cNvSpPr txBox="1"/>
+          <p:cNvSpPr txBox="1">
+            <a:spLocks noGrp="1"/>
+          </p:cNvSpPr>
           <p:nvPr>
-            <p:ph idx="1" type="body"/>
+            <p:ph type="body" idx="1"/>
           </p:nvPr>
         </p:nvSpPr>
         <p:spPr>
@@ -9991,12 +10081,12 @@
           </a:prstGeom>
         </p:spPr>
         <p:txBody>
-          <a:bodyPr anchorCtr="0" anchor="t" bIns="91425" lIns="91425" spcFirstLastPara="1" rIns="91425" wrap="square" tIns="91425">
+          <a:bodyPr spcFirstLastPara="1" wrap="square" lIns="91425" tIns="91425" rIns="91425" bIns="91425" anchor="t" anchorCtr="0">
             <a:noAutofit/>
           </a:bodyPr>
           <a:lstStyle/>
           <a:p>
-            <a:pPr indent="0" lvl="0" marL="0" rtl="0" algn="l">
+            <a:pPr marL="0" lvl="0" indent="0" algn="l" rtl="0">
               <a:lnSpc>
                 <a:spcPct val="50000"/>
               </a:lnSpc>
@@ -10009,7 +10099,7 @@
               <a:buNone/>
             </a:pPr>
             <a:r>
-              <a:rPr b="1" lang="en" sz="1500"/>
+              <a:rPr lang="en" sz="1500" b="1"/>
               <a:t>Flags </a:t>
             </a:r>
             <a:r>
@@ -10019,7 +10109,7 @@
             <a:endParaRPr sz="1500"/>
           </a:p>
           <a:p>
-            <a:pPr indent="0" lvl="0" marL="0" rtl="0" algn="l">
+            <a:pPr marL="0" lvl="0" indent="0" algn="l" rtl="0">
               <a:lnSpc>
                 <a:spcPct val="20000"/>
               </a:lnSpc>
@@ -10036,7 +10126,7 @@
               <a:t>	</a:t>
             </a:r>
             <a:r>
-              <a:rPr b="1" lang="en" sz="1400">
+              <a:rPr lang="en" sz="1400" b="1">
                 <a:solidFill>
                   <a:srgbClr val="222222"/>
                 </a:solidFill>
@@ -10067,7 +10157,7 @@
             </a:endParaRPr>
           </a:p>
           <a:p>
-            <a:pPr indent="0" lvl="0" marL="0" rtl="0" algn="l">
+            <a:pPr marL="0" lvl="0" indent="0" algn="l" rtl="0">
               <a:lnSpc>
                 <a:spcPct val="20000"/>
               </a:lnSpc>
@@ -10091,7 +10181,7 @@
               <a:t> 	based on what </a:t>
             </a:r>
             <a:r>
-              <a:rPr b="1" lang="en" sz="1400">
+              <a:rPr lang="en" sz="1400" b="1">
                 <a:solidFill>
                   <a:srgbClr val="222222"/>
                 </a:solidFill>
@@ -10122,7 +10212,7 @@
             </a:endParaRPr>
           </a:p>
           <a:p>
-            <a:pPr indent="457200" lvl="0" marL="0" rtl="0" algn="l">
+            <a:pPr marL="0" lvl="0" indent="457200" algn="l" rtl="0">
               <a:lnSpc>
                 <a:spcPct val="20000"/>
               </a:lnSpc>
@@ -10155,7 +10245,7 @@
             </a:endParaRPr>
           </a:p>
           <a:p>
-            <a:pPr indent="-317500" lvl="0" marL="914400" rtl="0" algn="l">
+            <a:pPr marL="914400" lvl="0" indent="-317500" algn="l" rtl="0">
               <a:spcBef>
                 <a:spcPts val="1600"/>
               </a:spcBef>
@@ -10189,7 +10279,7 @@
             </a:endParaRPr>
           </a:p>
           <a:p>
-            <a:pPr indent="-317500" lvl="0" marL="914400" rtl="0" algn="l">
+            <a:pPr marL="914400" lvl="0" indent="-317500" algn="l" rtl="0">
               <a:lnSpc>
                 <a:spcPct val="100000"/>
               </a:lnSpc>
@@ -10226,7 +10316,7 @@
             </a:endParaRPr>
           </a:p>
           <a:p>
-            <a:pPr indent="-317500" lvl="0" marL="914400" rtl="0" algn="l">
+            <a:pPr marL="914400" lvl="0" indent="-317500" algn="l" rtl="0">
               <a:lnSpc>
                 <a:spcPct val="100000"/>
               </a:lnSpc>
@@ -10263,7 +10353,7 @@
             </a:endParaRPr>
           </a:p>
           <a:p>
-            <a:pPr indent="0" lvl="0" marL="0" rtl="0" algn="l">
+            <a:pPr marL="0" lvl="0" indent="0" algn="l" rtl="0">
               <a:lnSpc>
                 <a:spcPct val="50000"/>
               </a:lnSpc>
@@ -10280,7 +10370,7 @@
               <a:t>Important flags of </a:t>
             </a:r>
             <a:r>
-              <a:rPr b="1" lang="en" sz="1400">
+              <a:rPr lang="en" sz="1400" b="1">
                 <a:latin typeface="Courier New"/>
                 <a:ea typeface="Courier New"/>
                 <a:cs typeface="Courier New"/>
@@ -10295,7 +10385,7 @@
             <a:endParaRPr sz="1400"/>
           </a:p>
           <a:p>
-            <a:pPr indent="0" lvl="0" marL="0" rtl="0" algn="l">
+            <a:pPr marL="0" lvl="0" indent="0" algn="l" rtl="0">
               <a:lnSpc>
                 <a:spcPct val="30000"/>
               </a:lnSpc>
@@ -10312,7 +10402,7 @@
               <a:t>	-l	</a:t>
             </a:r>
             <a:r>
-              <a:rPr b="1" lang="en" sz="1400"/>
+              <a:rPr lang="en" sz="1400" b="1"/>
               <a:t>long</a:t>
             </a:r>
             <a:r>
@@ -10322,7 +10412,7 @@
             <a:endParaRPr sz="1400"/>
           </a:p>
           <a:p>
-            <a:pPr indent="0" lvl="0" marL="0" rtl="0" algn="l">
+            <a:pPr marL="0" lvl="0" indent="0" algn="l" rtl="0">
               <a:lnSpc>
                 <a:spcPct val="30000"/>
               </a:lnSpc>
@@ -10339,7 +10429,7 @@
               <a:t>	-a	</a:t>
             </a:r>
             <a:r>
-              <a:rPr b="1" lang="en" sz="1400"/>
+              <a:rPr lang="en" sz="1400" b="1"/>
               <a:t>all</a:t>
             </a:r>
             <a:r>
@@ -10347,7 +10437,7 @@
               <a:t> files including hidden files(also including files that start with ‘ </a:t>
             </a:r>
             <a:r>
-              <a:rPr b="1" lang="en" sz="1700"/>
+              <a:rPr lang="en" sz="1700" b="1"/>
               <a:t>. </a:t>
             </a:r>
             <a:r>
@@ -10357,7 +10447,7 @@
             <a:endParaRPr sz="1400"/>
           </a:p>
           <a:p>
-            <a:pPr indent="0" lvl="0" marL="0" rtl="0" algn="l">
+            <a:pPr marL="0" lvl="0" indent="0" algn="l" rtl="0">
               <a:lnSpc>
                 <a:spcPct val="30000"/>
               </a:lnSpc>
@@ -10374,13 +10464,13 @@
               <a:t>	-R	print all contents </a:t>
             </a:r>
             <a:r>
-              <a:rPr b="1" lang="en" sz="1400"/>
+              <a:rPr lang="en" sz="1400" b="1"/>
               <a:t>recursively</a:t>
             </a:r>
-            <a:endParaRPr b="1" sz="1400"/>
-          </a:p>
-          <a:p>
-            <a:pPr indent="0" lvl="0" marL="0" rtl="0" algn="l">
+            <a:endParaRPr sz="1400" b="1"/>
+          </a:p>
+          <a:p>
+            <a:pPr marL="0" lvl="0" indent="0" algn="l" rtl="0">
               <a:lnSpc>
                 <a:spcPct val="30000"/>
               </a:lnSpc>
@@ -10393,7 +10483,7 @@
               <a:buNone/>
             </a:pPr>
             <a:r>
-              <a:rPr b="1" lang="en" sz="1400"/>
+              <a:rPr lang="en" sz="1400" b="1"/>
               <a:t>	</a:t>
             </a:r>
             <a:r>
@@ -10403,7 +10493,7 @@
             <a:endParaRPr sz="1400"/>
           </a:p>
           <a:p>
-            <a:pPr indent="0" lvl="0" marL="0" rtl="0" algn="l">
+            <a:pPr marL="0" lvl="0" indent="0" algn="l" rtl="0">
               <a:lnSpc>
                 <a:spcPct val="100000"/>
               </a:lnSpc>
@@ -10415,9 +10505,6 @@
               </a:spcAft>
               <a:buNone/>
             </a:pPr>
-            <a:r>
-              <a:t/>
-            </a:r>
             <a:endParaRPr sz="1400">
               <a:solidFill>
                 <a:srgbClr val="222222"/>
@@ -10428,7 +10515,7 @@
             </a:endParaRPr>
           </a:p>
           <a:p>
-            <a:pPr indent="0" lvl="0" marL="0" rtl="0" algn="l">
+            <a:pPr marL="0" lvl="0" indent="0" algn="l" rtl="0">
               <a:spcBef>
                 <a:spcPts val="1600"/>
               </a:spcBef>
@@ -10437,9 +10524,6 @@
               </a:spcAft>
               <a:buNone/>
             </a:pPr>
-            <a:r>
-              <a:t/>
-            </a:r>
             <a:endParaRPr/>
           </a:p>
         </p:txBody>
@@ -10453,11 +10537,11 @@
 </file>
 
 <file path=ppt/slides/slide8.xml><?xml version="1.0" encoding="utf-8"?>
-<p:sld xmlns:a="http://schemas.openxmlformats.org/drawingml/2006/main" xmlns:r="http://schemas.openxmlformats.org/officeDocument/2006/relationships" xmlns:mc="http://schemas.openxmlformats.org/markup-compatibility/2006" xmlns:mv="urn:schemas-microsoft-com:mac:vml" xmlns:p="http://schemas.openxmlformats.org/presentationml/2006/main" xmlns:c="http://schemas.openxmlformats.org/drawingml/2006/chart" xmlns:dgm="http://schemas.openxmlformats.org/drawingml/2006/diagram" xmlns:o="urn:schemas-microsoft-com:office:office" xmlns:v="urn:schemas-microsoft-com:vml" xmlns:pvml="urn:schemas-microsoft-com:office:powerpoint" xmlns:com="http://schemas.openxmlformats.org/drawingml/2006/compatibility" xmlns:p14="http://schemas.microsoft.com/office/powerpoint/2010/main" xmlns:p15="http://schemas.microsoft.com/office/powerpoint/2012/main">
+<p:sld xmlns:a="http://schemas.openxmlformats.org/drawingml/2006/main" xmlns:r="http://schemas.openxmlformats.org/officeDocument/2006/relationships" xmlns:p="http://schemas.openxmlformats.org/presentationml/2006/main">
   <p:cSld>
     <p:spTree>
       <p:nvGrpSpPr>
-        <p:cNvPr id="124" name="Shape 124"/>
+        <p:cNvPr id="1" name="Shape 124"/>
         <p:cNvGrpSpPr/>
         <p:nvPr/>
       </p:nvGrpSpPr>
@@ -10472,7 +10556,9 @@
       <p:sp>
         <p:nvSpPr>
           <p:cNvPr id="125" name="Google Shape;125;p20"/>
-          <p:cNvSpPr txBox="1"/>
+          <p:cNvSpPr txBox="1">
+            <a:spLocks noGrp="1"/>
+          </p:cNvSpPr>
           <p:nvPr>
             <p:ph type="title"/>
           </p:nvPr>
@@ -10486,7 +10572,7 @@
             <a:avLst/>
           </a:prstGeom>
           <a:effectLst>
-            <a:outerShdw blurRad="57150" rotWithShape="0" algn="bl" dir="5400000" dist="19050">
+            <a:outerShdw blurRad="57150" dist="19050" dir="5400000" algn="bl" rotWithShape="0">
               <a:srgbClr val="000000">
                 <a:alpha val="50000"/>
               </a:srgbClr>
@@ -10494,12 +10580,12 @@
           </a:effectLst>
         </p:spPr>
         <p:txBody>
-          <a:bodyPr anchorCtr="0" anchor="t" bIns="91425" lIns="91425" spcFirstLastPara="1" rIns="91425" wrap="square" tIns="91425">
+          <a:bodyPr spcFirstLastPara="1" wrap="square" lIns="91425" tIns="91425" rIns="91425" bIns="91425" anchor="t" anchorCtr="0">
             <a:noAutofit/>
           </a:bodyPr>
           <a:lstStyle/>
           <a:p>
-            <a:pPr indent="0" lvl="0" marL="0" rtl="0" algn="l">
+            <a:pPr marL="0" lvl="0" indent="0" algn="l" rtl="0">
               <a:spcBef>
                 <a:spcPts val="0"/>
               </a:spcBef>
@@ -10519,9 +10605,11 @@
       <p:sp>
         <p:nvSpPr>
           <p:cNvPr id="126" name="Google Shape;126;p20"/>
-          <p:cNvSpPr txBox="1"/>
+          <p:cNvSpPr txBox="1">
+            <a:spLocks noGrp="1"/>
+          </p:cNvSpPr>
           <p:nvPr>
-            <p:ph idx="1" type="body"/>
+            <p:ph type="body" idx="1"/>
           </p:nvPr>
         </p:nvSpPr>
         <p:spPr>
@@ -10534,12 +10622,12 @@
           </a:prstGeom>
         </p:spPr>
         <p:txBody>
-          <a:bodyPr anchorCtr="0" anchor="t" bIns="0" lIns="91425" spcFirstLastPara="1" rIns="91425" wrap="square" tIns="91425">
+          <a:bodyPr spcFirstLastPara="1" wrap="square" lIns="91425" tIns="91425" rIns="91425" bIns="0" anchor="t" anchorCtr="0">
             <a:noAutofit/>
           </a:bodyPr>
           <a:lstStyle/>
           <a:p>
-            <a:pPr indent="0" lvl="0" marL="0" rtl="0" algn="l">
+            <a:pPr marL="0" lvl="0" indent="0" algn="l" rtl="0">
               <a:lnSpc>
                 <a:spcPct val="100000"/>
               </a:lnSpc>
@@ -10552,7 +10640,7 @@
               <a:buNone/>
             </a:pPr>
             <a:r>
-              <a:rPr b="1" lang="en" sz="1500"/>
+              <a:rPr lang="en" sz="1500" b="1"/>
               <a:t>Syntax </a:t>
             </a:r>
             <a:r>
@@ -10576,7 +10664,7 @@
             </a:endParaRPr>
           </a:p>
           <a:p>
-            <a:pPr indent="0" lvl="0" marL="0" rtl="0" algn="l">
+            <a:pPr marL="0" lvl="0" indent="0" algn="l" rtl="0">
               <a:lnSpc>
                 <a:spcPct val="100000"/>
               </a:lnSpc>
@@ -10588,9 +10676,6 @@
               </a:spcAft>
               <a:buNone/>
             </a:pPr>
-            <a:r>
-              <a:t/>
-            </a:r>
             <a:endParaRPr sz="1500">
               <a:latin typeface="Courier New"/>
               <a:ea typeface="Courier New"/>
@@ -10599,7 +10684,7 @@
             </a:endParaRPr>
           </a:p>
           <a:p>
-            <a:pPr indent="0" lvl="0" marL="0" rtl="0" algn="l">
+            <a:pPr marL="0" lvl="0" indent="0" algn="l" rtl="0">
               <a:lnSpc>
                 <a:spcPct val="100000"/>
               </a:lnSpc>
@@ -10618,7 +10703,7 @@
             <a:endParaRPr sz="1500"/>
           </a:p>
           <a:p>
-            <a:pPr indent="-323850" lvl="0" marL="457200" rtl="0" algn="l">
+            <a:pPr marL="457200" lvl="0" indent="-323850" algn="l" rtl="0">
               <a:lnSpc>
                 <a:spcPct val="100000"/>
               </a:lnSpc>
@@ -10638,7 +10723,7 @@
             <a:endParaRPr sz="1500"/>
           </a:p>
           <a:p>
-            <a:pPr indent="-323850" lvl="0" marL="457200" rtl="0" algn="l">
+            <a:pPr marL="457200" lvl="0" indent="-323850" algn="l" rtl="0">
               <a:lnSpc>
                 <a:spcPct val="100000"/>
               </a:lnSpc>
@@ -10658,7 +10743,7 @@
             <a:endParaRPr sz="1500"/>
           </a:p>
           <a:p>
-            <a:pPr indent="0" lvl="0" marL="0" rtl="0" algn="l">
+            <a:pPr marL="0" lvl="0" indent="0" algn="l" rtl="0">
               <a:lnSpc>
                 <a:spcPct val="50000"/>
               </a:lnSpc>
@@ -10670,13 +10755,10 @@
               </a:spcAft>
               <a:buNone/>
             </a:pPr>
-            <a:r>
-              <a:t/>
-            </a:r>
             <a:endParaRPr sz="1500"/>
           </a:p>
           <a:p>
-            <a:pPr indent="0" lvl="0" marL="0" rtl="0" algn="l">
+            <a:pPr marL="0" lvl="0" indent="0" algn="l" rtl="0">
               <a:lnSpc>
                 <a:spcPct val="100000"/>
               </a:lnSpc>
@@ -10688,13 +10770,10 @@
               </a:spcAft>
               <a:buNone/>
             </a:pPr>
-            <a:r>
-              <a:t/>
-            </a:r>
             <a:endParaRPr sz="1500"/>
           </a:p>
           <a:p>
-            <a:pPr indent="0" lvl="0" marL="0" rtl="0" algn="l">
+            <a:pPr marL="0" lvl="0" indent="0" algn="l" rtl="0">
               <a:lnSpc>
                 <a:spcPct val="100000"/>
               </a:lnSpc>
@@ -10706,13 +10785,10 @@
               </a:spcAft>
               <a:buNone/>
             </a:pPr>
-            <a:r>
-              <a:t/>
-            </a:r>
             <a:endParaRPr sz="1700"/>
           </a:p>
           <a:p>
-            <a:pPr indent="0" lvl="0" marL="0" rtl="0" algn="l">
+            <a:pPr marL="0" lvl="0" indent="0" algn="l" rtl="0">
               <a:spcBef>
                 <a:spcPts val="1600"/>
               </a:spcBef>
@@ -10721,13 +10797,10 @@
               </a:spcAft>
               <a:buNone/>
             </a:pPr>
-            <a:r>
-              <a:t/>
-            </a:r>
             <a:endParaRPr sz="1700"/>
           </a:p>
           <a:p>
-            <a:pPr indent="0" lvl="0" marL="0" rtl="0" algn="l">
+            <a:pPr marL="0" lvl="0" indent="0" algn="l" rtl="0">
               <a:spcBef>
                 <a:spcPts val="1600"/>
               </a:spcBef>
@@ -10736,9 +10809,6 @@
               </a:spcAft>
               <a:buNone/>
             </a:pPr>
-            <a:r>
-              <a:t/>
-            </a:r>
             <a:endParaRPr sz="1700"/>
           </a:p>
         </p:txBody>
@@ -10752,7 +10822,7 @@
 </file>
 
 <file path=ppt/theme/theme1.xml><?xml version="1.0" encoding="utf-8"?>
-<a:theme xmlns:a="http://schemas.openxmlformats.org/drawingml/2006/main" xmlns:r="http://schemas.openxmlformats.org/officeDocument/2006/relationships" name="Streamline">
+<a:theme xmlns:a="http://schemas.openxmlformats.org/drawingml/2006/main" name="Streamline">
   <a:themeElements>
     <a:clrScheme name="Streamline">
       <a:dk1>
@@ -11027,11 +11097,13 @@
       </a:bgFillStyleLst>
     </a:fmtScheme>
   </a:themeElements>
+  <a:objectDefaults/>
+  <a:extraClrSchemeLst/>
 </a:theme>
 </file>
 
 <file path=ppt/theme/theme2.xml><?xml version="1.0" encoding="utf-8"?>
-<a:theme xmlns:a="http://schemas.openxmlformats.org/drawingml/2006/main" xmlns:r="http://schemas.openxmlformats.org/officeDocument/2006/relationships">
+<a:theme xmlns:a="http://schemas.openxmlformats.org/drawingml/2006/main">
   <a:themeElements>
     <a:clrScheme name="Default">
       <a:dk1>
@@ -11306,5 +11378,7 @@
       </a:bgFillStyleLst>
     </a:fmtScheme>
   </a:themeElements>
+  <a:objectDefaults/>
+  <a:extraClrSchemeLst/>
 </a:theme>
 </file>